--- a/image/_raw.pptx
+++ b/image/_raw.pptx
@@ -13,11 +13,12 @@
     <p:sldId id="256" r:id="rId7"/>
     <p:sldId id="257" r:id="rId8"/>
     <p:sldId id="258" r:id="rId9"/>
-    <p:sldId id="268" r:id="rId10"/>
-    <p:sldId id="269" r:id="rId11"/>
-    <p:sldId id="270" r:id="rId12"/>
-    <p:sldId id="264" r:id="rId13"/>
-    <p:sldId id="265" r:id="rId14"/>
+    <p:sldId id="271" r:id="rId10"/>
+    <p:sldId id="268" r:id="rId11"/>
+    <p:sldId id="269" r:id="rId12"/>
+    <p:sldId id="270" r:id="rId13"/>
+    <p:sldId id="264" r:id="rId14"/>
+    <p:sldId id="265" r:id="rId15"/>
   </p:sldIdLst>
   <p:sldSz cx="12192000" cy="6858000"/>
   <p:notesSz cx="6858000" cy="9144000"/>
@@ -149,6 +150,7 @@
         </p14:section>
         <p14:section name="LOF" id="{2AEAD4EB-CD32-460A-B693-D557358F18F3}">
           <p14:sldIdLst>
+            <p14:sldId id="271"/>
             <p14:sldId id="268"/>
             <p14:sldId id="269"/>
             <p14:sldId id="270"/>
@@ -320,7 +322,7 @@
           <a:p>
             <a:fld id="{DC00918D-4361-4CFD-83C0-A19C315B9995}" type="datetimeFigureOut">
               <a:rPr lang="en-US" smtClean="0"/>
-              <a:t>11/3/2022</a:t>
+              <a:t>2/4/23</a:t>
             </a:fld>
             <a:endParaRPr lang="en-US"/>
           </a:p>
@@ -518,7 +520,7 @@
           <a:p>
             <a:fld id="{DC00918D-4361-4CFD-83C0-A19C315B9995}" type="datetimeFigureOut">
               <a:rPr lang="en-US" smtClean="0"/>
-              <a:t>11/3/2022</a:t>
+              <a:t>2/4/23</a:t>
             </a:fld>
             <a:endParaRPr lang="en-US"/>
           </a:p>
@@ -726,7 +728,7 @@
           <a:p>
             <a:fld id="{DC00918D-4361-4CFD-83C0-A19C315B9995}" type="datetimeFigureOut">
               <a:rPr lang="en-US" smtClean="0"/>
-              <a:t>11/3/2022</a:t>
+              <a:t>2/4/23</a:t>
             </a:fld>
             <a:endParaRPr lang="en-US"/>
           </a:p>
@@ -924,7 +926,7 @@
           <a:p>
             <a:fld id="{DC00918D-4361-4CFD-83C0-A19C315B9995}" type="datetimeFigureOut">
               <a:rPr lang="en-US" smtClean="0"/>
-              <a:t>11/3/2022</a:t>
+              <a:t>2/4/23</a:t>
             </a:fld>
             <a:endParaRPr lang="en-US"/>
           </a:p>
@@ -1199,7 +1201,7 @@
           <a:p>
             <a:fld id="{DC00918D-4361-4CFD-83C0-A19C315B9995}" type="datetimeFigureOut">
               <a:rPr lang="en-US" smtClean="0"/>
-              <a:t>11/3/2022</a:t>
+              <a:t>2/4/23</a:t>
             </a:fld>
             <a:endParaRPr lang="en-US"/>
           </a:p>
@@ -1464,7 +1466,7 @@
           <a:p>
             <a:fld id="{DC00918D-4361-4CFD-83C0-A19C315B9995}" type="datetimeFigureOut">
               <a:rPr lang="en-US" smtClean="0"/>
-              <a:t>11/3/2022</a:t>
+              <a:t>2/4/23</a:t>
             </a:fld>
             <a:endParaRPr lang="en-US"/>
           </a:p>
@@ -1876,7 +1878,7 @@
           <a:p>
             <a:fld id="{DC00918D-4361-4CFD-83C0-A19C315B9995}" type="datetimeFigureOut">
               <a:rPr lang="en-US" smtClean="0"/>
-              <a:t>11/3/2022</a:t>
+              <a:t>2/4/23</a:t>
             </a:fld>
             <a:endParaRPr lang="en-US"/>
           </a:p>
@@ -2017,7 +2019,7 @@
           <a:p>
             <a:fld id="{DC00918D-4361-4CFD-83C0-A19C315B9995}" type="datetimeFigureOut">
               <a:rPr lang="en-US" smtClean="0"/>
-              <a:t>11/3/2022</a:t>
+              <a:t>2/4/23</a:t>
             </a:fld>
             <a:endParaRPr lang="en-US"/>
           </a:p>
@@ -2130,7 +2132,7 @@
           <a:p>
             <a:fld id="{DC00918D-4361-4CFD-83C0-A19C315B9995}" type="datetimeFigureOut">
               <a:rPr lang="en-US" smtClean="0"/>
-              <a:t>11/3/2022</a:t>
+              <a:t>2/4/23</a:t>
             </a:fld>
             <a:endParaRPr lang="en-US"/>
           </a:p>
@@ -2441,7 +2443,7 @@
           <a:p>
             <a:fld id="{DC00918D-4361-4CFD-83C0-A19C315B9995}" type="datetimeFigureOut">
               <a:rPr lang="en-US" smtClean="0"/>
-              <a:t>11/3/2022</a:t>
+              <a:t>2/4/23</a:t>
             </a:fld>
             <a:endParaRPr lang="en-US"/>
           </a:p>
@@ -2729,7 +2731,7 @@
           <a:p>
             <a:fld id="{DC00918D-4361-4CFD-83C0-A19C315B9995}" type="datetimeFigureOut">
               <a:rPr lang="en-US" smtClean="0"/>
-              <a:t>11/3/2022</a:t>
+              <a:t>2/4/23</a:t>
             </a:fld>
             <a:endParaRPr lang="en-US"/>
           </a:p>
@@ -2970,7 +2972,7 @@
           <a:p>
             <a:fld id="{DC00918D-4361-4CFD-83C0-A19C315B9995}" type="datetimeFigureOut">
               <a:rPr lang="en-US" smtClean="0"/>
-              <a:t>11/3/2022</a:t>
+              <a:t>2/4/23</a:t>
             </a:fld>
             <a:endParaRPr lang="en-US"/>
           </a:p>
@@ -4612,12 +4614,57 @@
           <a:chExt cx="0" cy="0"/>
         </a:xfrm>
       </p:grpSpPr>
+      <p:cxnSp>
+        <p:nvCxnSpPr>
+          <p:cNvPr id="5" name="Straight Arrow Connector 4">
+            <a:extLst>
+              <a:ext uri="{FF2B5EF4-FFF2-40B4-BE49-F238E27FC236}">
+                <a16:creationId xmlns:a16="http://schemas.microsoft.com/office/drawing/2014/main" id="{2CB89DDB-E639-7C58-F0E4-0868C62DFF57}"/>
+              </a:ext>
+            </a:extLst>
+          </p:cNvPr>
+          <p:cNvCxnSpPr>
+            <a:cxnSpLocks/>
+            <a:stCxn id="14" idx="7"/>
+          </p:cNvCxnSpPr>
+          <p:nvPr/>
+        </p:nvCxnSpPr>
+        <p:spPr>
+          <a:xfrm flipV="1">
+            <a:off x="5994663" y="1901987"/>
+            <a:ext cx="1277186" cy="1508074"/>
+          </a:xfrm>
+          <a:prstGeom prst="straightConnector1">
+            <a:avLst/>
+          </a:prstGeom>
+          <a:ln w="28575">
+            <a:solidFill>
+              <a:srgbClr val="C00000"/>
+            </a:solidFill>
+            <a:tailEnd type="triangle"/>
+          </a:ln>
+        </p:spPr>
+        <p:style>
+          <a:lnRef idx="1">
+            <a:schemeClr val="accent1"/>
+          </a:lnRef>
+          <a:fillRef idx="0">
+            <a:schemeClr val="accent1"/>
+          </a:fillRef>
+          <a:effectRef idx="0">
+            <a:schemeClr val="accent1"/>
+          </a:effectRef>
+          <a:fontRef idx="minor">
+            <a:schemeClr val="tx1"/>
+          </a:fontRef>
+        </p:style>
+      </p:cxnSp>
       <p:sp>
         <p:nvSpPr>
-          <p:cNvPr id="2" name="Flowchart: Connector 1">
-            <a:extLst>
-              <a:ext uri="{FF2B5EF4-FFF2-40B4-BE49-F238E27FC236}">
-                <a16:creationId xmlns:a16="http://schemas.microsoft.com/office/drawing/2014/main" id="{C5BE3978-8C76-18A8-9536-0440D2FED837}"/>
+          <p:cNvPr id="14" name="Flowchart: Connector 13">
+            <a:extLst>
+              <a:ext uri="{FF2B5EF4-FFF2-40B4-BE49-F238E27FC236}">
+                <a16:creationId xmlns:a16="http://schemas.microsoft.com/office/drawing/2014/main" id="{2A41672E-BFF7-A89D-3A40-3F9D75630226}"/>
               </a:ext>
             </a:extLst>
           </p:cNvPr>
@@ -4626,7 +4673,7 @@
         </p:nvSpPr>
         <p:spPr>
           <a:xfrm>
-            <a:off x="5992678" y="938334"/>
+            <a:off x="5818281" y="3379799"/>
             <a:ext cx="206644" cy="206644"/>
           </a:xfrm>
           <a:prstGeom prst="flowChartConnector">
@@ -4668,10 +4715,10 @@
       </p:sp>
       <p:sp>
         <p:nvSpPr>
-          <p:cNvPr id="3" name="Flowchart: Connector 2">
-            <a:extLst>
-              <a:ext uri="{FF2B5EF4-FFF2-40B4-BE49-F238E27FC236}">
-                <a16:creationId xmlns:a16="http://schemas.microsoft.com/office/drawing/2014/main" id="{8C920299-3AB6-C83B-5484-22FD42F98776}"/>
+          <p:cNvPr id="17" name="Oval 16">
+            <a:extLst>
+              <a:ext uri="{FF2B5EF4-FFF2-40B4-BE49-F238E27FC236}">
+                <a16:creationId xmlns:a16="http://schemas.microsoft.com/office/drawing/2014/main" id="{E96B0337-1AEC-06B1-FE9D-F75332D03F14}"/>
               </a:ext>
             </a:extLst>
           </p:cNvPr>
@@ -4680,7 +4727,114 @@
         </p:nvSpPr>
         <p:spPr>
           <a:xfrm>
-            <a:off x="4992553" y="1871784"/>
+            <a:off x="4309503" y="1797008"/>
+            <a:ext cx="3284236" cy="3284236"/>
+          </a:xfrm>
+          <a:prstGeom prst="ellipse">
+            <a:avLst/>
+          </a:prstGeom>
+          <a:noFill/>
+          <a:ln w="28575">
+            <a:solidFill>
+              <a:schemeClr val="tx1">
+                <a:lumMod val="75000"/>
+                <a:lumOff val="25000"/>
+              </a:schemeClr>
+            </a:solidFill>
+          </a:ln>
+        </p:spPr>
+        <p:style>
+          <a:lnRef idx="2">
+            <a:schemeClr val="accent1">
+              <a:shade val="50000"/>
+            </a:schemeClr>
+          </a:lnRef>
+          <a:fillRef idx="1">
+            <a:schemeClr val="accent1"/>
+          </a:fillRef>
+          <a:effectRef idx="0">
+            <a:schemeClr val="accent1"/>
+          </a:effectRef>
+          <a:fontRef idx="minor">
+            <a:schemeClr val="lt1"/>
+          </a:fontRef>
+        </p:style>
+        <p:txBody>
+          <a:bodyPr rtlCol="0" anchor="ctr"/>
+          <a:lstStyle/>
+          <a:p>
+            <a:pPr algn="ctr"/>
+            <a:endParaRPr lang="en-US"/>
+          </a:p>
+        </p:txBody>
+      </p:sp>
+      <p:sp>
+        <p:nvSpPr>
+          <p:cNvPr id="18" name="Flowchart: Connector 17">
+            <a:extLst>
+              <a:ext uri="{FF2B5EF4-FFF2-40B4-BE49-F238E27FC236}">
+                <a16:creationId xmlns:a16="http://schemas.microsoft.com/office/drawing/2014/main" id="{A8602923-6EC0-17BA-0AAA-99F8F6E3954E}"/>
+              </a:ext>
+            </a:extLst>
+          </p:cNvPr>
+          <p:cNvSpPr/>
+          <p:nvPr/>
+        </p:nvSpPr>
+        <p:spPr>
+          <a:xfrm>
+            <a:off x="7239602" y="1700367"/>
+            <a:ext cx="206644" cy="206644"/>
+          </a:xfrm>
+          <a:prstGeom prst="flowChartConnector">
+            <a:avLst/>
+          </a:prstGeom>
+          <a:solidFill>
+            <a:srgbClr val="C00000"/>
+          </a:solidFill>
+          <a:ln>
+            <a:noFill/>
+          </a:ln>
+        </p:spPr>
+        <p:style>
+          <a:lnRef idx="2">
+            <a:schemeClr val="accent1">
+              <a:shade val="50000"/>
+            </a:schemeClr>
+          </a:lnRef>
+          <a:fillRef idx="1">
+            <a:schemeClr val="accent1"/>
+          </a:fillRef>
+          <a:effectRef idx="0">
+            <a:schemeClr val="accent1"/>
+          </a:effectRef>
+          <a:fontRef idx="minor">
+            <a:schemeClr val="lt1"/>
+          </a:fontRef>
+        </p:style>
+        <p:txBody>
+          <a:bodyPr rtlCol="0" anchor="ctr"/>
+          <a:lstStyle/>
+          <a:p>
+            <a:pPr algn="ctr"/>
+            <a:endParaRPr lang="en-US"/>
+          </a:p>
+        </p:txBody>
+      </p:sp>
+      <p:sp>
+        <p:nvSpPr>
+          <p:cNvPr id="20" name="Flowchart: Connector 19">
+            <a:extLst>
+              <a:ext uri="{FF2B5EF4-FFF2-40B4-BE49-F238E27FC236}">
+                <a16:creationId xmlns:a16="http://schemas.microsoft.com/office/drawing/2014/main" id="{25E22713-05D1-47EE-4B93-0A236167A561}"/>
+              </a:ext>
+            </a:extLst>
+          </p:cNvPr>
+          <p:cNvSpPr/>
+          <p:nvPr/>
+        </p:nvSpPr>
+        <p:spPr>
+          <a:xfrm>
+            <a:off x="4973268" y="1968086"/>
             <a:ext cx="206644" cy="206644"/>
           </a:xfrm>
           <a:prstGeom prst="flowChartConnector">
@@ -4722,10 +4876,10 @@
       </p:sp>
       <p:sp>
         <p:nvSpPr>
-          <p:cNvPr id="4" name="Flowchart: Connector 3">
-            <a:extLst>
-              <a:ext uri="{FF2B5EF4-FFF2-40B4-BE49-F238E27FC236}">
-                <a16:creationId xmlns:a16="http://schemas.microsoft.com/office/drawing/2014/main" id="{5B71FA88-5E29-A5F6-778D-4B54BEB0EDCF}"/>
+          <p:cNvPr id="28" name="Flowchart: Connector 27">
+            <a:extLst>
+              <a:ext uri="{FF2B5EF4-FFF2-40B4-BE49-F238E27FC236}">
+                <a16:creationId xmlns:a16="http://schemas.microsoft.com/office/drawing/2014/main" id="{EE189A6E-066F-C1D5-41D0-DDED569CDF25}"/>
               </a:ext>
             </a:extLst>
           </p:cNvPr>
@@ -4734,59 +4888,7 @@
         </p:nvSpPr>
         <p:spPr>
           <a:xfrm>
-            <a:off x="6992805" y="1871784"/>
-            <a:ext cx="206644" cy="206644"/>
-          </a:xfrm>
-          <a:prstGeom prst="flowChartConnector">
-            <a:avLst/>
-          </a:prstGeom>
-          <a:solidFill>
-            <a:srgbClr val="C00000"/>
-          </a:solidFill>
-          <a:ln>
-            <a:noFill/>
-          </a:ln>
-        </p:spPr>
-        <p:style>
-          <a:lnRef idx="2">
-            <a:schemeClr val="accent1">
-              <a:shade val="50000"/>
-            </a:schemeClr>
-          </a:lnRef>
-          <a:fillRef idx="1">
-            <a:schemeClr val="accent1"/>
-          </a:fillRef>
-          <a:effectRef idx="0">
-            <a:schemeClr val="accent1"/>
-          </a:effectRef>
-          <a:fontRef idx="minor">
-            <a:schemeClr val="lt1"/>
-          </a:fontRef>
-        </p:style>
-        <p:txBody>
-          <a:bodyPr rtlCol="0" anchor="ctr"/>
-          <a:lstStyle/>
-          <a:p>
-            <a:pPr algn="ctr"/>
-            <a:endParaRPr lang="en-US"/>
-          </a:p>
-        </p:txBody>
-      </p:sp>
-      <p:sp>
-        <p:nvSpPr>
-          <p:cNvPr id="5" name="Flowchart: Connector 4">
-            <a:extLst>
-              <a:ext uri="{FF2B5EF4-FFF2-40B4-BE49-F238E27FC236}">
-                <a16:creationId xmlns:a16="http://schemas.microsoft.com/office/drawing/2014/main" id="{6719CCAF-248F-011A-083E-167FE7CECEBF}"/>
-              </a:ext>
-            </a:extLst>
-          </p:cNvPr>
-          <p:cNvSpPr/>
-          <p:nvPr/>
-        </p:nvSpPr>
-        <p:spPr>
-          <a:xfrm>
-            <a:off x="4445035" y="2509959"/>
+            <a:off x="7387095" y="2820774"/>
             <a:ext cx="206644" cy="206644"/>
           </a:xfrm>
           <a:prstGeom prst="flowChartConnector">
@@ -4828,10 +4930,10 @@
       </p:sp>
       <p:sp>
         <p:nvSpPr>
-          <p:cNvPr id="6" name="Flowchart: Connector 5">
-            <a:extLst>
-              <a:ext uri="{FF2B5EF4-FFF2-40B4-BE49-F238E27FC236}">
-                <a16:creationId xmlns:a16="http://schemas.microsoft.com/office/drawing/2014/main" id="{316E624C-090D-CF37-DD80-30C96DE11D65}"/>
+          <p:cNvPr id="30" name="Flowchart: Connector 29">
+            <a:extLst>
+              <a:ext uri="{FF2B5EF4-FFF2-40B4-BE49-F238E27FC236}">
+                <a16:creationId xmlns:a16="http://schemas.microsoft.com/office/drawing/2014/main" id="{F742FC09-DBAE-217F-5B21-EF37F89A4396}"/>
               </a:ext>
             </a:extLst>
           </p:cNvPr>
@@ -4840,59 +4942,7 @@
         </p:nvSpPr>
         <p:spPr>
           <a:xfrm>
-            <a:off x="5496483" y="2511646"/>
-            <a:ext cx="206644" cy="206644"/>
-          </a:xfrm>
-          <a:prstGeom prst="flowChartConnector">
-            <a:avLst/>
-          </a:prstGeom>
-          <a:solidFill>
-            <a:srgbClr val="C00000"/>
-          </a:solidFill>
-          <a:ln>
-            <a:noFill/>
-          </a:ln>
-        </p:spPr>
-        <p:style>
-          <a:lnRef idx="2">
-            <a:schemeClr val="accent1">
-              <a:shade val="50000"/>
-            </a:schemeClr>
-          </a:lnRef>
-          <a:fillRef idx="1">
-            <a:schemeClr val="accent1"/>
-          </a:fillRef>
-          <a:effectRef idx="0">
-            <a:schemeClr val="accent1"/>
-          </a:effectRef>
-          <a:fontRef idx="minor">
-            <a:schemeClr val="lt1"/>
-          </a:fontRef>
-        </p:style>
-        <p:txBody>
-          <a:bodyPr rtlCol="0" anchor="ctr"/>
-          <a:lstStyle/>
-          <a:p>
-            <a:pPr algn="ctr"/>
-            <a:endParaRPr lang="en-US"/>
-          </a:p>
-        </p:txBody>
-      </p:sp>
-      <p:sp>
-        <p:nvSpPr>
-          <p:cNvPr id="7" name="Flowchart: Connector 6">
-            <a:extLst>
-              <a:ext uri="{FF2B5EF4-FFF2-40B4-BE49-F238E27FC236}">
-                <a16:creationId xmlns:a16="http://schemas.microsoft.com/office/drawing/2014/main" id="{1AF7857C-33FD-7462-9669-405959536EBF}"/>
-              </a:ext>
-            </a:extLst>
-          </p:cNvPr>
-          <p:cNvSpPr/>
-          <p:nvPr/>
-        </p:nvSpPr>
-        <p:spPr>
-          <a:xfrm>
-            <a:off x="4028841" y="3222356"/>
+            <a:off x="4848995" y="3306739"/>
             <a:ext cx="206644" cy="206644"/>
           </a:xfrm>
           <a:prstGeom prst="flowChartConnector">
@@ -4934,10 +4984,10 @@
       </p:sp>
       <p:sp>
         <p:nvSpPr>
-          <p:cNvPr id="8" name="Flowchart: Connector 7">
-            <a:extLst>
-              <a:ext uri="{FF2B5EF4-FFF2-40B4-BE49-F238E27FC236}">
-                <a16:creationId xmlns:a16="http://schemas.microsoft.com/office/drawing/2014/main" id="{704C0908-9096-E630-67C1-A61D0F4DF7C3}"/>
+          <p:cNvPr id="31" name="Flowchart: Connector 30">
+            <a:extLst>
+              <a:ext uri="{FF2B5EF4-FFF2-40B4-BE49-F238E27FC236}">
+                <a16:creationId xmlns:a16="http://schemas.microsoft.com/office/drawing/2014/main" id="{8B2FB4E6-D624-900B-061C-264FE4A41446}"/>
               </a:ext>
             </a:extLst>
           </p:cNvPr>
@@ -4946,7 +4996,7 @@
         </p:nvSpPr>
         <p:spPr>
           <a:xfrm>
-            <a:off x="4889231" y="3222356"/>
+            <a:off x="6784651" y="3712814"/>
             <a:ext cx="206644" cy="206644"/>
           </a:xfrm>
           <a:prstGeom prst="flowChartConnector">
@@ -4988,273 +5038,30 @@
       </p:sp>
       <p:cxnSp>
         <p:nvCxnSpPr>
-          <p:cNvPr id="10" name="Straight Arrow Connector 9">
-            <a:extLst>
-              <a:ext uri="{FF2B5EF4-FFF2-40B4-BE49-F238E27FC236}">
-                <a16:creationId xmlns:a16="http://schemas.microsoft.com/office/drawing/2014/main" id="{0FD6D683-EE57-9D4C-EA42-CD62A933B35B}"/>
+          <p:cNvPr id="37" name="Straight Arrow Connector 36">
+            <a:extLst>
+              <a:ext uri="{FF2B5EF4-FFF2-40B4-BE49-F238E27FC236}">
+                <a16:creationId xmlns:a16="http://schemas.microsoft.com/office/drawing/2014/main" id="{20E19175-B51C-F1C4-D4E2-AC08BDD0BC8A}"/>
               </a:ext>
             </a:extLst>
           </p:cNvPr>
           <p:cNvCxnSpPr>
             <a:cxnSpLocks/>
-            <a:stCxn id="2" idx="4"/>
-            <a:endCxn id="3" idx="7"/>
+            <a:stCxn id="14" idx="1"/>
           </p:cNvCxnSpPr>
           <p:nvPr/>
         </p:nvCxnSpPr>
         <p:spPr>
-          <a:xfrm flipH="1">
-            <a:off x="5168935" y="1144978"/>
-            <a:ext cx="927065" cy="757068"/>
+          <a:xfrm flipH="1" flipV="1">
+            <a:off x="5164835" y="2174730"/>
+            <a:ext cx="683708" cy="1235331"/>
           </a:xfrm>
           <a:prstGeom prst="straightConnector1">
             <a:avLst/>
           </a:prstGeom>
-          <a:ln w="12700">
+          <a:ln w="28575">
             <a:solidFill>
-              <a:schemeClr val="accent1">
-                <a:lumMod val="50000"/>
-              </a:schemeClr>
-            </a:solidFill>
-            <a:tailEnd type="triangle"/>
-          </a:ln>
-        </p:spPr>
-        <p:style>
-          <a:lnRef idx="1">
-            <a:schemeClr val="accent1"/>
-          </a:lnRef>
-          <a:fillRef idx="0">
-            <a:schemeClr val="accent1"/>
-          </a:fillRef>
-          <a:effectRef idx="0">
-            <a:schemeClr val="accent1"/>
-          </a:effectRef>
-          <a:fontRef idx="minor">
-            <a:schemeClr val="tx1"/>
-          </a:fontRef>
-        </p:style>
-      </p:cxnSp>
-      <p:cxnSp>
-        <p:nvCxnSpPr>
-          <p:cNvPr id="13" name="Straight Arrow Connector 12">
-            <a:extLst>
-              <a:ext uri="{FF2B5EF4-FFF2-40B4-BE49-F238E27FC236}">
-                <a16:creationId xmlns:a16="http://schemas.microsoft.com/office/drawing/2014/main" id="{2E35B61F-8841-AFCA-CF7D-969F0DF26F4E}"/>
-              </a:ext>
-            </a:extLst>
-          </p:cNvPr>
-          <p:cNvCxnSpPr>
-            <a:cxnSpLocks/>
-            <a:stCxn id="2" idx="4"/>
-            <a:endCxn id="4" idx="1"/>
-          </p:cNvCxnSpPr>
-          <p:nvPr/>
-        </p:nvCxnSpPr>
-        <p:spPr>
-          <a:xfrm>
-            <a:off x="6096000" y="1144978"/>
-            <a:ext cx="927067" cy="757068"/>
-          </a:xfrm>
-          <a:prstGeom prst="straightConnector1">
-            <a:avLst/>
-          </a:prstGeom>
-          <a:ln w="12700">
-            <a:solidFill>
-              <a:schemeClr val="accent1">
-                <a:lumMod val="50000"/>
-              </a:schemeClr>
-            </a:solidFill>
-            <a:tailEnd type="triangle"/>
-          </a:ln>
-        </p:spPr>
-        <p:style>
-          <a:lnRef idx="1">
-            <a:schemeClr val="accent1"/>
-          </a:lnRef>
-          <a:fillRef idx="0">
-            <a:schemeClr val="accent1"/>
-          </a:fillRef>
-          <a:effectRef idx="0">
-            <a:schemeClr val="accent1"/>
-          </a:effectRef>
-          <a:fontRef idx="minor">
-            <a:schemeClr val="tx1"/>
-          </a:fontRef>
-        </p:style>
-      </p:cxnSp>
-      <p:cxnSp>
-        <p:nvCxnSpPr>
-          <p:cNvPr id="17" name="Straight Arrow Connector 16">
-            <a:extLst>
-              <a:ext uri="{FF2B5EF4-FFF2-40B4-BE49-F238E27FC236}">
-                <a16:creationId xmlns:a16="http://schemas.microsoft.com/office/drawing/2014/main" id="{8737816E-4E71-F64E-891B-A4A5781E88E2}"/>
-              </a:ext>
-            </a:extLst>
-          </p:cNvPr>
-          <p:cNvCxnSpPr>
-            <a:cxnSpLocks/>
-            <a:stCxn id="3" idx="4"/>
-            <a:endCxn id="5" idx="7"/>
-          </p:cNvCxnSpPr>
-          <p:nvPr/>
-        </p:nvCxnSpPr>
-        <p:spPr>
-          <a:xfrm flipH="1">
-            <a:off x="4621417" y="2078428"/>
-            <a:ext cx="474458" cy="461793"/>
-          </a:xfrm>
-          <a:prstGeom prst="straightConnector1">
-            <a:avLst/>
-          </a:prstGeom>
-          <a:ln w="12700">
-            <a:solidFill>
-              <a:schemeClr val="accent1">
-                <a:lumMod val="50000"/>
-              </a:schemeClr>
-            </a:solidFill>
-            <a:tailEnd type="triangle"/>
-          </a:ln>
-        </p:spPr>
-        <p:style>
-          <a:lnRef idx="1">
-            <a:schemeClr val="accent1"/>
-          </a:lnRef>
-          <a:fillRef idx="0">
-            <a:schemeClr val="accent1"/>
-          </a:fillRef>
-          <a:effectRef idx="0">
-            <a:schemeClr val="accent1"/>
-          </a:effectRef>
-          <a:fontRef idx="minor">
-            <a:schemeClr val="tx1"/>
-          </a:fontRef>
-        </p:style>
-      </p:cxnSp>
-      <p:cxnSp>
-        <p:nvCxnSpPr>
-          <p:cNvPr id="20" name="Straight Arrow Connector 19">
-            <a:extLst>
-              <a:ext uri="{FF2B5EF4-FFF2-40B4-BE49-F238E27FC236}">
-                <a16:creationId xmlns:a16="http://schemas.microsoft.com/office/drawing/2014/main" id="{29C16551-68D3-CF76-2A1B-1EB72FAEF743}"/>
-              </a:ext>
-            </a:extLst>
-          </p:cNvPr>
-          <p:cNvCxnSpPr>
-            <a:cxnSpLocks/>
-            <a:stCxn id="3" idx="4"/>
-            <a:endCxn id="6" idx="1"/>
-          </p:cNvCxnSpPr>
-          <p:nvPr/>
-        </p:nvCxnSpPr>
-        <p:spPr>
-          <a:xfrm>
-            <a:off x="5095875" y="2078428"/>
-            <a:ext cx="430870" cy="463480"/>
-          </a:xfrm>
-          <a:prstGeom prst="straightConnector1">
-            <a:avLst/>
-          </a:prstGeom>
-          <a:ln w="12700">
-            <a:solidFill>
-              <a:schemeClr val="accent1">
-                <a:lumMod val="50000"/>
-              </a:schemeClr>
-            </a:solidFill>
-            <a:tailEnd type="triangle"/>
-          </a:ln>
-        </p:spPr>
-        <p:style>
-          <a:lnRef idx="1">
-            <a:schemeClr val="accent1"/>
-          </a:lnRef>
-          <a:fillRef idx="0">
-            <a:schemeClr val="accent1"/>
-          </a:fillRef>
-          <a:effectRef idx="0">
-            <a:schemeClr val="accent1"/>
-          </a:effectRef>
-          <a:fontRef idx="minor">
-            <a:schemeClr val="tx1"/>
-          </a:fontRef>
-        </p:style>
-      </p:cxnSp>
-      <p:cxnSp>
-        <p:nvCxnSpPr>
-          <p:cNvPr id="24" name="Straight Arrow Connector 23">
-            <a:extLst>
-              <a:ext uri="{FF2B5EF4-FFF2-40B4-BE49-F238E27FC236}">
-                <a16:creationId xmlns:a16="http://schemas.microsoft.com/office/drawing/2014/main" id="{9BED8791-42D2-8CDB-18AA-D4B44FE8A84D}"/>
-              </a:ext>
-            </a:extLst>
-          </p:cNvPr>
-          <p:cNvCxnSpPr>
-            <a:cxnSpLocks/>
-            <a:stCxn id="5" idx="4"/>
-            <a:endCxn id="7" idx="7"/>
-          </p:cNvCxnSpPr>
-          <p:nvPr/>
-        </p:nvCxnSpPr>
-        <p:spPr>
-          <a:xfrm flipH="1">
-            <a:off x="4205223" y="2716603"/>
-            <a:ext cx="343134" cy="536015"/>
-          </a:xfrm>
-          <a:prstGeom prst="straightConnector1">
-            <a:avLst/>
-          </a:prstGeom>
-          <a:ln w="12700">
-            <a:solidFill>
-              <a:schemeClr val="accent1">
-                <a:lumMod val="50000"/>
-              </a:schemeClr>
-            </a:solidFill>
-            <a:tailEnd type="triangle"/>
-          </a:ln>
-        </p:spPr>
-        <p:style>
-          <a:lnRef idx="1">
-            <a:schemeClr val="accent1"/>
-          </a:lnRef>
-          <a:fillRef idx="0">
-            <a:schemeClr val="accent1"/>
-          </a:fillRef>
-          <a:effectRef idx="0">
-            <a:schemeClr val="accent1"/>
-          </a:effectRef>
-          <a:fontRef idx="minor">
-            <a:schemeClr val="tx1"/>
-          </a:fontRef>
-        </p:style>
-      </p:cxnSp>
-      <p:cxnSp>
-        <p:nvCxnSpPr>
-          <p:cNvPr id="28" name="Straight Arrow Connector 27">
-            <a:extLst>
-              <a:ext uri="{FF2B5EF4-FFF2-40B4-BE49-F238E27FC236}">
-                <a16:creationId xmlns:a16="http://schemas.microsoft.com/office/drawing/2014/main" id="{2B32BF11-2FFE-15C2-570A-BBC555258B80}"/>
-              </a:ext>
-            </a:extLst>
-          </p:cNvPr>
-          <p:cNvCxnSpPr>
-            <a:cxnSpLocks/>
-            <a:stCxn id="5" idx="4"/>
-            <a:endCxn id="8" idx="1"/>
-          </p:cNvCxnSpPr>
-          <p:nvPr/>
-        </p:nvCxnSpPr>
-        <p:spPr>
-          <a:xfrm>
-            <a:off x="4548357" y="2716603"/>
-            <a:ext cx="371136" cy="536015"/>
-          </a:xfrm>
-          <a:prstGeom prst="straightConnector1">
-            <a:avLst/>
-          </a:prstGeom>
-          <a:ln w="12700">
-            <a:solidFill>
-              <a:schemeClr val="accent1">
-                <a:lumMod val="50000"/>
-              </a:schemeClr>
+              <a:schemeClr val="accent1"/>
             </a:solidFill>
             <a:tailEnd type="triangle"/>
           </a:ln>
@@ -5276,10 +5083,10 @@
       </p:cxnSp>
       <p:sp>
         <p:nvSpPr>
-          <p:cNvPr id="38" name="TextBox 37">
-            <a:extLst>
-              <a:ext uri="{FF2B5EF4-FFF2-40B4-BE49-F238E27FC236}">
-                <a16:creationId xmlns:a16="http://schemas.microsoft.com/office/drawing/2014/main" id="{BE86B9C7-838F-5456-1CB6-9CDD9A17D763}"/>
+          <p:cNvPr id="46" name="TextBox 45">
+            <a:extLst>
+              <a:ext uri="{FF2B5EF4-FFF2-40B4-BE49-F238E27FC236}">
+                <a16:creationId xmlns:a16="http://schemas.microsoft.com/office/drawing/2014/main" id="{FCFA1159-2DBC-D7A9-B669-D3D3CE02DC64}"/>
               </a:ext>
             </a:extLst>
           </p:cNvPr>
@@ -5287,9 +5094,9 @@
           <p:nvPr/>
         </p:nvSpPr>
         <p:spPr>
-          <a:xfrm>
-            <a:off x="6549957" y="2108690"/>
-            <a:ext cx="1104898" cy="276999"/>
+          <a:xfrm rot="3846944">
+            <a:off x="5088667" y="2666885"/>
+            <a:ext cx="1209675" cy="307777"/>
           </a:xfrm>
           <a:prstGeom prst="rect">
             <a:avLst/>
@@ -5303,51 +5110,693 @@
           <a:lstStyle/>
           <a:p>
             <a:r>
-              <a:rPr lang="en-US" sz="1200" dirty="0"/>
-              <a:t>External-node</a:t>
+              <a:rPr lang="en-US" sz="1400" dirty="0"/>
+              <a:t>K-distance</a:t>
             </a:r>
           </a:p>
         </p:txBody>
       </p:sp>
-      <p:sp>
-        <p:nvSpPr>
-          <p:cNvPr id="39" name="TextBox 38">
-            <a:extLst>
-              <a:ext uri="{FF2B5EF4-FFF2-40B4-BE49-F238E27FC236}">
-                <a16:creationId xmlns:a16="http://schemas.microsoft.com/office/drawing/2014/main" id="{A8E07F77-A645-62A8-1F41-0627F0D403DB}"/>
-              </a:ext>
-            </a:extLst>
-          </p:cNvPr>
-          <p:cNvSpPr txBox="1"/>
-          <p:nvPr/>
-        </p:nvSpPr>
-        <p:spPr>
-          <a:xfrm>
-            <a:off x="3917917" y="1763546"/>
-            <a:ext cx="1104898" cy="276999"/>
-          </a:xfrm>
-          <a:prstGeom prst="rect">
-            <a:avLst/>
-          </a:prstGeom>
-          <a:noFill/>
-        </p:spPr>
-        <p:txBody>
-          <a:bodyPr wrap="square" rtlCol="0">
-            <a:spAutoFit/>
-          </a:bodyPr>
-          <a:lstStyle/>
-          <a:p>
-            <a:r>
-              <a:rPr lang="en-US" sz="1200" dirty="0"/>
-              <a:t>Internal-node</a:t>
-            </a:r>
-          </a:p>
-        </p:txBody>
-      </p:sp>
+      <mc:AlternateContent xmlns:mc="http://schemas.openxmlformats.org/markup-compatibility/2006" xmlns:a14="http://schemas.microsoft.com/office/drawing/2010/main">
+        <mc:Choice Requires="a14">
+          <p:sp>
+            <p:nvSpPr>
+              <p:cNvPr id="47" name="TextBox 46">
+                <a:extLst>
+                  <a:ext uri="{FF2B5EF4-FFF2-40B4-BE49-F238E27FC236}">
+                    <a16:creationId xmlns:a16="http://schemas.microsoft.com/office/drawing/2014/main" id="{44CF99E8-9381-31BA-61F9-2F05573AB83F}"/>
+                  </a:ext>
+                </a:extLst>
+              </p:cNvPr>
+              <p:cNvSpPr txBox="1"/>
+              <p:nvPr/>
+            </p:nvSpPr>
+            <p:spPr>
+              <a:xfrm>
+                <a:off x="5479765" y="4338202"/>
+                <a:ext cx="1029796" cy="555217"/>
+              </a:xfrm>
+              <a:prstGeom prst="rect">
+                <a:avLst/>
+              </a:prstGeom>
+              <a:noFill/>
+            </p:spPr>
+            <p:txBody>
+              <a:bodyPr wrap="square" rtlCol="0">
+                <a:spAutoFit/>
+              </a:bodyPr>
+              <a:lstStyle/>
+              <a:p>
+                <a:pPr/>
+                <a14:m>
+                  <m:oMathPara xmlns:m="http://schemas.openxmlformats.org/officeDocument/2006/math">
+                    <m:oMathParaPr>
+                      <m:jc m:val="centerGroup"/>
+                    </m:oMathParaPr>
+                    <m:oMath xmlns:m="http://schemas.openxmlformats.org/officeDocument/2006/math">
+                      <m:r>
+                        <a:rPr lang="en-US" sz="1400" b="0" i="1" smtClean="0">
+                          <a:latin typeface="Cambria Math" panose="02040503050406030204" pitchFamily="18" charset="0"/>
+                        </a:rPr>
+                        <m:t>𝐾</m:t>
+                      </m:r>
+                      <m:r>
+                        <a:rPr lang="en-US" sz="1400" b="0" i="1" smtClean="0">
+                          <a:latin typeface="Cambria Math" panose="02040503050406030204" pitchFamily="18" charset="0"/>
+                        </a:rPr>
+                        <m:t>=3</m:t>
+                      </m:r>
+                    </m:oMath>
+                  </m:oMathPara>
+                </a14:m>
+                <a:endParaRPr lang="en-US" sz="1400" b="0" dirty="0"/>
+              </a:p>
+              <a:p>
+                <a:pPr/>
+                <a14:m>
+                  <m:oMathPara xmlns:m="http://schemas.openxmlformats.org/officeDocument/2006/math">
+                    <m:oMathParaPr>
+                      <m:jc m:val="centerGroup"/>
+                    </m:oMathParaPr>
+                    <m:oMath xmlns:m="http://schemas.openxmlformats.org/officeDocument/2006/math">
+                      <m:d>
+                        <m:dPr>
+                          <m:begChr m:val="|"/>
+                          <m:endChr m:val="|"/>
+                          <m:ctrlPr>
+                            <a:rPr lang="en-US" sz="1400" i="1" smtClean="0">
+                              <a:latin typeface="Cambria Math" panose="02040503050406030204" pitchFamily="18" charset="0"/>
+                            </a:rPr>
+                          </m:ctrlPr>
+                        </m:dPr>
+                        <m:e>
+                          <m:sSub>
+                            <m:sSubPr>
+                              <m:ctrlPr>
+                                <a:rPr lang="en-US" sz="1400" i="1" smtClean="0">
+                                  <a:latin typeface="Cambria Math" panose="02040503050406030204" pitchFamily="18" charset="0"/>
+                                </a:rPr>
+                              </m:ctrlPr>
+                            </m:sSubPr>
+                            <m:e>
+                              <m:r>
+                                <a:rPr lang="en-US" sz="1400" b="0" i="1" smtClean="0">
+                                  <a:latin typeface="Cambria Math" panose="02040503050406030204" pitchFamily="18" charset="0"/>
+                                </a:rPr>
+                                <m:t>𝑁</m:t>
+                              </m:r>
+                            </m:e>
+                            <m:sub>
+                              <m:r>
+                                <a:rPr lang="en-US" sz="1400" b="0" i="1" smtClean="0">
+                                  <a:latin typeface="Cambria Math" panose="02040503050406030204" pitchFamily="18" charset="0"/>
+                                </a:rPr>
+                                <m:t>𝑝</m:t>
+                              </m:r>
+                            </m:sub>
+                          </m:sSub>
+                        </m:e>
+                      </m:d>
+                      <m:r>
+                        <a:rPr lang="en-US" sz="1400" b="0" i="1" smtClean="0">
+                          <a:latin typeface="Cambria Math" panose="02040503050406030204" pitchFamily="18" charset="0"/>
+                        </a:rPr>
+                        <m:t>=4</m:t>
+                      </m:r>
+                    </m:oMath>
+                  </m:oMathPara>
+                </a14:m>
+                <a:endParaRPr lang="en-US" sz="1400" dirty="0"/>
+              </a:p>
+            </p:txBody>
+          </p:sp>
+        </mc:Choice>
+        <mc:Fallback xmlns="">
+          <p:sp>
+            <p:nvSpPr>
+              <p:cNvPr id="47" name="TextBox 46">
+                <a:extLst>
+                  <a:ext uri="{FF2B5EF4-FFF2-40B4-BE49-F238E27FC236}">
+                    <a16:creationId xmlns:a16="http://schemas.microsoft.com/office/drawing/2014/main" id="{44CF99E8-9381-31BA-61F9-2F05573AB83F}"/>
+                  </a:ext>
+                </a:extLst>
+              </p:cNvPr>
+              <p:cNvSpPr txBox="1">
+                <a:spLocks noRot="1" noChangeAspect="1" noMove="1" noResize="1" noEditPoints="1" noAdjustHandles="1" noChangeArrowheads="1" noChangeShapeType="1" noTextEdit="1"/>
+              </p:cNvSpPr>
+              <p:nvPr/>
+            </p:nvSpPr>
+            <p:spPr>
+              <a:xfrm>
+                <a:off x="5479765" y="4338202"/>
+                <a:ext cx="1029796" cy="555217"/>
+              </a:xfrm>
+              <a:prstGeom prst="rect">
+                <a:avLst/>
+              </a:prstGeom>
+              <a:blipFill>
+                <a:blip r:embed="rId2"/>
+                <a:stretch>
+                  <a:fillRect/>
+                </a:stretch>
+              </a:blipFill>
+            </p:spPr>
+            <p:txBody>
+              <a:bodyPr/>
+              <a:lstStyle/>
+              <a:p>
+                <a:r>
+                  <a:rPr lang="en-US">
+                    <a:noFill/>
+                  </a:rPr>
+                  <a:t> </a:t>
+                </a:r>
+              </a:p>
+            </p:txBody>
+          </p:sp>
+        </mc:Fallback>
+      </mc:AlternateContent>
+      <mc:AlternateContent xmlns:mc="http://schemas.openxmlformats.org/markup-compatibility/2006" xmlns:a14="http://schemas.microsoft.com/office/drawing/2010/main">
+        <mc:Choice Requires="a14">
+          <p:sp>
+            <p:nvSpPr>
+              <p:cNvPr id="48" name="TextBox 47">
+                <a:extLst>
+                  <a:ext uri="{FF2B5EF4-FFF2-40B4-BE49-F238E27FC236}">
+                    <a16:creationId xmlns:a16="http://schemas.microsoft.com/office/drawing/2014/main" id="{F5B11CAA-ECFF-EA2C-5785-7E9096866688}"/>
+                  </a:ext>
+                </a:extLst>
+              </p:cNvPr>
+              <p:cNvSpPr txBox="1"/>
+              <p:nvPr/>
+            </p:nvSpPr>
+            <p:spPr>
+              <a:xfrm>
+                <a:off x="5578703" y="3611681"/>
+                <a:ext cx="685800" cy="307777"/>
+              </a:xfrm>
+              <a:prstGeom prst="rect">
+                <a:avLst/>
+              </a:prstGeom>
+              <a:noFill/>
+            </p:spPr>
+            <p:txBody>
+              <a:bodyPr wrap="square" rtlCol="0">
+                <a:spAutoFit/>
+              </a:bodyPr>
+              <a:lstStyle/>
+              <a:p>
+                <a:pPr/>
+                <a14:m>
+                  <m:oMathPara xmlns:m="http://schemas.openxmlformats.org/officeDocument/2006/math">
+                    <m:oMathParaPr>
+                      <m:jc m:val="centerGroup"/>
+                    </m:oMathParaPr>
+                    <m:oMath xmlns:m="http://schemas.openxmlformats.org/officeDocument/2006/math">
+                      <m:r>
+                        <a:rPr lang="en-US" sz="1400" b="0" i="1" smtClean="0">
+                          <a:latin typeface="Cambria Math" panose="02040503050406030204" pitchFamily="18" charset="0"/>
+                        </a:rPr>
+                        <m:t> </m:t>
+                      </m:r>
+                      <m:sSub>
+                        <m:sSubPr>
+                          <m:ctrlPr>
+                            <a:rPr lang="en-US" sz="1400" b="0" i="1" smtClean="0">
+                              <a:latin typeface="Cambria Math" panose="02040503050406030204" pitchFamily="18" charset="0"/>
+                            </a:rPr>
+                          </m:ctrlPr>
+                        </m:sSubPr>
+                        <m:e>
+                          <m:r>
+                            <a:rPr lang="en-US" sz="1400" b="0" i="1" smtClean="0">
+                              <a:latin typeface="Cambria Math" panose="02040503050406030204" pitchFamily="18" charset="0"/>
+                            </a:rPr>
+                            <m:t>𝑝</m:t>
+                          </m:r>
+                        </m:e>
+                        <m:sub>
+                          <m:r>
+                            <a:rPr lang="en-US" sz="1400" b="0" i="1" smtClean="0">
+                              <a:latin typeface="Cambria Math" panose="02040503050406030204" pitchFamily="18" charset="0"/>
+                            </a:rPr>
+                            <m:t>𝑖</m:t>
+                          </m:r>
+                        </m:sub>
+                      </m:sSub>
+                    </m:oMath>
+                  </m:oMathPara>
+                </a14:m>
+                <a:endParaRPr lang="en-US" sz="1400" dirty="0"/>
+              </a:p>
+            </p:txBody>
+          </p:sp>
+        </mc:Choice>
+        <mc:Fallback xmlns="">
+          <p:sp>
+            <p:nvSpPr>
+              <p:cNvPr id="48" name="TextBox 47">
+                <a:extLst>
+                  <a:ext uri="{FF2B5EF4-FFF2-40B4-BE49-F238E27FC236}">
+                    <a16:creationId xmlns:a16="http://schemas.microsoft.com/office/drawing/2014/main" id="{F5B11CAA-ECFF-EA2C-5785-7E9096866688}"/>
+                  </a:ext>
+                </a:extLst>
+              </p:cNvPr>
+              <p:cNvSpPr txBox="1">
+                <a:spLocks noRot="1" noChangeAspect="1" noMove="1" noResize="1" noEditPoints="1" noAdjustHandles="1" noChangeArrowheads="1" noChangeShapeType="1" noTextEdit="1"/>
+              </p:cNvSpPr>
+              <p:nvPr/>
+            </p:nvSpPr>
+            <p:spPr>
+              <a:xfrm>
+                <a:off x="5578703" y="3611681"/>
+                <a:ext cx="685800" cy="307777"/>
+              </a:xfrm>
+              <a:prstGeom prst="rect">
+                <a:avLst/>
+              </a:prstGeom>
+              <a:blipFill>
+                <a:blip r:embed="rId3"/>
+                <a:stretch>
+                  <a:fillRect/>
+                </a:stretch>
+              </a:blipFill>
+            </p:spPr>
+            <p:txBody>
+              <a:bodyPr/>
+              <a:lstStyle/>
+              <a:p>
+                <a:r>
+                  <a:rPr lang="en-US">
+                    <a:noFill/>
+                  </a:rPr>
+                  <a:t> </a:t>
+                </a:r>
+              </a:p>
+            </p:txBody>
+          </p:sp>
+        </mc:Fallback>
+      </mc:AlternateContent>
+      <mc:AlternateContent xmlns:mc="http://schemas.openxmlformats.org/markup-compatibility/2006" xmlns:a14="http://schemas.microsoft.com/office/drawing/2010/main">
+        <mc:Choice Requires="a14">
+          <p:sp>
+            <p:nvSpPr>
+              <p:cNvPr id="49" name="TextBox 48">
+                <a:extLst>
+                  <a:ext uri="{FF2B5EF4-FFF2-40B4-BE49-F238E27FC236}">
+                    <a16:creationId xmlns:a16="http://schemas.microsoft.com/office/drawing/2014/main" id="{0428F3D8-382C-85CD-81AA-B98DA6002B71}"/>
+                  </a:ext>
+                </a:extLst>
+              </p:cNvPr>
+              <p:cNvSpPr txBox="1"/>
+              <p:nvPr/>
+            </p:nvSpPr>
+            <p:spPr>
+              <a:xfrm>
+                <a:off x="7239602" y="1419429"/>
+                <a:ext cx="685800" cy="325089"/>
+              </a:xfrm>
+              <a:prstGeom prst="rect">
+                <a:avLst/>
+              </a:prstGeom>
+              <a:noFill/>
+            </p:spPr>
+            <p:txBody>
+              <a:bodyPr wrap="square" rtlCol="0">
+                <a:spAutoFit/>
+              </a:bodyPr>
+              <a:lstStyle/>
+              <a:p>
+                <a:pPr/>
+                <a14:m>
+                  <m:oMathPara xmlns:m="http://schemas.openxmlformats.org/officeDocument/2006/math">
+                    <m:oMathParaPr>
+                      <m:jc m:val="centerGroup"/>
+                    </m:oMathParaPr>
+                    <m:oMath xmlns:m="http://schemas.openxmlformats.org/officeDocument/2006/math">
+                      <m:r>
+                        <a:rPr lang="en-US" sz="1400" b="0" i="1" smtClean="0">
+                          <a:latin typeface="Cambria Math" panose="02040503050406030204" pitchFamily="18" charset="0"/>
+                        </a:rPr>
+                        <m:t> </m:t>
+                      </m:r>
+                      <m:sSub>
+                        <m:sSubPr>
+                          <m:ctrlPr>
+                            <a:rPr lang="en-US" sz="1400" b="0" i="1" smtClean="0">
+                              <a:latin typeface="Cambria Math" panose="02040503050406030204" pitchFamily="18" charset="0"/>
+                            </a:rPr>
+                          </m:ctrlPr>
+                        </m:sSubPr>
+                        <m:e>
+                          <m:r>
+                            <a:rPr lang="en-US" sz="1400" b="0" i="1" smtClean="0">
+                              <a:latin typeface="Cambria Math" panose="02040503050406030204" pitchFamily="18" charset="0"/>
+                            </a:rPr>
+                            <m:t>𝑝</m:t>
+                          </m:r>
+                        </m:e>
+                        <m:sub>
+                          <m:r>
+                            <a:rPr lang="en-US" sz="1400" b="0" i="1" smtClean="0">
+                              <a:latin typeface="Cambria Math" panose="02040503050406030204" pitchFamily="18" charset="0"/>
+                            </a:rPr>
+                            <m:t>𝑗</m:t>
+                          </m:r>
+                        </m:sub>
+                      </m:sSub>
+                    </m:oMath>
+                  </m:oMathPara>
+                </a14:m>
+                <a:endParaRPr lang="en-US" sz="1400" dirty="0"/>
+              </a:p>
+            </p:txBody>
+          </p:sp>
+        </mc:Choice>
+        <mc:Fallback xmlns="">
+          <p:sp>
+            <p:nvSpPr>
+              <p:cNvPr id="49" name="TextBox 48">
+                <a:extLst>
+                  <a:ext uri="{FF2B5EF4-FFF2-40B4-BE49-F238E27FC236}">
+                    <a16:creationId xmlns:a16="http://schemas.microsoft.com/office/drawing/2014/main" id="{0428F3D8-382C-85CD-81AA-B98DA6002B71}"/>
+                  </a:ext>
+                </a:extLst>
+              </p:cNvPr>
+              <p:cNvSpPr txBox="1">
+                <a:spLocks noRot="1" noChangeAspect="1" noMove="1" noResize="1" noEditPoints="1" noAdjustHandles="1" noChangeArrowheads="1" noChangeShapeType="1" noTextEdit="1"/>
+              </p:cNvSpPr>
+              <p:nvPr/>
+            </p:nvSpPr>
+            <p:spPr>
+              <a:xfrm>
+                <a:off x="7239602" y="1419429"/>
+                <a:ext cx="685800" cy="325089"/>
+              </a:xfrm>
+              <a:prstGeom prst="rect">
+                <a:avLst/>
+              </a:prstGeom>
+              <a:blipFill>
+                <a:blip r:embed="rId4"/>
+                <a:stretch>
+                  <a:fillRect b="-3774"/>
+                </a:stretch>
+              </a:blipFill>
+            </p:spPr>
+            <p:txBody>
+              <a:bodyPr/>
+              <a:lstStyle/>
+              <a:p>
+                <a:r>
+                  <a:rPr lang="en-US">
+                    <a:noFill/>
+                  </a:rPr>
+                  <a:t> </a:t>
+                </a:r>
+              </a:p>
+            </p:txBody>
+          </p:sp>
+        </mc:Fallback>
+      </mc:AlternateContent>
+      <mc:AlternateContent xmlns:mc="http://schemas.openxmlformats.org/markup-compatibility/2006" xmlns:a14="http://schemas.microsoft.com/office/drawing/2010/main">
+        <mc:Choice Requires="a14">
+          <p:sp>
+            <p:nvSpPr>
+              <p:cNvPr id="50" name="TextBox 49">
+                <a:extLst>
+                  <a:ext uri="{FF2B5EF4-FFF2-40B4-BE49-F238E27FC236}">
+                    <a16:creationId xmlns:a16="http://schemas.microsoft.com/office/drawing/2014/main" id="{AE220249-72BE-2127-D0A8-D9BB67763BCA}"/>
+                  </a:ext>
+                </a:extLst>
+              </p:cNvPr>
+              <p:cNvSpPr txBox="1"/>
+              <p:nvPr/>
+            </p:nvSpPr>
+            <p:spPr>
+              <a:xfrm>
+                <a:off x="4677723" y="1539675"/>
+                <a:ext cx="685800" cy="325089"/>
+              </a:xfrm>
+              <a:prstGeom prst="rect">
+                <a:avLst/>
+              </a:prstGeom>
+              <a:noFill/>
+            </p:spPr>
+            <p:txBody>
+              <a:bodyPr wrap="square" rtlCol="0">
+                <a:spAutoFit/>
+              </a:bodyPr>
+              <a:lstStyle/>
+              <a:p>
+                <a:pPr/>
+                <a14:m>
+                  <m:oMathPara xmlns:m="http://schemas.openxmlformats.org/officeDocument/2006/math">
+                    <m:oMathParaPr>
+                      <m:jc m:val="centerGroup"/>
+                    </m:oMathParaPr>
+                    <m:oMath xmlns:m="http://schemas.openxmlformats.org/officeDocument/2006/math">
+                      <m:r>
+                        <a:rPr lang="en-US" sz="1400" b="0" i="1" smtClean="0">
+                          <a:latin typeface="Cambria Math" panose="02040503050406030204" pitchFamily="18" charset="0"/>
+                        </a:rPr>
+                        <m:t> </m:t>
+                      </m:r>
+                      <m:sSub>
+                        <m:sSubPr>
+                          <m:ctrlPr>
+                            <a:rPr lang="en-US" sz="1400" b="0" i="1" smtClean="0">
+                              <a:latin typeface="Cambria Math" panose="02040503050406030204" pitchFamily="18" charset="0"/>
+                            </a:rPr>
+                          </m:ctrlPr>
+                        </m:sSubPr>
+                        <m:e>
+                          <m:r>
+                            <a:rPr lang="en-US" sz="1400" b="0" i="1" smtClean="0">
+                              <a:latin typeface="Cambria Math" panose="02040503050406030204" pitchFamily="18" charset="0"/>
+                            </a:rPr>
+                            <m:t>𝑝</m:t>
+                          </m:r>
+                        </m:e>
+                        <m:sub>
+                          <m:r>
+                            <a:rPr lang="en-US" sz="1400" b="0" i="1" smtClean="0">
+                              <a:latin typeface="Cambria Math" panose="02040503050406030204" pitchFamily="18" charset="0"/>
+                            </a:rPr>
+                            <m:t>𝑗</m:t>
+                          </m:r>
+                        </m:sub>
+                      </m:sSub>
+                    </m:oMath>
+                  </m:oMathPara>
+                </a14:m>
+                <a:endParaRPr lang="en-US" sz="1400" dirty="0"/>
+              </a:p>
+            </p:txBody>
+          </p:sp>
+        </mc:Choice>
+        <mc:Fallback xmlns="">
+          <p:sp>
+            <p:nvSpPr>
+              <p:cNvPr id="50" name="TextBox 49">
+                <a:extLst>
+                  <a:ext uri="{FF2B5EF4-FFF2-40B4-BE49-F238E27FC236}">
+                    <a16:creationId xmlns:a16="http://schemas.microsoft.com/office/drawing/2014/main" id="{AE220249-72BE-2127-D0A8-D9BB67763BCA}"/>
+                  </a:ext>
+                </a:extLst>
+              </p:cNvPr>
+              <p:cNvSpPr txBox="1">
+                <a:spLocks noRot="1" noChangeAspect="1" noMove="1" noResize="1" noEditPoints="1" noAdjustHandles="1" noChangeArrowheads="1" noChangeShapeType="1" noTextEdit="1"/>
+              </p:cNvSpPr>
+              <p:nvPr/>
+            </p:nvSpPr>
+            <p:spPr>
+              <a:xfrm>
+                <a:off x="4677723" y="1539675"/>
+                <a:ext cx="685800" cy="325089"/>
+              </a:xfrm>
+              <a:prstGeom prst="rect">
+                <a:avLst/>
+              </a:prstGeom>
+              <a:blipFill>
+                <a:blip r:embed="rId5"/>
+                <a:stretch>
+                  <a:fillRect b="-3774"/>
+                </a:stretch>
+              </a:blipFill>
+            </p:spPr>
+            <p:txBody>
+              <a:bodyPr/>
+              <a:lstStyle/>
+              <a:p>
+                <a:r>
+                  <a:rPr lang="en-US">
+                    <a:noFill/>
+                  </a:rPr>
+                  <a:t> </a:t>
+                </a:r>
+              </a:p>
+            </p:txBody>
+          </p:sp>
+        </mc:Fallback>
+      </mc:AlternateContent>
+      <mc:AlternateContent xmlns:mc="http://schemas.openxmlformats.org/markup-compatibility/2006" xmlns:a14="http://schemas.microsoft.com/office/drawing/2010/main">
+        <mc:Choice Requires="a14">
+          <p:sp>
+            <p:nvSpPr>
+              <p:cNvPr id="51" name="TextBox 50">
+                <a:extLst>
+                  <a:ext uri="{FF2B5EF4-FFF2-40B4-BE49-F238E27FC236}">
+                    <a16:creationId xmlns:a16="http://schemas.microsoft.com/office/drawing/2014/main" id="{8688C9EE-437D-85B9-056B-98564773D476}"/>
+                  </a:ext>
+                </a:extLst>
+              </p:cNvPr>
+              <p:cNvSpPr txBox="1"/>
+              <p:nvPr/>
+            </p:nvSpPr>
+            <p:spPr>
+              <a:xfrm rot="18545252">
+                <a:off x="6000702" y="2386156"/>
+                <a:ext cx="964705" cy="325089"/>
+              </a:xfrm>
+              <a:prstGeom prst="rect">
+                <a:avLst/>
+              </a:prstGeom>
+              <a:noFill/>
+            </p:spPr>
+            <p:txBody>
+              <a:bodyPr wrap="square" rtlCol="0">
+                <a:spAutoFit/>
+              </a:bodyPr>
+              <a:lstStyle/>
+              <a:p>
+                <a14:m>
+                  <m:oMath xmlns:m="http://schemas.openxmlformats.org/officeDocument/2006/math">
+                    <m:r>
+                      <a:rPr lang="en-US" sz="1400" b="0" i="1" smtClean="0">
+                        <a:latin typeface="Cambria Math" panose="02040503050406030204" pitchFamily="18" charset="0"/>
+                      </a:rPr>
+                      <m:t>𝑑</m:t>
+                    </m:r>
+                    <m:r>
+                      <a:rPr lang="en-US" sz="1400" b="0" i="1" smtClean="0">
+                        <a:latin typeface="Cambria Math" panose="02040503050406030204" pitchFamily="18" charset="0"/>
+                      </a:rPr>
+                      <m:t>(</m:t>
+                    </m:r>
+                    <m:sSub>
+                      <m:sSubPr>
+                        <m:ctrlPr>
+                          <a:rPr lang="en-US" sz="1400" b="0" i="1" smtClean="0">
+                            <a:latin typeface="Cambria Math" panose="02040503050406030204" pitchFamily="18" charset="0"/>
+                          </a:rPr>
+                        </m:ctrlPr>
+                      </m:sSubPr>
+                      <m:e>
+                        <m:r>
+                          <a:rPr lang="en-US" sz="1400" b="0" i="1" smtClean="0">
+                            <a:latin typeface="Cambria Math" panose="02040503050406030204" pitchFamily="18" charset="0"/>
+                          </a:rPr>
+                          <m:t>𝑝</m:t>
+                        </m:r>
+                      </m:e>
+                      <m:sub>
+                        <m:r>
+                          <a:rPr lang="en-US" sz="1400" b="0" i="1" smtClean="0">
+                            <a:latin typeface="Cambria Math" panose="02040503050406030204" pitchFamily="18" charset="0"/>
+                          </a:rPr>
+                          <m:t>𝑖</m:t>
+                        </m:r>
+                      </m:sub>
+                    </m:sSub>
+                    <m:r>
+                      <a:rPr lang="en-US" sz="1400" b="0" i="1" smtClean="0">
+                        <a:latin typeface="Cambria Math" panose="02040503050406030204" pitchFamily="18" charset="0"/>
+                      </a:rPr>
+                      <m:t>,</m:t>
+                    </m:r>
+                    <m:sSub>
+                      <m:sSubPr>
+                        <m:ctrlPr>
+                          <a:rPr lang="en-US" sz="1400" b="0" i="1" smtClean="0">
+                            <a:latin typeface="Cambria Math" panose="02040503050406030204" pitchFamily="18" charset="0"/>
+                          </a:rPr>
+                        </m:ctrlPr>
+                      </m:sSubPr>
+                      <m:e>
+                        <m:r>
+                          <a:rPr lang="en-US" sz="1400" b="0" i="1" smtClean="0">
+                            <a:latin typeface="Cambria Math" panose="02040503050406030204" pitchFamily="18" charset="0"/>
+                          </a:rPr>
+                          <m:t>𝑝</m:t>
+                        </m:r>
+                      </m:e>
+                      <m:sub>
+                        <m:r>
+                          <a:rPr lang="en-US" sz="1400" b="0" i="1" smtClean="0">
+                            <a:latin typeface="Cambria Math" panose="02040503050406030204" pitchFamily="18" charset="0"/>
+                          </a:rPr>
+                          <m:t>𝑗</m:t>
+                        </m:r>
+                      </m:sub>
+                    </m:sSub>
+                  </m:oMath>
+                </a14:m>
+                <a:r>
+                  <a:rPr lang="en-US" sz="1400" dirty="0"/>
+                  <a:t>)</a:t>
+                </a:r>
+              </a:p>
+            </p:txBody>
+          </p:sp>
+        </mc:Choice>
+        <mc:Fallback xmlns="">
+          <p:sp>
+            <p:nvSpPr>
+              <p:cNvPr id="51" name="TextBox 50">
+                <a:extLst>
+                  <a:ext uri="{FF2B5EF4-FFF2-40B4-BE49-F238E27FC236}">
+                    <a16:creationId xmlns:a16="http://schemas.microsoft.com/office/drawing/2014/main" id="{8688C9EE-437D-85B9-056B-98564773D476}"/>
+                  </a:ext>
+                </a:extLst>
+              </p:cNvPr>
+              <p:cNvSpPr txBox="1">
+                <a:spLocks noRot="1" noChangeAspect="1" noMove="1" noResize="1" noEditPoints="1" noAdjustHandles="1" noChangeArrowheads="1" noChangeShapeType="1" noTextEdit="1"/>
+              </p:cNvSpPr>
+              <p:nvPr/>
+            </p:nvSpPr>
+            <p:spPr>
+              <a:xfrm rot="18545252">
+                <a:off x="6000702" y="2386156"/>
+                <a:ext cx="964705" cy="325089"/>
+              </a:xfrm>
+              <a:prstGeom prst="rect">
+                <a:avLst/>
+              </a:prstGeom>
+              <a:blipFill>
+                <a:blip r:embed="rId6"/>
+                <a:stretch>
+                  <a:fillRect/>
+                </a:stretch>
+              </a:blipFill>
+            </p:spPr>
+            <p:txBody>
+              <a:bodyPr/>
+              <a:lstStyle/>
+              <a:p>
+                <a:r>
+                  <a:rPr lang="en-US">
+                    <a:noFill/>
+                  </a:rPr>
+                  <a:t> </a:t>
+                </a:r>
+              </a:p>
+            </p:txBody>
+          </p:sp>
+        </mc:Fallback>
+      </mc:AlternateContent>
     </p:spTree>
     <p:extLst>
       <p:ext uri="{BB962C8B-B14F-4D97-AF65-F5344CB8AC3E}">
-        <p14:creationId xmlns:p14="http://schemas.microsoft.com/office/powerpoint/2010/main" val="4190431706"/>
+        <p14:creationId xmlns:p14="http://schemas.microsoft.com/office/powerpoint/2010/main" val="2200623199"/>
       </p:ext>
     </p:extLst>
   </p:cSld>
@@ -5379,7 +5828,7 @@
           <p:cNvPr id="2" name="Flowchart: Connector 1">
             <a:extLst>
               <a:ext uri="{FF2B5EF4-FFF2-40B4-BE49-F238E27FC236}">
-                <a16:creationId xmlns:a16="http://schemas.microsoft.com/office/drawing/2014/main" id="{BA90CBCD-79B7-AD19-F139-00463A3FD542}"/>
+                <a16:creationId xmlns:a16="http://schemas.microsoft.com/office/drawing/2014/main" id="{C5BE3978-8C76-18A8-9536-0440D2FED837}"/>
               </a:ext>
             </a:extLst>
           </p:cNvPr>
@@ -5388,7 +5837,7 @@
         </p:nvSpPr>
         <p:spPr>
           <a:xfrm>
-            <a:off x="4771218" y="1831706"/>
+            <a:off x="5992678" y="938334"/>
             <a:ext cx="206644" cy="206644"/>
           </a:xfrm>
           <a:prstGeom prst="flowChartConnector">
@@ -5433,7 +5882,7 @@
           <p:cNvPr id="3" name="Flowchart: Connector 2">
             <a:extLst>
               <a:ext uri="{FF2B5EF4-FFF2-40B4-BE49-F238E27FC236}">
-                <a16:creationId xmlns:a16="http://schemas.microsoft.com/office/drawing/2014/main" id="{C9437FFD-FC9F-5375-39E6-D88AD2BE2F3D}"/>
+                <a16:creationId xmlns:a16="http://schemas.microsoft.com/office/drawing/2014/main" id="{8C920299-3AB6-C83B-5484-22FD42F98776}"/>
               </a:ext>
             </a:extLst>
           </p:cNvPr>
@@ -5442,7 +5891,7 @@
         </p:nvSpPr>
         <p:spPr>
           <a:xfrm>
-            <a:off x="5900980" y="1831706"/>
+            <a:off x="4992553" y="1871784"/>
             <a:ext cx="206644" cy="206644"/>
           </a:xfrm>
           <a:prstGeom prst="flowChartConnector">
@@ -5487,7 +5936,7 @@
           <p:cNvPr id="4" name="Flowchart: Connector 3">
             <a:extLst>
               <a:ext uri="{FF2B5EF4-FFF2-40B4-BE49-F238E27FC236}">
-                <a16:creationId xmlns:a16="http://schemas.microsoft.com/office/drawing/2014/main" id="{A22D562B-062A-CD5F-B8DA-5903E56D36C1}"/>
+                <a16:creationId xmlns:a16="http://schemas.microsoft.com/office/drawing/2014/main" id="{5B71FA88-5E29-A5F6-778D-4B54BEB0EDCF}"/>
               </a:ext>
             </a:extLst>
           </p:cNvPr>
@@ -5496,7 +5945,59 @@
         </p:nvSpPr>
         <p:spPr>
           <a:xfrm>
-            <a:off x="7000877" y="1831706"/>
+            <a:off x="6992805" y="1871784"/>
+            <a:ext cx="206644" cy="206644"/>
+          </a:xfrm>
+          <a:prstGeom prst="flowChartConnector">
+            <a:avLst/>
+          </a:prstGeom>
+          <a:solidFill>
+            <a:srgbClr val="C00000"/>
+          </a:solidFill>
+          <a:ln>
+            <a:noFill/>
+          </a:ln>
+        </p:spPr>
+        <p:style>
+          <a:lnRef idx="2">
+            <a:schemeClr val="accent1">
+              <a:shade val="50000"/>
+            </a:schemeClr>
+          </a:lnRef>
+          <a:fillRef idx="1">
+            <a:schemeClr val="accent1"/>
+          </a:fillRef>
+          <a:effectRef idx="0">
+            <a:schemeClr val="accent1"/>
+          </a:effectRef>
+          <a:fontRef idx="minor">
+            <a:schemeClr val="lt1"/>
+          </a:fontRef>
+        </p:style>
+        <p:txBody>
+          <a:bodyPr rtlCol="0" anchor="ctr"/>
+          <a:lstStyle/>
+          <a:p>
+            <a:pPr algn="ctr"/>
+            <a:endParaRPr lang="en-US"/>
+          </a:p>
+        </p:txBody>
+      </p:sp>
+      <p:sp>
+        <p:nvSpPr>
+          <p:cNvPr id="5" name="Flowchart: Connector 4">
+            <a:extLst>
+              <a:ext uri="{FF2B5EF4-FFF2-40B4-BE49-F238E27FC236}">
+                <a16:creationId xmlns:a16="http://schemas.microsoft.com/office/drawing/2014/main" id="{6719CCAF-248F-011A-083E-167FE7CECEBF}"/>
+              </a:ext>
+            </a:extLst>
+          </p:cNvPr>
+          <p:cNvSpPr/>
+          <p:nvPr/>
+        </p:nvSpPr>
+        <p:spPr>
+          <a:xfrm>
+            <a:off x="4445035" y="2509959"/>
             <a:ext cx="206644" cy="206644"/>
           </a:xfrm>
           <a:prstGeom prst="flowChartConnector">
@@ -5538,10 +6039,10 @@
       </p:sp>
       <p:sp>
         <p:nvSpPr>
-          <p:cNvPr id="5" name="Flowchart: Connector 4">
-            <a:extLst>
-              <a:ext uri="{FF2B5EF4-FFF2-40B4-BE49-F238E27FC236}">
-                <a16:creationId xmlns:a16="http://schemas.microsoft.com/office/drawing/2014/main" id="{74D39E05-C8C1-E68A-B29C-0CD8C1233958}"/>
+          <p:cNvPr id="6" name="Flowchart: Connector 5">
+            <a:extLst>
+              <a:ext uri="{FF2B5EF4-FFF2-40B4-BE49-F238E27FC236}">
+                <a16:creationId xmlns:a16="http://schemas.microsoft.com/office/drawing/2014/main" id="{316E624C-090D-CF37-DD80-30C96DE11D65}"/>
               </a:ext>
             </a:extLst>
           </p:cNvPr>
@@ -5550,7 +6051,59 @@
         </p:nvSpPr>
         <p:spPr>
           <a:xfrm>
-            <a:off x="5422631" y="2765156"/>
+            <a:off x="5496483" y="2511646"/>
+            <a:ext cx="206644" cy="206644"/>
+          </a:xfrm>
+          <a:prstGeom prst="flowChartConnector">
+            <a:avLst/>
+          </a:prstGeom>
+          <a:solidFill>
+            <a:srgbClr val="C00000"/>
+          </a:solidFill>
+          <a:ln>
+            <a:noFill/>
+          </a:ln>
+        </p:spPr>
+        <p:style>
+          <a:lnRef idx="2">
+            <a:schemeClr val="accent1">
+              <a:shade val="50000"/>
+            </a:schemeClr>
+          </a:lnRef>
+          <a:fillRef idx="1">
+            <a:schemeClr val="accent1"/>
+          </a:fillRef>
+          <a:effectRef idx="0">
+            <a:schemeClr val="accent1"/>
+          </a:effectRef>
+          <a:fontRef idx="minor">
+            <a:schemeClr val="lt1"/>
+          </a:fontRef>
+        </p:style>
+        <p:txBody>
+          <a:bodyPr rtlCol="0" anchor="ctr"/>
+          <a:lstStyle/>
+          <a:p>
+            <a:pPr algn="ctr"/>
+            <a:endParaRPr lang="en-US"/>
+          </a:p>
+        </p:txBody>
+      </p:sp>
+      <p:sp>
+        <p:nvSpPr>
+          <p:cNvPr id="7" name="Flowchart: Connector 6">
+            <a:extLst>
+              <a:ext uri="{FF2B5EF4-FFF2-40B4-BE49-F238E27FC236}">
+                <a16:creationId xmlns:a16="http://schemas.microsoft.com/office/drawing/2014/main" id="{1AF7857C-33FD-7462-9669-405959536EBF}"/>
+              </a:ext>
+            </a:extLst>
+          </p:cNvPr>
+          <p:cNvSpPr/>
+          <p:nvPr/>
+        </p:nvSpPr>
+        <p:spPr>
+          <a:xfrm>
+            <a:off x="4028841" y="3222356"/>
             <a:ext cx="206644" cy="206644"/>
           </a:xfrm>
           <a:prstGeom prst="flowChartConnector">
@@ -5592,10 +6145,10 @@
       </p:sp>
       <p:sp>
         <p:nvSpPr>
-          <p:cNvPr id="6" name="Flowchart: Connector 5">
-            <a:extLst>
-              <a:ext uri="{FF2B5EF4-FFF2-40B4-BE49-F238E27FC236}">
-                <a16:creationId xmlns:a16="http://schemas.microsoft.com/office/drawing/2014/main" id="{29BA1CCF-8568-637A-5608-D084A6B8AF2B}"/>
+          <p:cNvPr id="8" name="Flowchart: Connector 7">
+            <a:extLst>
+              <a:ext uri="{FF2B5EF4-FFF2-40B4-BE49-F238E27FC236}">
+                <a16:creationId xmlns:a16="http://schemas.microsoft.com/office/drawing/2014/main" id="{704C0908-9096-E630-67C1-A61D0F4DF7C3}"/>
               </a:ext>
             </a:extLst>
           </p:cNvPr>
@@ -5604,7 +6157,7 @@
         </p:nvSpPr>
         <p:spPr>
           <a:xfrm>
-            <a:off x="3641456" y="1831706"/>
+            <a:off x="4889231" y="3222356"/>
             <a:ext cx="206644" cy="206644"/>
           </a:xfrm>
           <a:prstGeom prst="flowChartConnector">
@@ -5644,12 +6197,400 @@
           </a:p>
         </p:txBody>
       </p:sp>
+      <p:cxnSp>
+        <p:nvCxnSpPr>
+          <p:cNvPr id="10" name="Straight Arrow Connector 9">
+            <a:extLst>
+              <a:ext uri="{FF2B5EF4-FFF2-40B4-BE49-F238E27FC236}">
+                <a16:creationId xmlns:a16="http://schemas.microsoft.com/office/drawing/2014/main" id="{0FD6D683-EE57-9D4C-EA42-CD62A933B35B}"/>
+              </a:ext>
+            </a:extLst>
+          </p:cNvPr>
+          <p:cNvCxnSpPr>
+            <a:cxnSpLocks/>
+            <a:stCxn id="2" idx="4"/>
+            <a:endCxn id="3" idx="7"/>
+          </p:cNvCxnSpPr>
+          <p:nvPr/>
+        </p:nvCxnSpPr>
+        <p:spPr>
+          <a:xfrm flipH="1">
+            <a:off x="5168935" y="1144978"/>
+            <a:ext cx="927065" cy="757068"/>
+          </a:xfrm>
+          <a:prstGeom prst="straightConnector1">
+            <a:avLst/>
+          </a:prstGeom>
+          <a:ln w="12700">
+            <a:solidFill>
+              <a:schemeClr val="accent1">
+                <a:lumMod val="50000"/>
+              </a:schemeClr>
+            </a:solidFill>
+            <a:tailEnd type="triangle"/>
+          </a:ln>
+        </p:spPr>
+        <p:style>
+          <a:lnRef idx="1">
+            <a:schemeClr val="accent1"/>
+          </a:lnRef>
+          <a:fillRef idx="0">
+            <a:schemeClr val="accent1"/>
+          </a:fillRef>
+          <a:effectRef idx="0">
+            <a:schemeClr val="accent1"/>
+          </a:effectRef>
+          <a:fontRef idx="minor">
+            <a:schemeClr val="tx1"/>
+          </a:fontRef>
+        </p:style>
+      </p:cxnSp>
+      <p:cxnSp>
+        <p:nvCxnSpPr>
+          <p:cNvPr id="13" name="Straight Arrow Connector 12">
+            <a:extLst>
+              <a:ext uri="{FF2B5EF4-FFF2-40B4-BE49-F238E27FC236}">
+                <a16:creationId xmlns:a16="http://schemas.microsoft.com/office/drawing/2014/main" id="{2E35B61F-8841-AFCA-CF7D-969F0DF26F4E}"/>
+              </a:ext>
+            </a:extLst>
+          </p:cNvPr>
+          <p:cNvCxnSpPr>
+            <a:cxnSpLocks/>
+            <a:stCxn id="2" idx="4"/>
+            <a:endCxn id="4" idx="1"/>
+          </p:cNvCxnSpPr>
+          <p:nvPr/>
+        </p:nvCxnSpPr>
+        <p:spPr>
+          <a:xfrm>
+            <a:off x="6096000" y="1144978"/>
+            <a:ext cx="927067" cy="757068"/>
+          </a:xfrm>
+          <a:prstGeom prst="straightConnector1">
+            <a:avLst/>
+          </a:prstGeom>
+          <a:ln w="12700">
+            <a:solidFill>
+              <a:schemeClr val="accent1">
+                <a:lumMod val="50000"/>
+              </a:schemeClr>
+            </a:solidFill>
+            <a:tailEnd type="triangle"/>
+          </a:ln>
+        </p:spPr>
+        <p:style>
+          <a:lnRef idx="1">
+            <a:schemeClr val="accent1"/>
+          </a:lnRef>
+          <a:fillRef idx="0">
+            <a:schemeClr val="accent1"/>
+          </a:fillRef>
+          <a:effectRef idx="0">
+            <a:schemeClr val="accent1"/>
+          </a:effectRef>
+          <a:fontRef idx="minor">
+            <a:schemeClr val="tx1"/>
+          </a:fontRef>
+        </p:style>
+      </p:cxnSp>
+      <p:cxnSp>
+        <p:nvCxnSpPr>
+          <p:cNvPr id="17" name="Straight Arrow Connector 16">
+            <a:extLst>
+              <a:ext uri="{FF2B5EF4-FFF2-40B4-BE49-F238E27FC236}">
+                <a16:creationId xmlns:a16="http://schemas.microsoft.com/office/drawing/2014/main" id="{8737816E-4E71-F64E-891B-A4A5781E88E2}"/>
+              </a:ext>
+            </a:extLst>
+          </p:cNvPr>
+          <p:cNvCxnSpPr>
+            <a:cxnSpLocks/>
+            <a:stCxn id="3" idx="4"/>
+            <a:endCxn id="5" idx="7"/>
+          </p:cNvCxnSpPr>
+          <p:nvPr/>
+        </p:nvCxnSpPr>
+        <p:spPr>
+          <a:xfrm flipH="1">
+            <a:off x="4621417" y="2078428"/>
+            <a:ext cx="474458" cy="461793"/>
+          </a:xfrm>
+          <a:prstGeom prst="straightConnector1">
+            <a:avLst/>
+          </a:prstGeom>
+          <a:ln w="12700">
+            <a:solidFill>
+              <a:schemeClr val="accent1">
+                <a:lumMod val="50000"/>
+              </a:schemeClr>
+            </a:solidFill>
+            <a:tailEnd type="triangle"/>
+          </a:ln>
+        </p:spPr>
+        <p:style>
+          <a:lnRef idx="1">
+            <a:schemeClr val="accent1"/>
+          </a:lnRef>
+          <a:fillRef idx="0">
+            <a:schemeClr val="accent1"/>
+          </a:fillRef>
+          <a:effectRef idx="0">
+            <a:schemeClr val="accent1"/>
+          </a:effectRef>
+          <a:fontRef idx="minor">
+            <a:schemeClr val="tx1"/>
+          </a:fontRef>
+        </p:style>
+      </p:cxnSp>
+      <p:cxnSp>
+        <p:nvCxnSpPr>
+          <p:cNvPr id="20" name="Straight Arrow Connector 19">
+            <a:extLst>
+              <a:ext uri="{FF2B5EF4-FFF2-40B4-BE49-F238E27FC236}">
+                <a16:creationId xmlns:a16="http://schemas.microsoft.com/office/drawing/2014/main" id="{29C16551-68D3-CF76-2A1B-1EB72FAEF743}"/>
+              </a:ext>
+            </a:extLst>
+          </p:cNvPr>
+          <p:cNvCxnSpPr>
+            <a:cxnSpLocks/>
+            <a:stCxn id="3" idx="4"/>
+            <a:endCxn id="6" idx="1"/>
+          </p:cNvCxnSpPr>
+          <p:nvPr/>
+        </p:nvCxnSpPr>
+        <p:spPr>
+          <a:xfrm>
+            <a:off x="5095875" y="2078428"/>
+            <a:ext cx="430870" cy="463480"/>
+          </a:xfrm>
+          <a:prstGeom prst="straightConnector1">
+            <a:avLst/>
+          </a:prstGeom>
+          <a:ln w="12700">
+            <a:solidFill>
+              <a:schemeClr val="accent1">
+                <a:lumMod val="50000"/>
+              </a:schemeClr>
+            </a:solidFill>
+            <a:tailEnd type="triangle"/>
+          </a:ln>
+        </p:spPr>
+        <p:style>
+          <a:lnRef idx="1">
+            <a:schemeClr val="accent1"/>
+          </a:lnRef>
+          <a:fillRef idx="0">
+            <a:schemeClr val="accent1"/>
+          </a:fillRef>
+          <a:effectRef idx="0">
+            <a:schemeClr val="accent1"/>
+          </a:effectRef>
+          <a:fontRef idx="minor">
+            <a:schemeClr val="tx1"/>
+          </a:fontRef>
+        </p:style>
+      </p:cxnSp>
+      <p:cxnSp>
+        <p:nvCxnSpPr>
+          <p:cNvPr id="24" name="Straight Arrow Connector 23">
+            <a:extLst>
+              <a:ext uri="{FF2B5EF4-FFF2-40B4-BE49-F238E27FC236}">
+                <a16:creationId xmlns:a16="http://schemas.microsoft.com/office/drawing/2014/main" id="{9BED8791-42D2-8CDB-18AA-D4B44FE8A84D}"/>
+              </a:ext>
+            </a:extLst>
+          </p:cNvPr>
+          <p:cNvCxnSpPr>
+            <a:cxnSpLocks/>
+            <a:stCxn id="5" idx="4"/>
+            <a:endCxn id="7" idx="7"/>
+          </p:cNvCxnSpPr>
+          <p:nvPr/>
+        </p:nvCxnSpPr>
+        <p:spPr>
+          <a:xfrm flipH="1">
+            <a:off x="4205223" y="2716603"/>
+            <a:ext cx="343134" cy="536015"/>
+          </a:xfrm>
+          <a:prstGeom prst="straightConnector1">
+            <a:avLst/>
+          </a:prstGeom>
+          <a:ln w="12700">
+            <a:solidFill>
+              <a:schemeClr val="accent1">
+                <a:lumMod val="50000"/>
+              </a:schemeClr>
+            </a:solidFill>
+            <a:tailEnd type="triangle"/>
+          </a:ln>
+        </p:spPr>
+        <p:style>
+          <a:lnRef idx="1">
+            <a:schemeClr val="accent1"/>
+          </a:lnRef>
+          <a:fillRef idx="0">
+            <a:schemeClr val="accent1"/>
+          </a:fillRef>
+          <a:effectRef idx="0">
+            <a:schemeClr val="accent1"/>
+          </a:effectRef>
+          <a:fontRef idx="minor">
+            <a:schemeClr val="tx1"/>
+          </a:fontRef>
+        </p:style>
+      </p:cxnSp>
+      <p:cxnSp>
+        <p:nvCxnSpPr>
+          <p:cNvPr id="28" name="Straight Arrow Connector 27">
+            <a:extLst>
+              <a:ext uri="{FF2B5EF4-FFF2-40B4-BE49-F238E27FC236}">
+                <a16:creationId xmlns:a16="http://schemas.microsoft.com/office/drawing/2014/main" id="{2B32BF11-2FFE-15C2-570A-BBC555258B80}"/>
+              </a:ext>
+            </a:extLst>
+          </p:cNvPr>
+          <p:cNvCxnSpPr>
+            <a:cxnSpLocks/>
+            <a:stCxn id="5" idx="4"/>
+            <a:endCxn id="8" idx="1"/>
+          </p:cNvCxnSpPr>
+          <p:nvPr/>
+        </p:nvCxnSpPr>
+        <p:spPr>
+          <a:xfrm>
+            <a:off x="4548357" y="2716603"/>
+            <a:ext cx="371136" cy="536015"/>
+          </a:xfrm>
+          <a:prstGeom prst="straightConnector1">
+            <a:avLst/>
+          </a:prstGeom>
+          <a:ln w="12700">
+            <a:solidFill>
+              <a:schemeClr val="accent1">
+                <a:lumMod val="50000"/>
+              </a:schemeClr>
+            </a:solidFill>
+            <a:tailEnd type="triangle"/>
+          </a:ln>
+        </p:spPr>
+        <p:style>
+          <a:lnRef idx="1">
+            <a:schemeClr val="accent1"/>
+          </a:lnRef>
+          <a:fillRef idx="0">
+            <a:schemeClr val="accent1"/>
+          </a:fillRef>
+          <a:effectRef idx="0">
+            <a:schemeClr val="accent1"/>
+          </a:effectRef>
+          <a:fontRef idx="minor">
+            <a:schemeClr val="tx1"/>
+          </a:fontRef>
+        </p:style>
+      </p:cxnSp>
       <p:sp>
         <p:nvSpPr>
-          <p:cNvPr id="7" name="Flowchart: Connector 6">
-            <a:extLst>
-              <a:ext uri="{FF2B5EF4-FFF2-40B4-BE49-F238E27FC236}">
-                <a16:creationId xmlns:a16="http://schemas.microsoft.com/office/drawing/2014/main" id="{BA7C2E02-1483-B689-5588-2276A5BD9BAB}"/>
+          <p:cNvPr id="38" name="TextBox 37">
+            <a:extLst>
+              <a:ext uri="{FF2B5EF4-FFF2-40B4-BE49-F238E27FC236}">
+                <a16:creationId xmlns:a16="http://schemas.microsoft.com/office/drawing/2014/main" id="{BE86B9C7-838F-5456-1CB6-9CDD9A17D763}"/>
+              </a:ext>
+            </a:extLst>
+          </p:cNvPr>
+          <p:cNvSpPr txBox="1"/>
+          <p:nvPr/>
+        </p:nvSpPr>
+        <p:spPr>
+          <a:xfrm>
+            <a:off x="6549957" y="2108690"/>
+            <a:ext cx="1104898" cy="276999"/>
+          </a:xfrm>
+          <a:prstGeom prst="rect">
+            <a:avLst/>
+          </a:prstGeom>
+          <a:noFill/>
+        </p:spPr>
+        <p:txBody>
+          <a:bodyPr wrap="square" rtlCol="0">
+            <a:spAutoFit/>
+          </a:bodyPr>
+          <a:lstStyle/>
+          <a:p>
+            <a:r>
+              <a:rPr lang="en-US" sz="1200" dirty="0"/>
+              <a:t>External-node</a:t>
+            </a:r>
+          </a:p>
+        </p:txBody>
+      </p:sp>
+      <p:sp>
+        <p:nvSpPr>
+          <p:cNvPr id="39" name="TextBox 38">
+            <a:extLst>
+              <a:ext uri="{FF2B5EF4-FFF2-40B4-BE49-F238E27FC236}">
+                <a16:creationId xmlns:a16="http://schemas.microsoft.com/office/drawing/2014/main" id="{A8E07F77-A645-62A8-1F41-0627F0D403DB}"/>
+              </a:ext>
+            </a:extLst>
+          </p:cNvPr>
+          <p:cNvSpPr txBox="1"/>
+          <p:nvPr/>
+        </p:nvSpPr>
+        <p:spPr>
+          <a:xfrm>
+            <a:off x="3917917" y="1763546"/>
+            <a:ext cx="1104898" cy="276999"/>
+          </a:xfrm>
+          <a:prstGeom prst="rect">
+            <a:avLst/>
+          </a:prstGeom>
+          <a:noFill/>
+        </p:spPr>
+        <p:txBody>
+          <a:bodyPr wrap="square" rtlCol="0">
+            <a:spAutoFit/>
+          </a:bodyPr>
+          <a:lstStyle/>
+          <a:p>
+            <a:r>
+              <a:rPr lang="en-US" sz="1200" dirty="0"/>
+              <a:t>Internal-node</a:t>
+            </a:r>
+          </a:p>
+        </p:txBody>
+      </p:sp>
+    </p:spTree>
+    <p:extLst>
+      <p:ext uri="{BB962C8B-B14F-4D97-AF65-F5344CB8AC3E}">
+        <p14:creationId xmlns:p14="http://schemas.microsoft.com/office/powerpoint/2010/main" val="4190431706"/>
+      </p:ext>
+    </p:extLst>
+  </p:cSld>
+  <p:clrMapOvr>
+    <a:masterClrMapping/>
+  </p:clrMapOvr>
+</p:sld>
+</file>
+
+<file path=ppt/slides/slide12.xml><?xml version="1.0" encoding="utf-8"?>
+<p:sld xmlns:a="http://schemas.openxmlformats.org/drawingml/2006/main" xmlns:r="http://schemas.openxmlformats.org/officeDocument/2006/relationships" xmlns:p="http://schemas.openxmlformats.org/presentationml/2006/main">
+  <p:cSld>
+    <p:spTree>
+      <p:nvGrpSpPr>
+        <p:cNvPr id="1" name=""/>
+        <p:cNvGrpSpPr/>
+        <p:nvPr/>
+      </p:nvGrpSpPr>
+      <p:grpSpPr>
+        <a:xfrm>
+          <a:off x="0" y="0"/>
+          <a:ext cx="0" cy="0"/>
+          <a:chOff x="0" y="0"/>
+          <a:chExt cx="0" cy="0"/>
+        </a:xfrm>
+      </p:grpSpPr>
+      <p:sp>
+        <p:nvSpPr>
+          <p:cNvPr id="2" name="Flowchart: Connector 1">
+            <a:extLst>
+              <a:ext uri="{FF2B5EF4-FFF2-40B4-BE49-F238E27FC236}">
+                <a16:creationId xmlns:a16="http://schemas.microsoft.com/office/drawing/2014/main" id="{BA90CBCD-79B7-AD19-F139-00463A3FD542}"/>
               </a:ext>
             </a:extLst>
           </p:cNvPr>
@@ -5658,59 +6599,7 @@
         </p:nvSpPr>
         <p:spPr>
           <a:xfrm>
-            <a:off x="6594206" y="4031981"/>
-            <a:ext cx="206644" cy="206644"/>
-          </a:xfrm>
-          <a:prstGeom prst="flowChartConnector">
-            <a:avLst/>
-          </a:prstGeom>
-          <a:solidFill>
-            <a:srgbClr val="C00000"/>
-          </a:solidFill>
-          <a:ln>
-            <a:noFill/>
-          </a:ln>
-        </p:spPr>
-        <p:style>
-          <a:lnRef idx="2">
-            <a:schemeClr val="accent1">
-              <a:shade val="50000"/>
-            </a:schemeClr>
-          </a:lnRef>
-          <a:fillRef idx="1">
-            <a:schemeClr val="accent1"/>
-          </a:fillRef>
-          <a:effectRef idx="0">
-            <a:schemeClr val="accent1"/>
-          </a:effectRef>
-          <a:fontRef idx="minor">
-            <a:schemeClr val="lt1"/>
-          </a:fontRef>
-        </p:style>
-        <p:txBody>
-          <a:bodyPr rtlCol="0" anchor="ctr"/>
-          <a:lstStyle/>
-          <a:p>
-            <a:pPr algn="ctr"/>
-            <a:endParaRPr lang="en-US"/>
-          </a:p>
-        </p:txBody>
-      </p:sp>
-      <p:sp>
-        <p:nvSpPr>
-          <p:cNvPr id="8" name="Flowchart: Connector 7">
-            <a:extLst>
-              <a:ext uri="{FF2B5EF4-FFF2-40B4-BE49-F238E27FC236}">
-                <a16:creationId xmlns:a16="http://schemas.microsoft.com/office/drawing/2014/main" id="{41A193A3-828A-F242-D1C6-601A09AD4064}"/>
-              </a:ext>
-            </a:extLst>
-          </p:cNvPr>
-          <p:cNvSpPr/>
-          <p:nvPr/>
-        </p:nvSpPr>
-        <p:spPr>
-          <a:xfrm>
-            <a:off x="8210549" y="1831706"/>
+            <a:off x="4771218" y="1831706"/>
             <a:ext cx="206644" cy="206644"/>
           </a:xfrm>
           <a:prstGeom prst="flowChartConnector">
@@ -5750,6 +6639,328 @@
           </a:p>
         </p:txBody>
       </p:sp>
+      <p:sp>
+        <p:nvSpPr>
+          <p:cNvPr id="3" name="Flowchart: Connector 2">
+            <a:extLst>
+              <a:ext uri="{FF2B5EF4-FFF2-40B4-BE49-F238E27FC236}">
+                <a16:creationId xmlns:a16="http://schemas.microsoft.com/office/drawing/2014/main" id="{C9437FFD-FC9F-5375-39E6-D88AD2BE2F3D}"/>
+              </a:ext>
+            </a:extLst>
+          </p:cNvPr>
+          <p:cNvSpPr/>
+          <p:nvPr/>
+        </p:nvSpPr>
+        <p:spPr>
+          <a:xfrm>
+            <a:off x="5900980" y="1831706"/>
+            <a:ext cx="206644" cy="206644"/>
+          </a:xfrm>
+          <a:prstGeom prst="flowChartConnector">
+            <a:avLst/>
+          </a:prstGeom>
+          <a:solidFill>
+            <a:schemeClr val="accent1">
+              <a:lumMod val="75000"/>
+            </a:schemeClr>
+          </a:solidFill>
+          <a:ln>
+            <a:noFill/>
+          </a:ln>
+        </p:spPr>
+        <p:style>
+          <a:lnRef idx="2">
+            <a:schemeClr val="accent1">
+              <a:shade val="50000"/>
+            </a:schemeClr>
+          </a:lnRef>
+          <a:fillRef idx="1">
+            <a:schemeClr val="accent1"/>
+          </a:fillRef>
+          <a:effectRef idx="0">
+            <a:schemeClr val="accent1"/>
+          </a:effectRef>
+          <a:fontRef idx="minor">
+            <a:schemeClr val="lt1"/>
+          </a:fontRef>
+        </p:style>
+        <p:txBody>
+          <a:bodyPr rtlCol="0" anchor="ctr"/>
+          <a:lstStyle/>
+          <a:p>
+            <a:pPr algn="ctr"/>
+            <a:endParaRPr lang="en-US"/>
+          </a:p>
+        </p:txBody>
+      </p:sp>
+      <p:sp>
+        <p:nvSpPr>
+          <p:cNvPr id="4" name="Flowchart: Connector 3">
+            <a:extLst>
+              <a:ext uri="{FF2B5EF4-FFF2-40B4-BE49-F238E27FC236}">
+                <a16:creationId xmlns:a16="http://schemas.microsoft.com/office/drawing/2014/main" id="{A22D562B-062A-CD5F-B8DA-5903E56D36C1}"/>
+              </a:ext>
+            </a:extLst>
+          </p:cNvPr>
+          <p:cNvSpPr/>
+          <p:nvPr/>
+        </p:nvSpPr>
+        <p:spPr>
+          <a:xfrm>
+            <a:off x="7000877" y="1831706"/>
+            <a:ext cx="206644" cy="206644"/>
+          </a:xfrm>
+          <a:prstGeom prst="flowChartConnector">
+            <a:avLst/>
+          </a:prstGeom>
+          <a:solidFill>
+            <a:schemeClr val="accent1">
+              <a:lumMod val="75000"/>
+            </a:schemeClr>
+          </a:solidFill>
+          <a:ln>
+            <a:noFill/>
+          </a:ln>
+        </p:spPr>
+        <p:style>
+          <a:lnRef idx="2">
+            <a:schemeClr val="accent1">
+              <a:shade val="50000"/>
+            </a:schemeClr>
+          </a:lnRef>
+          <a:fillRef idx="1">
+            <a:schemeClr val="accent1"/>
+          </a:fillRef>
+          <a:effectRef idx="0">
+            <a:schemeClr val="accent1"/>
+          </a:effectRef>
+          <a:fontRef idx="minor">
+            <a:schemeClr val="lt1"/>
+          </a:fontRef>
+        </p:style>
+        <p:txBody>
+          <a:bodyPr rtlCol="0" anchor="ctr"/>
+          <a:lstStyle/>
+          <a:p>
+            <a:pPr algn="ctr"/>
+            <a:endParaRPr lang="en-US"/>
+          </a:p>
+        </p:txBody>
+      </p:sp>
+      <p:sp>
+        <p:nvSpPr>
+          <p:cNvPr id="5" name="Flowchart: Connector 4">
+            <a:extLst>
+              <a:ext uri="{FF2B5EF4-FFF2-40B4-BE49-F238E27FC236}">
+                <a16:creationId xmlns:a16="http://schemas.microsoft.com/office/drawing/2014/main" id="{74D39E05-C8C1-E68A-B29C-0CD8C1233958}"/>
+              </a:ext>
+            </a:extLst>
+          </p:cNvPr>
+          <p:cNvSpPr/>
+          <p:nvPr/>
+        </p:nvSpPr>
+        <p:spPr>
+          <a:xfrm>
+            <a:off x="5422631" y="2765156"/>
+            <a:ext cx="206644" cy="206644"/>
+          </a:xfrm>
+          <a:prstGeom prst="flowChartConnector">
+            <a:avLst/>
+          </a:prstGeom>
+          <a:solidFill>
+            <a:schemeClr val="accent1">
+              <a:lumMod val="75000"/>
+            </a:schemeClr>
+          </a:solidFill>
+          <a:ln>
+            <a:noFill/>
+          </a:ln>
+        </p:spPr>
+        <p:style>
+          <a:lnRef idx="2">
+            <a:schemeClr val="accent1">
+              <a:shade val="50000"/>
+            </a:schemeClr>
+          </a:lnRef>
+          <a:fillRef idx="1">
+            <a:schemeClr val="accent1"/>
+          </a:fillRef>
+          <a:effectRef idx="0">
+            <a:schemeClr val="accent1"/>
+          </a:effectRef>
+          <a:fontRef idx="minor">
+            <a:schemeClr val="lt1"/>
+          </a:fontRef>
+        </p:style>
+        <p:txBody>
+          <a:bodyPr rtlCol="0" anchor="ctr"/>
+          <a:lstStyle/>
+          <a:p>
+            <a:pPr algn="ctr"/>
+            <a:endParaRPr lang="en-US"/>
+          </a:p>
+        </p:txBody>
+      </p:sp>
+      <p:sp>
+        <p:nvSpPr>
+          <p:cNvPr id="6" name="Flowchart: Connector 5">
+            <a:extLst>
+              <a:ext uri="{FF2B5EF4-FFF2-40B4-BE49-F238E27FC236}">
+                <a16:creationId xmlns:a16="http://schemas.microsoft.com/office/drawing/2014/main" id="{29BA1CCF-8568-637A-5608-D084A6B8AF2B}"/>
+              </a:ext>
+            </a:extLst>
+          </p:cNvPr>
+          <p:cNvSpPr/>
+          <p:nvPr/>
+        </p:nvSpPr>
+        <p:spPr>
+          <a:xfrm>
+            <a:off x="3641456" y="1831706"/>
+            <a:ext cx="206644" cy="206644"/>
+          </a:xfrm>
+          <a:prstGeom prst="flowChartConnector">
+            <a:avLst/>
+          </a:prstGeom>
+          <a:solidFill>
+            <a:schemeClr val="accent1">
+              <a:lumMod val="75000"/>
+            </a:schemeClr>
+          </a:solidFill>
+          <a:ln>
+            <a:noFill/>
+          </a:ln>
+        </p:spPr>
+        <p:style>
+          <a:lnRef idx="2">
+            <a:schemeClr val="accent1">
+              <a:shade val="50000"/>
+            </a:schemeClr>
+          </a:lnRef>
+          <a:fillRef idx="1">
+            <a:schemeClr val="accent1"/>
+          </a:fillRef>
+          <a:effectRef idx="0">
+            <a:schemeClr val="accent1"/>
+          </a:effectRef>
+          <a:fontRef idx="minor">
+            <a:schemeClr val="lt1"/>
+          </a:fontRef>
+        </p:style>
+        <p:txBody>
+          <a:bodyPr rtlCol="0" anchor="ctr"/>
+          <a:lstStyle/>
+          <a:p>
+            <a:pPr algn="ctr"/>
+            <a:endParaRPr lang="en-US"/>
+          </a:p>
+        </p:txBody>
+      </p:sp>
+      <p:sp>
+        <p:nvSpPr>
+          <p:cNvPr id="7" name="Flowchart: Connector 6">
+            <a:extLst>
+              <a:ext uri="{FF2B5EF4-FFF2-40B4-BE49-F238E27FC236}">
+                <a16:creationId xmlns:a16="http://schemas.microsoft.com/office/drawing/2014/main" id="{BA7C2E02-1483-B689-5588-2276A5BD9BAB}"/>
+              </a:ext>
+            </a:extLst>
+          </p:cNvPr>
+          <p:cNvSpPr/>
+          <p:nvPr/>
+        </p:nvSpPr>
+        <p:spPr>
+          <a:xfrm>
+            <a:off x="6594206" y="4031981"/>
+            <a:ext cx="206644" cy="206644"/>
+          </a:xfrm>
+          <a:prstGeom prst="flowChartConnector">
+            <a:avLst/>
+          </a:prstGeom>
+          <a:solidFill>
+            <a:srgbClr val="C00000"/>
+          </a:solidFill>
+          <a:ln>
+            <a:noFill/>
+          </a:ln>
+        </p:spPr>
+        <p:style>
+          <a:lnRef idx="2">
+            <a:schemeClr val="accent1">
+              <a:shade val="50000"/>
+            </a:schemeClr>
+          </a:lnRef>
+          <a:fillRef idx="1">
+            <a:schemeClr val="accent1"/>
+          </a:fillRef>
+          <a:effectRef idx="0">
+            <a:schemeClr val="accent1"/>
+          </a:effectRef>
+          <a:fontRef idx="minor">
+            <a:schemeClr val="lt1"/>
+          </a:fontRef>
+        </p:style>
+        <p:txBody>
+          <a:bodyPr rtlCol="0" anchor="ctr"/>
+          <a:lstStyle/>
+          <a:p>
+            <a:pPr algn="ctr"/>
+            <a:endParaRPr lang="en-US"/>
+          </a:p>
+        </p:txBody>
+      </p:sp>
+      <p:sp>
+        <p:nvSpPr>
+          <p:cNvPr id="8" name="Flowchart: Connector 7">
+            <a:extLst>
+              <a:ext uri="{FF2B5EF4-FFF2-40B4-BE49-F238E27FC236}">
+                <a16:creationId xmlns:a16="http://schemas.microsoft.com/office/drawing/2014/main" id="{41A193A3-828A-F242-D1C6-601A09AD4064}"/>
+              </a:ext>
+            </a:extLst>
+          </p:cNvPr>
+          <p:cNvSpPr/>
+          <p:nvPr/>
+        </p:nvSpPr>
+        <p:spPr>
+          <a:xfrm>
+            <a:off x="8210549" y="1831706"/>
+            <a:ext cx="206644" cy="206644"/>
+          </a:xfrm>
+          <a:prstGeom prst="flowChartConnector">
+            <a:avLst/>
+          </a:prstGeom>
+          <a:solidFill>
+            <a:schemeClr val="accent1">
+              <a:lumMod val="75000"/>
+            </a:schemeClr>
+          </a:solidFill>
+          <a:ln>
+            <a:noFill/>
+          </a:ln>
+        </p:spPr>
+        <p:style>
+          <a:lnRef idx="2">
+            <a:schemeClr val="accent1">
+              <a:shade val="50000"/>
+            </a:schemeClr>
+          </a:lnRef>
+          <a:fillRef idx="1">
+            <a:schemeClr val="accent1"/>
+          </a:fillRef>
+          <a:effectRef idx="0">
+            <a:schemeClr val="accent1"/>
+          </a:effectRef>
+          <a:fontRef idx="minor">
+            <a:schemeClr val="lt1"/>
+          </a:fontRef>
+        </p:style>
+        <p:txBody>
+          <a:bodyPr rtlCol="0" anchor="ctr"/>
+          <a:lstStyle/>
+          <a:p>
+            <a:pPr algn="ctr"/>
+            <a:endParaRPr lang="en-US"/>
+          </a:p>
+        </p:txBody>
+      </p:sp>
       <p:cxnSp>
         <p:nvCxnSpPr>
           <p:cNvPr id="10" name="Straight Connector 9">
@@ -5832,8 +7043,8 @@
           </a:fontRef>
         </p:style>
       </p:cxnSp>
-      <mc:AlternateContent xmlns:mc="http://schemas.openxmlformats.org/markup-compatibility/2006">
-        <mc:Choice xmlns:a14="http://schemas.microsoft.com/office/drawing/2010/main" Requires="a14">
+      <mc:AlternateContent xmlns:mc="http://schemas.openxmlformats.org/markup-compatibility/2006" xmlns:a14="http://schemas.microsoft.com/office/drawing/2010/main">
+        <mc:Choice Requires="a14">
           <p:sp>
             <p:nvSpPr>
               <p:cNvPr id="21" name="TextBox 20">
@@ -5862,6 +7073,7 @@
               </a:bodyPr>
               <a:lstStyle/>
               <a:p>
+                <a:pPr/>
                 <a14:m>
                   <m:oMathPara xmlns:m="http://schemas.openxmlformats.org/officeDocument/2006/math">
                     <m:oMathParaPr>
@@ -5901,7 +7113,7 @@
             </p:txBody>
           </p:sp>
         </mc:Choice>
-        <mc:Fallback>
+        <mc:Fallback xmlns="">
           <p:sp>
             <p:nvSpPr>
               <p:cNvPr id="21" name="TextBox 20">
@@ -5946,8 +7158,8 @@
           </p:sp>
         </mc:Fallback>
       </mc:AlternateContent>
-      <mc:AlternateContent xmlns:mc="http://schemas.openxmlformats.org/markup-compatibility/2006">
-        <mc:Choice xmlns:a14="http://schemas.microsoft.com/office/drawing/2010/main" Requires="a14">
+      <mc:AlternateContent xmlns:mc="http://schemas.openxmlformats.org/markup-compatibility/2006" xmlns:a14="http://schemas.microsoft.com/office/drawing/2010/main">
+        <mc:Choice Requires="a14">
           <p:sp>
             <p:nvSpPr>
               <p:cNvPr id="22" name="TextBox 21">
@@ -5976,6 +7188,7 @@
               </a:bodyPr>
               <a:lstStyle/>
               <a:p>
+                <a:pPr/>
                 <a14:m>
                   <m:oMathPara xmlns:m="http://schemas.openxmlformats.org/officeDocument/2006/math">
                     <m:oMathParaPr>
@@ -6015,7 +7228,7 @@
             </p:txBody>
           </p:sp>
         </mc:Choice>
-        <mc:Fallback>
+        <mc:Fallback xmlns="">
           <p:sp>
             <p:nvSpPr>
               <p:cNvPr id="22" name="TextBox 21">
@@ -6101,8 +7314,8 @@
           </a:fontRef>
         </p:style>
       </p:cxnSp>
-      <mc:AlternateContent xmlns:mc="http://schemas.openxmlformats.org/markup-compatibility/2006">
-        <mc:Choice xmlns:a14="http://schemas.microsoft.com/office/drawing/2010/main" Requires="a14">
+      <mc:AlternateContent xmlns:mc="http://schemas.openxmlformats.org/markup-compatibility/2006" xmlns:a14="http://schemas.microsoft.com/office/drawing/2010/main">
+        <mc:Choice Requires="a14">
           <p:sp>
             <p:nvSpPr>
               <p:cNvPr id="26" name="TextBox 25">
@@ -6131,6 +7344,7 @@
               </a:bodyPr>
               <a:lstStyle/>
               <a:p>
+                <a:pPr/>
                 <a14:m>
                   <m:oMathPara xmlns:m="http://schemas.openxmlformats.org/officeDocument/2006/math">
                     <m:oMathParaPr>
@@ -6170,7 +7384,7 @@
             </p:txBody>
           </p:sp>
         </mc:Choice>
-        <mc:Fallback>
+        <mc:Fallback xmlns="">
           <p:sp>
             <p:nvSpPr>
               <p:cNvPr id="26" name="TextBox 25">
@@ -6228,7 +7442,7 @@
 </p:sld>
 </file>
 
-<file path=ppt/slides/slide12.xml><?xml version="1.0" encoding="utf-8"?>
+<file path=ppt/slides/slide13.xml><?xml version="1.0" encoding="utf-8"?>
 <p:sld xmlns:a="http://schemas.openxmlformats.org/drawingml/2006/main" xmlns:r="http://schemas.openxmlformats.org/officeDocument/2006/relationships" xmlns:p="http://schemas.openxmlformats.org/presentationml/2006/main">
   <p:cSld>
     <p:spTree>
@@ -8432,7 +9646,7 @@
 </p:sld>
 </file>
 
-<file path=ppt/slides/slide13.xml><?xml version="1.0" encoding="utf-8"?>
+<file path=ppt/slides/slide14.xml><?xml version="1.0" encoding="utf-8"?>
 <p:sld xmlns:a="http://schemas.openxmlformats.org/drawingml/2006/main" xmlns:r="http://schemas.openxmlformats.org/officeDocument/2006/relationships" xmlns:p="http://schemas.openxmlformats.org/presentationml/2006/main">
   <p:cSld>
     <p:spTree>
@@ -18369,57 +19583,12 @@
           <a:chExt cx="0" cy="0"/>
         </a:xfrm>
       </p:grpSpPr>
-      <p:cxnSp>
-        <p:nvCxnSpPr>
-          <p:cNvPr id="5" name="Straight Arrow Connector 4">
-            <a:extLst>
-              <a:ext uri="{FF2B5EF4-FFF2-40B4-BE49-F238E27FC236}">
-                <a16:creationId xmlns:a16="http://schemas.microsoft.com/office/drawing/2014/main" id="{2CB89DDB-E639-7C58-F0E4-0868C62DFF57}"/>
-              </a:ext>
-            </a:extLst>
-          </p:cNvPr>
-          <p:cNvCxnSpPr>
-            <a:cxnSpLocks/>
-            <a:stCxn id="14" idx="7"/>
-          </p:cNvCxnSpPr>
-          <p:nvPr/>
-        </p:nvCxnSpPr>
-        <p:spPr>
-          <a:xfrm flipV="1">
-            <a:off x="5994663" y="1901987"/>
-            <a:ext cx="1277186" cy="1508074"/>
-          </a:xfrm>
-          <a:prstGeom prst="straightConnector1">
-            <a:avLst/>
-          </a:prstGeom>
-          <a:ln w="28575">
-            <a:solidFill>
-              <a:srgbClr val="C00000"/>
-            </a:solidFill>
-            <a:tailEnd type="triangle"/>
-          </a:ln>
-        </p:spPr>
-        <p:style>
-          <a:lnRef idx="1">
-            <a:schemeClr val="accent1"/>
-          </a:lnRef>
-          <a:fillRef idx="0">
-            <a:schemeClr val="accent1"/>
-          </a:fillRef>
-          <a:effectRef idx="0">
-            <a:schemeClr val="accent1"/>
-          </a:effectRef>
-          <a:fontRef idx="minor">
-            <a:schemeClr val="tx1"/>
-          </a:fontRef>
-        </p:style>
-      </p:cxnSp>
       <p:sp>
         <p:nvSpPr>
-          <p:cNvPr id="14" name="Flowchart: Connector 13">
-            <a:extLst>
-              <a:ext uri="{FF2B5EF4-FFF2-40B4-BE49-F238E27FC236}">
-                <a16:creationId xmlns:a16="http://schemas.microsoft.com/office/drawing/2014/main" id="{2A41672E-BFF7-A89D-3A40-3F9D75630226}"/>
+          <p:cNvPr id="5" name="Flowchart: Connector 17">
+            <a:extLst>
+              <a:ext uri="{FF2B5EF4-FFF2-40B4-BE49-F238E27FC236}">
+                <a16:creationId xmlns:a16="http://schemas.microsoft.com/office/drawing/2014/main" id="{30808DD7-5D69-E04C-85EE-C19FB6AABCCD}"/>
               </a:ext>
             </a:extLst>
           </p:cNvPr>
@@ -18428,16 +19597,14 @@
         </p:nvSpPr>
         <p:spPr>
           <a:xfrm>
-            <a:off x="5818281" y="3379799"/>
-            <a:ext cx="206644" cy="206644"/>
+            <a:off x="4889507" y="2236916"/>
+            <a:ext cx="180000" cy="180000"/>
           </a:xfrm>
           <a:prstGeom prst="flowChartConnector">
             <a:avLst/>
           </a:prstGeom>
           <a:solidFill>
-            <a:schemeClr val="accent1">
-              <a:lumMod val="75000"/>
-            </a:schemeClr>
+            <a:srgbClr val="006082"/>
           </a:solidFill>
           <a:ln>
             <a:noFill/>
@@ -18470,10 +19637,10 @@
       </p:sp>
       <p:sp>
         <p:nvSpPr>
-          <p:cNvPr id="17" name="Oval 16">
-            <a:extLst>
-              <a:ext uri="{FF2B5EF4-FFF2-40B4-BE49-F238E27FC236}">
-                <a16:creationId xmlns:a16="http://schemas.microsoft.com/office/drawing/2014/main" id="{E96B0337-1AEC-06B1-FE9D-F75332D03F14}"/>
+          <p:cNvPr id="6" name="Oval 5">
+            <a:extLst>
+              <a:ext uri="{FF2B5EF4-FFF2-40B4-BE49-F238E27FC236}">
+                <a16:creationId xmlns:a16="http://schemas.microsoft.com/office/drawing/2014/main" id="{91083859-17EF-AB4D-A30F-15A6A10AA468}"/>
               </a:ext>
             </a:extLst>
           </p:cNvPr>
@@ -18482,14 +19649,181 @@
         </p:nvSpPr>
         <p:spPr>
           <a:xfrm>
-            <a:off x="4309503" y="1797008"/>
-            <a:ext cx="3284236" cy="3284236"/>
+            <a:off x="4261594" y="1609003"/>
+            <a:ext cx="1435826" cy="1435826"/>
           </a:xfrm>
           <a:prstGeom prst="ellipse">
             <a:avLst/>
           </a:prstGeom>
           <a:noFill/>
-          <a:ln w="28575">
+          <a:ln w="12700">
+            <a:solidFill>
+              <a:schemeClr val="tx1">
+                <a:lumMod val="75000"/>
+                <a:lumOff val="25000"/>
+              </a:schemeClr>
+            </a:solidFill>
+            <a:prstDash val="dash"/>
+          </a:ln>
+        </p:spPr>
+        <p:style>
+          <a:lnRef idx="2">
+            <a:schemeClr val="accent1">
+              <a:shade val="50000"/>
+            </a:schemeClr>
+          </a:lnRef>
+          <a:fillRef idx="1">
+            <a:schemeClr val="accent1"/>
+          </a:fillRef>
+          <a:effectRef idx="0">
+            <a:schemeClr val="accent1"/>
+          </a:effectRef>
+          <a:fontRef idx="minor">
+            <a:schemeClr val="lt1"/>
+          </a:fontRef>
+        </p:style>
+        <p:txBody>
+          <a:bodyPr rtlCol="0" anchor="ctr"/>
+          <a:lstStyle/>
+          <a:p>
+            <a:pPr algn="ctr"/>
+            <a:endParaRPr lang="en-VN"/>
+          </a:p>
+        </p:txBody>
+      </p:sp>
+      <p:sp>
+        <p:nvSpPr>
+          <p:cNvPr id="10" name="Flowchart: Connector 17">
+            <a:extLst>
+              <a:ext uri="{FF2B5EF4-FFF2-40B4-BE49-F238E27FC236}">
+                <a16:creationId xmlns:a16="http://schemas.microsoft.com/office/drawing/2014/main" id="{4C66238B-1F04-AB4A-9E69-4D0A7568A7C6}"/>
+              </a:ext>
+            </a:extLst>
+          </p:cNvPr>
+          <p:cNvSpPr/>
+          <p:nvPr/>
+        </p:nvSpPr>
+        <p:spPr>
+          <a:xfrm>
+            <a:off x="7765238" y="3325678"/>
+            <a:ext cx="180000" cy="180000"/>
+          </a:xfrm>
+          <a:prstGeom prst="flowChartConnector">
+            <a:avLst/>
+          </a:prstGeom>
+          <a:solidFill>
+            <a:srgbClr val="006082"/>
+          </a:solidFill>
+          <a:ln>
+            <a:noFill/>
+          </a:ln>
+        </p:spPr>
+        <p:style>
+          <a:lnRef idx="2">
+            <a:schemeClr val="accent1">
+              <a:shade val="50000"/>
+            </a:schemeClr>
+          </a:lnRef>
+          <a:fillRef idx="1">
+            <a:schemeClr val="accent1"/>
+          </a:fillRef>
+          <a:effectRef idx="0">
+            <a:schemeClr val="accent1"/>
+          </a:effectRef>
+          <a:fontRef idx="minor">
+            <a:schemeClr val="lt1"/>
+          </a:fontRef>
+        </p:style>
+        <p:txBody>
+          <a:bodyPr rtlCol="0" anchor="ctr"/>
+          <a:lstStyle/>
+          <a:p>
+            <a:pPr algn="ctr"/>
+            <a:endParaRPr lang="en-US"/>
+          </a:p>
+        </p:txBody>
+      </p:sp>
+      <p:sp>
+        <p:nvSpPr>
+          <p:cNvPr id="11" name="Oval 10">
+            <a:extLst>
+              <a:ext uri="{FF2B5EF4-FFF2-40B4-BE49-F238E27FC236}">
+                <a16:creationId xmlns:a16="http://schemas.microsoft.com/office/drawing/2014/main" id="{ECB1A2AE-04F2-9D47-839F-65FB7DB43B3B}"/>
+              </a:ext>
+            </a:extLst>
+          </p:cNvPr>
+          <p:cNvSpPr/>
+          <p:nvPr/>
+        </p:nvSpPr>
+        <p:spPr>
+          <a:xfrm>
+            <a:off x="5686518" y="1246957"/>
+            <a:ext cx="4337440" cy="4337442"/>
+          </a:xfrm>
+          <a:prstGeom prst="ellipse">
+            <a:avLst/>
+          </a:prstGeom>
+          <a:noFill/>
+          <a:ln w="12700">
+            <a:solidFill>
+              <a:schemeClr val="tx1">
+                <a:lumMod val="75000"/>
+                <a:lumOff val="25000"/>
+              </a:schemeClr>
+            </a:solidFill>
+            <a:prstDash val="dash"/>
+          </a:ln>
+        </p:spPr>
+        <p:style>
+          <a:lnRef idx="2">
+            <a:schemeClr val="accent1">
+              <a:shade val="50000"/>
+            </a:schemeClr>
+          </a:lnRef>
+          <a:fillRef idx="1">
+            <a:schemeClr val="accent1"/>
+          </a:fillRef>
+          <a:effectRef idx="0">
+            <a:schemeClr val="accent1"/>
+          </a:effectRef>
+          <a:fontRef idx="minor">
+            <a:schemeClr val="lt1"/>
+          </a:fontRef>
+        </p:style>
+        <p:txBody>
+          <a:bodyPr rtlCol="0" anchor="ctr"/>
+          <a:lstStyle/>
+          <a:p>
+            <a:pPr algn="ctr"/>
+            <a:endParaRPr lang="en-VN"/>
+          </a:p>
+        </p:txBody>
+      </p:sp>
+      <p:cxnSp>
+        <p:nvCxnSpPr>
+          <p:cNvPr id="12" name="Straight Connector 11">
+            <a:extLst>
+              <a:ext uri="{FF2B5EF4-FFF2-40B4-BE49-F238E27FC236}">
+                <a16:creationId xmlns:a16="http://schemas.microsoft.com/office/drawing/2014/main" id="{B836E133-7F94-754E-A9FE-5C3E998F2E7B}"/>
+              </a:ext>
+            </a:extLst>
+          </p:cNvPr>
+          <p:cNvCxnSpPr>
+            <a:cxnSpLocks/>
+            <a:stCxn id="10" idx="2"/>
+            <a:endCxn id="11" idx="2"/>
+          </p:cNvCxnSpPr>
+          <p:nvPr/>
+        </p:nvCxnSpPr>
+        <p:spPr>
+          <a:xfrm flipH="1">
+            <a:off x="5686518" y="3415678"/>
+            <a:ext cx="2078720" cy="0"/>
+          </a:xfrm>
+          <a:prstGeom prst="line">
+            <a:avLst/>
+          </a:prstGeom>
+          <a:ln w="19050">
             <a:solidFill>
               <a:schemeClr val="tx1">
                 <a:lumMod val="75000"/>
@@ -18499,36 +19833,26 @@
           </a:ln>
         </p:spPr>
         <p:style>
-          <a:lnRef idx="2">
-            <a:schemeClr val="accent1">
-              <a:shade val="50000"/>
-            </a:schemeClr>
+          <a:lnRef idx="1">
+            <a:schemeClr val="accent1"/>
           </a:lnRef>
-          <a:fillRef idx="1">
+          <a:fillRef idx="0">
             <a:schemeClr val="accent1"/>
           </a:fillRef>
           <a:effectRef idx="0">
             <a:schemeClr val="accent1"/>
           </a:effectRef>
           <a:fontRef idx="minor">
-            <a:schemeClr val="lt1"/>
+            <a:schemeClr val="tx1"/>
           </a:fontRef>
         </p:style>
-        <p:txBody>
-          <a:bodyPr rtlCol="0" anchor="ctr"/>
-          <a:lstStyle/>
-          <a:p>
-            <a:pPr algn="ctr"/>
-            <a:endParaRPr lang="en-US"/>
-          </a:p>
-        </p:txBody>
-      </p:sp>
+      </p:cxnSp>
       <p:sp>
         <p:nvSpPr>
-          <p:cNvPr id="18" name="Flowchart: Connector 17">
-            <a:extLst>
-              <a:ext uri="{FF2B5EF4-FFF2-40B4-BE49-F238E27FC236}">
-                <a16:creationId xmlns:a16="http://schemas.microsoft.com/office/drawing/2014/main" id="{A8602923-6EC0-17BA-0AAA-99F8F6E3954E}"/>
+          <p:cNvPr id="3" name="Flowchart: Connector 17">
+            <a:extLst>
+              <a:ext uri="{FF2B5EF4-FFF2-40B4-BE49-F238E27FC236}">
+                <a16:creationId xmlns:a16="http://schemas.microsoft.com/office/drawing/2014/main" id="{B7301C5D-BE16-DA4A-9CC9-C08185280924}"/>
               </a:ext>
             </a:extLst>
           </p:cNvPr>
@@ -18537,8 +19861,8 @@
         </p:nvSpPr>
         <p:spPr>
           <a:xfrm>
-            <a:off x="7239602" y="1700367"/>
-            <a:ext cx="206644" cy="206644"/>
+            <a:off x="5992678" y="3325678"/>
+            <a:ext cx="180000" cy="180000"/>
           </a:xfrm>
           <a:prstGeom prst="flowChartConnector">
             <a:avLst/>
@@ -18577,281 +19901,66 @@
       </p:sp>
       <p:sp>
         <p:nvSpPr>
-          <p:cNvPr id="20" name="Flowchart: Connector 19">
-            <a:extLst>
-              <a:ext uri="{FF2B5EF4-FFF2-40B4-BE49-F238E27FC236}">
-                <a16:creationId xmlns:a16="http://schemas.microsoft.com/office/drawing/2014/main" id="{25E22713-05D1-47EE-4B93-0A236167A561}"/>
-              </a:ext>
-            </a:extLst>
-          </p:cNvPr>
-          <p:cNvSpPr/>
+          <p:cNvPr id="28" name="TextBox 27">
+            <a:extLst>
+              <a:ext uri="{FF2B5EF4-FFF2-40B4-BE49-F238E27FC236}">
+                <a16:creationId xmlns:a16="http://schemas.microsoft.com/office/drawing/2014/main" id="{AF5F2F17-42A0-A846-A605-5659FA616B03}"/>
+              </a:ext>
+            </a:extLst>
+          </p:cNvPr>
+          <p:cNvSpPr txBox="1"/>
           <p:nvPr/>
         </p:nvSpPr>
         <p:spPr>
           <a:xfrm>
-            <a:off x="4973268" y="1968086"/>
-            <a:ext cx="206644" cy="206644"/>
-          </a:xfrm>
-          <a:prstGeom prst="flowChartConnector">
+            <a:off x="5814122" y="3417262"/>
+            <a:ext cx="530486" cy="400110"/>
+          </a:xfrm>
+          <a:prstGeom prst="rect">
             <a:avLst/>
           </a:prstGeom>
-          <a:solidFill>
-            <a:schemeClr val="accent1">
-              <a:lumMod val="75000"/>
-            </a:schemeClr>
-          </a:solidFill>
-          <a:ln>
-            <a:noFill/>
-          </a:ln>
+          <a:noFill/>
         </p:spPr>
-        <p:style>
-          <a:lnRef idx="2">
-            <a:schemeClr val="accent1">
-              <a:shade val="50000"/>
-            </a:schemeClr>
-          </a:lnRef>
-          <a:fillRef idx="1">
-            <a:schemeClr val="accent1"/>
-          </a:fillRef>
-          <a:effectRef idx="0">
-            <a:schemeClr val="accent1"/>
-          </a:effectRef>
-          <a:fontRef idx="minor">
-            <a:schemeClr val="lt1"/>
-          </a:fontRef>
-        </p:style>
         <p:txBody>
-          <a:bodyPr rtlCol="0" anchor="ctr"/>
+          <a:bodyPr wrap="square" lIns="90000" rtlCol="0" anchor="ctr" anchorCtr="0">
+            <a:spAutoFit/>
+          </a:bodyPr>
           <a:lstStyle/>
           <a:p>
             <a:pPr algn="ctr"/>
-            <a:endParaRPr lang="en-US"/>
+            <a:r>
+              <a:rPr lang="en-VN" sz="2000">
+                <a:latin typeface="Times New Roman" panose="02020603050405020304" pitchFamily="18" charset="0"/>
+                <a:cs typeface="Times New Roman" panose="02020603050405020304" pitchFamily="18" charset="0"/>
+              </a:rPr>
+              <a:t>p</a:t>
+            </a:r>
+            <a:r>
+              <a:rPr lang="en-VN" sz="2000" baseline="-25000">
+                <a:latin typeface="Times New Roman" panose="02020603050405020304" pitchFamily="18" charset="0"/>
+                <a:cs typeface="Times New Roman" panose="02020603050405020304" pitchFamily="18" charset="0"/>
+              </a:rPr>
+              <a:t>n</a:t>
+            </a:r>
           </a:p>
         </p:txBody>
       </p:sp>
       <p:sp>
         <p:nvSpPr>
-          <p:cNvPr id="28" name="Flowchart: Connector 27">
-            <a:extLst>
-              <a:ext uri="{FF2B5EF4-FFF2-40B4-BE49-F238E27FC236}">
-                <a16:creationId xmlns:a16="http://schemas.microsoft.com/office/drawing/2014/main" id="{EE189A6E-066F-C1D5-41D0-DDED569CDF25}"/>
-              </a:ext>
-            </a:extLst>
-          </p:cNvPr>
-          <p:cNvSpPr/>
+          <p:cNvPr id="30" name="TextBox 29">
+            <a:extLst>
+              <a:ext uri="{FF2B5EF4-FFF2-40B4-BE49-F238E27FC236}">
+                <a16:creationId xmlns:a16="http://schemas.microsoft.com/office/drawing/2014/main" id="{CFBCEDF7-5625-2649-AA0B-3107537FDF2E}"/>
+              </a:ext>
+            </a:extLst>
+          </p:cNvPr>
+          <p:cNvSpPr txBox="1"/>
           <p:nvPr/>
         </p:nvSpPr>
         <p:spPr>
           <a:xfrm>
-            <a:off x="7387095" y="2820774"/>
-            <a:ext cx="206644" cy="206644"/>
-          </a:xfrm>
-          <a:prstGeom prst="flowChartConnector">
-            <a:avLst/>
-          </a:prstGeom>
-          <a:solidFill>
-            <a:schemeClr val="accent1">
-              <a:lumMod val="75000"/>
-            </a:schemeClr>
-          </a:solidFill>
-          <a:ln>
-            <a:noFill/>
-          </a:ln>
-        </p:spPr>
-        <p:style>
-          <a:lnRef idx="2">
-            <a:schemeClr val="accent1">
-              <a:shade val="50000"/>
-            </a:schemeClr>
-          </a:lnRef>
-          <a:fillRef idx="1">
-            <a:schemeClr val="accent1"/>
-          </a:fillRef>
-          <a:effectRef idx="0">
-            <a:schemeClr val="accent1"/>
-          </a:effectRef>
-          <a:fontRef idx="minor">
-            <a:schemeClr val="lt1"/>
-          </a:fontRef>
-        </p:style>
-        <p:txBody>
-          <a:bodyPr rtlCol="0" anchor="ctr"/>
-          <a:lstStyle/>
-          <a:p>
-            <a:pPr algn="ctr"/>
-            <a:endParaRPr lang="en-US"/>
-          </a:p>
-        </p:txBody>
-      </p:sp>
-      <p:sp>
-        <p:nvSpPr>
-          <p:cNvPr id="30" name="Flowchart: Connector 29">
-            <a:extLst>
-              <a:ext uri="{FF2B5EF4-FFF2-40B4-BE49-F238E27FC236}">
-                <a16:creationId xmlns:a16="http://schemas.microsoft.com/office/drawing/2014/main" id="{F742FC09-DBAE-217F-5B21-EF37F89A4396}"/>
-              </a:ext>
-            </a:extLst>
-          </p:cNvPr>
-          <p:cNvSpPr/>
-          <p:nvPr/>
-        </p:nvSpPr>
-        <p:spPr>
-          <a:xfrm>
-            <a:off x="4848995" y="3306739"/>
-            <a:ext cx="206644" cy="206644"/>
-          </a:xfrm>
-          <a:prstGeom prst="flowChartConnector">
-            <a:avLst/>
-          </a:prstGeom>
-          <a:solidFill>
-            <a:schemeClr val="accent1">
-              <a:lumMod val="75000"/>
-            </a:schemeClr>
-          </a:solidFill>
-          <a:ln>
-            <a:noFill/>
-          </a:ln>
-        </p:spPr>
-        <p:style>
-          <a:lnRef idx="2">
-            <a:schemeClr val="accent1">
-              <a:shade val="50000"/>
-            </a:schemeClr>
-          </a:lnRef>
-          <a:fillRef idx="1">
-            <a:schemeClr val="accent1"/>
-          </a:fillRef>
-          <a:effectRef idx="0">
-            <a:schemeClr val="accent1"/>
-          </a:effectRef>
-          <a:fontRef idx="minor">
-            <a:schemeClr val="lt1"/>
-          </a:fontRef>
-        </p:style>
-        <p:txBody>
-          <a:bodyPr rtlCol="0" anchor="ctr"/>
-          <a:lstStyle/>
-          <a:p>
-            <a:pPr algn="ctr"/>
-            <a:endParaRPr lang="en-US"/>
-          </a:p>
-        </p:txBody>
-      </p:sp>
-      <p:sp>
-        <p:nvSpPr>
-          <p:cNvPr id="31" name="Flowchart: Connector 30">
-            <a:extLst>
-              <a:ext uri="{FF2B5EF4-FFF2-40B4-BE49-F238E27FC236}">
-                <a16:creationId xmlns:a16="http://schemas.microsoft.com/office/drawing/2014/main" id="{8B2FB4E6-D624-900B-061C-264FE4A41446}"/>
-              </a:ext>
-            </a:extLst>
-          </p:cNvPr>
-          <p:cNvSpPr/>
-          <p:nvPr/>
-        </p:nvSpPr>
-        <p:spPr>
-          <a:xfrm>
-            <a:off x="6784651" y="3712814"/>
-            <a:ext cx="206644" cy="206644"/>
-          </a:xfrm>
-          <a:prstGeom prst="flowChartConnector">
-            <a:avLst/>
-          </a:prstGeom>
-          <a:solidFill>
-            <a:schemeClr val="accent1">
-              <a:lumMod val="75000"/>
-            </a:schemeClr>
-          </a:solidFill>
-          <a:ln>
-            <a:noFill/>
-          </a:ln>
-        </p:spPr>
-        <p:style>
-          <a:lnRef idx="2">
-            <a:schemeClr val="accent1">
-              <a:shade val="50000"/>
-            </a:schemeClr>
-          </a:lnRef>
-          <a:fillRef idx="1">
-            <a:schemeClr val="accent1"/>
-          </a:fillRef>
-          <a:effectRef idx="0">
-            <a:schemeClr val="accent1"/>
-          </a:effectRef>
-          <a:fontRef idx="minor">
-            <a:schemeClr val="lt1"/>
-          </a:fontRef>
-        </p:style>
-        <p:txBody>
-          <a:bodyPr rtlCol="0" anchor="ctr"/>
-          <a:lstStyle/>
-          <a:p>
-            <a:pPr algn="ctr"/>
-            <a:endParaRPr lang="en-US"/>
-          </a:p>
-        </p:txBody>
-      </p:sp>
-      <p:cxnSp>
-        <p:nvCxnSpPr>
-          <p:cNvPr id="37" name="Straight Arrow Connector 36">
-            <a:extLst>
-              <a:ext uri="{FF2B5EF4-FFF2-40B4-BE49-F238E27FC236}">
-                <a16:creationId xmlns:a16="http://schemas.microsoft.com/office/drawing/2014/main" id="{20E19175-B51C-F1C4-D4E2-AC08BDD0BC8A}"/>
-              </a:ext>
-            </a:extLst>
-          </p:cNvPr>
-          <p:cNvCxnSpPr>
-            <a:cxnSpLocks/>
-            <a:stCxn id="14" idx="1"/>
-          </p:cNvCxnSpPr>
-          <p:nvPr/>
-        </p:nvCxnSpPr>
-        <p:spPr>
-          <a:xfrm flipH="1" flipV="1">
-            <a:off x="5164835" y="2174730"/>
-            <a:ext cx="683708" cy="1235331"/>
-          </a:xfrm>
-          <a:prstGeom prst="straightConnector1">
-            <a:avLst/>
-          </a:prstGeom>
-          <a:ln w="28575">
-            <a:solidFill>
-              <a:schemeClr val="accent1"/>
-            </a:solidFill>
-            <a:tailEnd type="triangle"/>
-          </a:ln>
-        </p:spPr>
-        <p:style>
-          <a:lnRef idx="1">
-            <a:schemeClr val="accent1"/>
-          </a:lnRef>
-          <a:fillRef idx="0">
-            <a:schemeClr val="accent1"/>
-          </a:fillRef>
-          <a:effectRef idx="0">
-            <a:schemeClr val="accent1"/>
-          </a:effectRef>
-          <a:fontRef idx="minor">
-            <a:schemeClr val="tx1"/>
-          </a:fontRef>
-        </p:style>
-      </p:cxnSp>
-      <p:sp>
-        <p:nvSpPr>
-          <p:cNvPr id="46" name="TextBox 45">
-            <a:extLst>
-              <a:ext uri="{FF2B5EF4-FFF2-40B4-BE49-F238E27FC236}">
-                <a16:creationId xmlns:a16="http://schemas.microsoft.com/office/drawing/2014/main" id="{FCFA1159-2DBC-D7A9-B669-D3D3CE02DC64}"/>
-              </a:ext>
-            </a:extLst>
-          </p:cNvPr>
-          <p:cNvSpPr txBox="1"/>
-          <p:nvPr/>
-        </p:nvSpPr>
-        <p:spPr>
-          <a:xfrm rot="3846944">
-            <a:off x="5088667" y="2666885"/>
-            <a:ext cx="1209675" cy="307777"/>
+            <a:off x="4714264" y="1836806"/>
+            <a:ext cx="530486" cy="400110"/>
           </a:xfrm>
           <a:prstGeom prst="rect">
             <a:avLst/>
@@ -18864,694 +19973,214 @@
           </a:bodyPr>
           <a:lstStyle/>
           <a:p>
+            <a:pPr algn="ctr"/>
             <a:r>
-              <a:rPr lang="en-US" sz="1400" dirty="0"/>
-              <a:t>K-distance</a:t>
+              <a:rPr lang="en-VN" sz="2000">
+                <a:latin typeface="Times New Roman" panose="02020603050405020304" pitchFamily="18" charset="0"/>
+                <a:cs typeface="Times New Roman" panose="02020603050405020304" pitchFamily="18" charset="0"/>
+              </a:rPr>
+              <a:t>p</a:t>
+            </a:r>
+            <a:r>
+              <a:rPr lang="en-VN" sz="2000" baseline="-25000">
+                <a:latin typeface="Times New Roman" panose="02020603050405020304" pitchFamily="18" charset="0"/>
+                <a:cs typeface="Times New Roman" panose="02020603050405020304" pitchFamily="18" charset="0"/>
+              </a:rPr>
+              <a:t>1</a:t>
             </a:r>
           </a:p>
         </p:txBody>
       </p:sp>
-      <mc:AlternateContent xmlns:mc="http://schemas.openxmlformats.org/markup-compatibility/2006" xmlns:a14="http://schemas.microsoft.com/office/drawing/2010/main">
-        <mc:Choice Requires="a14">
-          <p:sp>
-            <p:nvSpPr>
-              <p:cNvPr id="47" name="TextBox 46">
-                <a:extLst>
-                  <a:ext uri="{FF2B5EF4-FFF2-40B4-BE49-F238E27FC236}">
-                    <a16:creationId xmlns:a16="http://schemas.microsoft.com/office/drawing/2014/main" id="{44CF99E8-9381-31BA-61F9-2F05573AB83F}"/>
-                  </a:ext>
-                </a:extLst>
-              </p:cNvPr>
-              <p:cNvSpPr txBox="1"/>
-              <p:nvPr/>
-            </p:nvSpPr>
-            <p:spPr>
-              <a:xfrm>
-                <a:off x="5479765" y="4338202"/>
-                <a:ext cx="1029796" cy="555217"/>
-              </a:xfrm>
-              <a:prstGeom prst="rect">
-                <a:avLst/>
-              </a:prstGeom>
-              <a:noFill/>
-            </p:spPr>
-            <p:txBody>
-              <a:bodyPr wrap="square" rtlCol="0">
-                <a:spAutoFit/>
-              </a:bodyPr>
-              <a:lstStyle/>
-              <a:p>
-                <a:pPr/>
-                <a14:m>
-                  <m:oMathPara xmlns:m="http://schemas.openxmlformats.org/officeDocument/2006/math">
-                    <m:oMathParaPr>
-                      <m:jc m:val="centerGroup"/>
-                    </m:oMathParaPr>
-                    <m:oMath xmlns:m="http://schemas.openxmlformats.org/officeDocument/2006/math">
-                      <m:r>
-                        <a:rPr lang="en-US" sz="1400" b="0" i="1" smtClean="0">
-                          <a:latin typeface="Cambria Math" panose="02040503050406030204" pitchFamily="18" charset="0"/>
-                        </a:rPr>
-                        <m:t>𝐾</m:t>
-                      </m:r>
-                      <m:r>
-                        <a:rPr lang="en-US" sz="1400" b="0" i="1" smtClean="0">
-                          <a:latin typeface="Cambria Math" panose="02040503050406030204" pitchFamily="18" charset="0"/>
-                        </a:rPr>
-                        <m:t>=3</m:t>
-                      </m:r>
-                    </m:oMath>
-                  </m:oMathPara>
-                </a14:m>
-                <a:endParaRPr lang="en-US" sz="1400" b="0" dirty="0"/>
-              </a:p>
-              <a:p>
-                <a:pPr/>
-                <a14:m>
-                  <m:oMathPara xmlns:m="http://schemas.openxmlformats.org/officeDocument/2006/math">
-                    <m:oMathParaPr>
-                      <m:jc m:val="centerGroup"/>
-                    </m:oMathParaPr>
-                    <m:oMath xmlns:m="http://schemas.openxmlformats.org/officeDocument/2006/math">
-                      <m:d>
-                        <m:dPr>
-                          <m:begChr m:val="|"/>
-                          <m:endChr m:val="|"/>
-                          <m:ctrlPr>
-                            <a:rPr lang="en-US" sz="1400" i="1" smtClean="0">
-                              <a:latin typeface="Cambria Math" panose="02040503050406030204" pitchFamily="18" charset="0"/>
-                            </a:rPr>
-                          </m:ctrlPr>
-                        </m:dPr>
-                        <m:e>
-                          <m:sSub>
-                            <m:sSubPr>
-                              <m:ctrlPr>
-                                <a:rPr lang="en-US" sz="1400" i="1" smtClean="0">
-                                  <a:latin typeface="Cambria Math" panose="02040503050406030204" pitchFamily="18" charset="0"/>
-                                </a:rPr>
-                              </m:ctrlPr>
-                            </m:sSubPr>
-                            <m:e>
-                              <m:r>
-                                <a:rPr lang="en-US" sz="1400" b="0" i="1" smtClean="0">
-                                  <a:latin typeface="Cambria Math" panose="02040503050406030204" pitchFamily="18" charset="0"/>
-                                </a:rPr>
-                                <m:t>𝑁</m:t>
-                              </m:r>
-                            </m:e>
-                            <m:sub>
-                              <m:r>
-                                <a:rPr lang="en-US" sz="1400" b="0" i="1" smtClean="0">
-                                  <a:latin typeface="Cambria Math" panose="02040503050406030204" pitchFamily="18" charset="0"/>
-                                </a:rPr>
-                                <m:t>𝑝</m:t>
-                              </m:r>
-                            </m:sub>
-                          </m:sSub>
-                        </m:e>
-                      </m:d>
-                      <m:r>
-                        <a:rPr lang="en-US" sz="1400" b="0" i="1" smtClean="0">
-                          <a:latin typeface="Cambria Math" panose="02040503050406030204" pitchFamily="18" charset="0"/>
-                        </a:rPr>
-                        <m:t>=4</m:t>
-                      </m:r>
-                    </m:oMath>
-                  </m:oMathPara>
-                </a14:m>
-                <a:endParaRPr lang="en-US" sz="1400" dirty="0"/>
-              </a:p>
-            </p:txBody>
-          </p:sp>
-        </mc:Choice>
-        <mc:Fallback xmlns="">
-          <p:sp>
-            <p:nvSpPr>
-              <p:cNvPr id="47" name="TextBox 46">
-                <a:extLst>
-                  <a:ext uri="{FF2B5EF4-FFF2-40B4-BE49-F238E27FC236}">
-                    <a16:creationId xmlns:a16="http://schemas.microsoft.com/office/drawing/2014/main" id="{44CF99E8-9381-31BA-61F9-2F05573AB83F}"/>
-                  </a:ext>
-                </a:extLst>
-              </p:cNvPr>
-              <p:cNvSpPr txBox="1">
-                <a:spLocks noRot="1" noChangeAspect="1" noMove="1" noResize="1" noEditPoints="1" noAdjustHandles="1" noChangeArrowheads="1" noChangeShapeType="1" noTextEdit="1"/>
-              </p:cNvSpPr>
-              <p:nvPr/>
-            </p:nvSpPr>
-            <p:spPr>
-              <a:xfrm>
-                <a:off x="5479765" y="4338202"/>
-                <a:ext cx="1029796" cy="555217"/>
-              </a:xfrm>
-              <a:prstGeom prst="rect">
-                <a:avLst/>
-              </a:prstGeom>
-              <a:blipFill>
-                <a:blip r:embed="rId2"/>
-                <a:stretch>
-                  <a:fillRect/>
-                </a:stretch>
-              </a:blipFill>
-            </p:spPr>
-            <p:txBody>
-              <a:bodyPr/>
-              <a:lstStyle/>
-              <a:p>
-                <a:r>
-                  <a:rPr lang="en-US">
-                    <a:noFill/>
-                  </a:rPr>
-                  <a:t> </a:t>
-                </a:r>
-              </a:p>
-            </p:txBody>
-          </p:sp>
-        </mc:Fallback>
-      </mc:AlternateContent>
-      <mc:AlternateContent xmlns:mc="http://schemas.openxmlformats.org/markup-compatibility/2006" xmlns:a14="http://schemas.microsoft.com/office/drawing/2010/main">
-        <mc:Choice Requires="a14">
-          <p:sp>
-            <p:nvSpPr>
-              <p:cNvPr id="48" name="TextBox 47">
-                <a:extLst>
-                  <a:ext uri="{FF2B5EF4-FFF2-40B4-BE49-F238E27FC236}">
-                    <a16:creationId xmlns:a16="http://schemas.microsoft.com/office/drawing/2014/main" id="{F5B11CAA-ECFF-EA2C-5785-7E9096866688}"/>
-                  </a:ext>
-                </a:extLst>
-              </p:cNvPr>
-              <p:cNvSpPr txBox="1"/>
-              <p:nvPr/>
-            </p:nvSpPr>
-            <p:spPr>
-              <a:xfrm>
-                <a:off x="5578703" y="3611681"/>
-                <a:ext cx="685800" cy="307777"/>
-              </a:xfrm>
-              <a:prstGeom prst="rect">
-                <a:avLst/>
-              </a:prstGeom>
-              <a:noFill/>
-            </p:spPr>
-            <p:txBody>
-              <a:bodyPr wrap="square" rtlCol="0">
-                <a:spAutoFit/>
-              </a:bodyPr>
-              <a:lstStyle/>
-              <a:p>
-                <a:pPr/>
-                <a14:m>
-                  <m:oMathPara xmlns:m="http://schemas.openxmlformats.org/officeDocument/2006/math">
-                    <m:oMathParaPr>
-                      <m:jc m:val="centerGroup"/>
-                    </m:oMathParaPr>
-                    <m:oMath xmlns:m="http://schemas.openxmlformats.org/officeDocument/2006/math">
-                      <m:r>
-                        <a:rPr lang="en-US" sz="1400" b="0" i="1" smtClean="0">
-                          <a:latin typeface="Cambria Math" panose="02040503050406030204" pitchFamily="18" charset="0"/>
-                        </a:rPr>
-                        <m:t> </m:t>
-                      </m:r>
-                      <m:sSub>
-                        <m:sSubPr>
-                          <m:ctrlPr>
-                            <a:rPr lang="en-US" sz="1400" b="0" i="1" smtClean="0">
-                              <a:latin typeface="Cambria Math" panose="02040503050406030204" pitchFamily="18" charset="0"/>
-                            </a:rPr>
-                          </m:ctrlPr>
-                        </m:sSubPr>
-                        <m:e>
-                          <m:r>
-                            <a:rPr lang="en-US" sz="1400" b="0" i="1" smtClean="0">
-                              <a:latin typeface="Cambria Math" panose="02040503050406030204" pitchFamily="18" charset="0"/>
-                            </a:rPr>
-                            <m:t>𝑝</m:t>
-                          </m:r>
-                        </m:e>
-                        <m:sub>
-                          <m:r>
-                            <a:rPr lang="en-US" sz="1400" b="0" i="1" smtClean="0">
-                              <a:latin typeface="Cambria Math" panose="02040503050406030204" pitchFamily="18" charset="0"/>
-                            </a:rPr>
-                            <m:t>𝑖</m:t>
-                          </m:r>
-                        </m:sub>
-                      </m:sSub>
-                    </m:oMath>
-                  </m:oMathPara>
-                </a14:m>
-                <a:endParaRPr lang="en-US" sz="1400" dirty="0"/>
-              </a:p>
-            </p:txBody>
-          </p:sp>
-        </mc:Choice>
-        <mc:Fallback xmlns="">
-          <p:sp>
-            <p:nvSpPr>
-              <p:cNvPr id="48" name="TextBox 47">
-                <a:extLst>
-                  <a:ext uri="{FF2B5EF4-FFF2-40B4-BE49-F238E27FC236}">
-                    <a16:creationId xmlns:a16="http://schemas.microsoft.com/office/drawing/2014/main" id="{F5B11CAA-ECFF-EA2C-5785-7E9096866688}"/>
-                  </a:ext>
-                </a:extLst>
-              </p:cNvPr>
-              <p:cNvSpPr txBox="1">
-                <a:spLocks noRot="1" noChangeAspect="1" noMove="1" noResize="1" noEditPoints="1" noAdjustHandles="1" noChangeArrowheads="1" noChangeShapeType="1" noTextEdit="1"/>
-              </p:cNvSpPr>
-              <p:nvPr/>
-            </p:nvSpPr>
-            <p:spPr>
-              <a:xfrm>
-                <a:off x="5578703" y="3611681"/>
-                <a:ext cx="685800" cy="307777"/>
-              </a:xfrm>
-              <a:prstGeom prst="rect">
-                <a:avLst/>
-              </a:prstGeom>
-              <a:blipFill>
-                <a:blip r:embed="rId3"/>
-                <a:stretch>
-                  <a:fillRect/>
-                </a:stretch>
-              </a:blipFill>
-            </p:spPr>
-            <p:txBody>
-              <a:bodyPr/>
-              <a:lstStyle/>
-              <a:p>
-                <a:r>
-                  <a:rPr lang="en-US">
-                    <a:noFill/>
-                  </a:rPr>
-                  <a:t> </a:t>
-                </a:r>
-              </a:p>
-            </p:txBody>
-          </p:sp>
-        </mc:Fallback>
-      </mc:AlternateContent>
-      <mc:AlternateContent xmlns:mc="http://schemas.openxmlformats.org/markup-compatibility/2006" xmlns:a14="http://schemas.microsoft.com/office/drawing/2010/main">
-        <mc:Choice Requires="a14">
-          <p:sp>
-            <p:nvSpPr>
-              <p:cNvPr id="49" name="TextBox 48">
-                <a:extLst>
-                  <a:ext uri="{FF2B5EF4-FFF2-40B4-BE49-F238E27FC236}">
-                    <a16:creationId xmlns:a16="http://schemas.microsoft.com/office/drawing/2014/main" id="{0428F3D8-382C-85CD-81AA-B98DA6002B71}"/>
-                  </a:ext>
-                </a:extLst>
-              </p:cNvPr>
-              <p:cNvSpPr txBox="1"/>
-              <p:nvPr/>
-            </p:nvSpPr>
-            <p:spPr>
-              <a:xfrm>
-                <a:off x="7239602" y="1419429"/>
-                <a:ext cx="685800" cy="325089"/>
-              </a:xfrm>
-              <a:prstGeom prst="rect">
-                <a:avLst/>
-              </a:prstGeom>
-              <a:noFill/>
-            </p:spPr>
-            <p:txBody>
-              <a:bodyPr wrap="square" rtlCol="0">
-                <a:spAutoFit/>
-              </a:bodyPr>
-              <a:lstStyle/>
-              <a:p>
-                <a:pPr/>
-                <a14:m>
-                  <m:oMathPara xmlns:m="http://schemas.openxmlformats.org/officeDocument/2006/math">
-                    <m:oMathParaPr>
-                      <m:jc m:val="centerGroup"/>
-                    </m:oMathParaPr>
-                    <m:oMath xmlns:m="http://schemas.openxmlformats.org/officeDocument/2006/math">
-                      <m:r>
-                        <a:rPr lang="en-US" sz="1400" b="0" i="1" smtClean="0">
-                          <a:latin typeface="Cambria Math" panose="02040503050406030204" pitchFamily="18" charset="0"/>
-                        </a:rPr>
-                        <m:t> </m:t>
-                      </m:r>
-                      <m:sSub>
-                        <m:sSubPr>
-                          <m:ctrlPr>
-                            <a:rPr lang="en-US" sz="1400" b="0" i="1" smtClean="0">
-                              <a:latin typeface="Cambria Math" panose="02040503050406030204" pitchFamily="18" charset="0"/>
-                            </a:rPr>
-                          </m:ctrlPr>
-                        </m:sSubPr>
-                        <m:e>
-                          <m:r>
-                            <a:rPr lang="en-US" sz="1400" b="0" i="1" smtClean="0">
-                              <a:latin typeface="Cambria Math" panose="02040503050406030204" pitchFamily="18" charset="0"/>
-                            </a:rPr>
-                            <m:t>𝑝</m:t>
-                          </m:r>
-                        </m:e>
-                        <m:sub>
-                          <m:r>
-                            <a:rPr lang="en-US" sz="1400" b="0" i="1" smtClean="0">
-                              <a:latin typeface="Cambria Math" panose="02040503050406030204" pitchFamily="18" charset="0"/>
-                            </a:rPr>
-                            <m:t>𝑗</m:t>
-                          </m:r>
-                        </m:sub>
-                      </m:sSub>
-                    </m:oMath>
-                  </m:oMathPara>
-                </a14:m>
-                <a:endParaRPr lang="en-US" sz="1400" dirty="0"/>
-              </a:p>
-            </p:txBody>
-          </p:sp>
-        </mc:Choice>
-        <mc:Fallback xmlns="">
-          <p:sp>
-            <p:nvSpPr>
-              <p:cNvPr id="49" name="TextBox 48">
-                <a:extLst>
-                  <a:ext uri="{FF2B5EF4-FFF2-40B4-BE49-F238E27FC236}">
-                    <a16:creationId xmlns:a16="http://schemas.microsoft.com/office/drawing/2014/main" id="{0428F3D8-382C-85CD-81AA-B98DA6002B71}"/>
-                  </a:ext>
-                </a:extLst>
-              </p:cNvPr>
-              <p:cNvSpPr txBox="1">
-                <a:spLocks noRot="1" noChangeAspect="1" noMove="1" noResize="1" noEditPoints="1" noAdjustHandles="1" noChangeArrowheads="1" noChangeShapeType="1" noTextEdit="1"/>
-              </p:cNvSpPr>
-              <p:nvPr/>
-            </p:nvSpPr>
-            <p:spPr>
-              <a:xfrm>
-                <a:off x="7239602" y="1419429"/>
-                <a:ext cx="685800" cy="325089"/>
-              </a:xfrm>
-              <a:prstGeom prst="rect">
-                <a:avLst/>
-              </a:prstGeom>
-              <a:blipFill>
-                <a:blip r:embed="rId4"/>
-                <a:stretch>
-                  <a:fillRect b="-3774"/>
-                </a:stretch>
-              </a:blipFill>
-            </p:spPr>
-            <p:txBody>
-              <a:bodyPr/>
-              <a:lstStyle/>
-              <a:p>
-                <a:r>
-                  <a:rPr lang="en-US">
-                    <a:noFill/>
-                  </a:rPr>
-                  <a:t> </a:t>
-                </a:r>
-              </a:p>
-            </p:txBody>
-          </p:sp>
-        </mc:Fallback>
-      </mc:AlternateContent>
-      <mc:AlternateContent xmlns:mc="http://schemas.openxmlformats.org/markup-compatibility/2006" xmlns:a14="http://schemas.microsoft.com/office/drawing/2010/main">
-        <mc:Choice Requires="a14">
-          <p:sp>
-            <p:nvSpPr>
-              <p:cNvPr id="50" name="TextBox 49">
-                <a:extLst>
-                  <a:ext uri="{FF2B5EF4-FFF2-40B4-BE49-F238E27FC236}">
-                    <a16:creationId xmlns:a16="http://schemas.microsoft.com/office/drawing/2014/main" id="{AE220249-72BE-2127-D0A8-D9BB67763BCA}"/>
-                  </a:ext>
-                </a:extLst>
-              </p:cNvPr>
-              <p:cNvSpPr txBox="1"/>
-              <p:nvPr/>
-            </p:nvSpPr>
-            <p:spPr>
-              <a:xfrm>
-                <a:off x="4677723" y="1539675"/>
-                <a:ext cx="685800" cy="325089"/>
-              </a:xfrm>
-              <a:prstGeom prst="rect">
-                <a:avLst/>
-              </a:prstGeom>
-              <a:noFill/>
-            </p:spPr>
-            <p:txBody>
-              <a:bodyPr wrap="square" rtlCol="0">
-                <a:spAutoFit/>
-              </a:bodyPr>
-              <a:lstStyle/>
-              <a:p>
-                <a:pPr/>
-                <a14:m>
-                  <m:oMathPara xmlns:m="http://schemas.openxmlformats.org/officeDocument/2006/math">
-                    <m:oMathParaPr>
-                      <m:jc m:val="centerGroup"/>
-                    </m:oMathParaPr>
-                    <m:oMath xmlns:m="http://schemas.openxmlformats.org/officeDocument/2006/math">
-                      <m:r>
-                        <a:rPr lang="en-US" sz="1400" b="0" i="1" smtClean="0">
-                          <a:latin typeface="Cambria Math" panose="02040503050406030204" pitchFamily="18" charset="0"/>
-                        </a:rPr>
-                        <m:t> </m:t>
-                      </m:r>
-                      <m:sSub>
-                        <m:sSubPr>
-                          <m:ctrlPr>
-                            <a:rPr lang="en-US" sz="1400" b="0" i="1" smtClean="0">
-                              <a:latin typeface="Cambria Math" panose="02040503050406030204" pitchFamily="18" charset="0"/>
-                            </a:rPr>
-                          </m:ctrlPr>
-                        </m:sSubPr>
-                        <m:e>
-                          <m:r>
-                            <a:rPr lang="en-US" sz="1400" b="0" i="1" smtClean="0">
-                              <a:latin typeface="Cambria Math" panose="02040503050406030204" pitchFamily="18" charset="0"/>
-                            </a:rPr>
-                            <m:t>𝑝</m:t>
-                          </m:r>
-                        </m:e>
-                        <m:sub>
-                          <m:r>
-                            <a:rPr lang="en-US" sz="1400" b="0" i="1" smtClean="0">
-                              <a:latin typeface="Cambria Math" panose="02040503050406030204" pitchFamily="18" charset="0"/>
-                            </a:rPr>
-                            <m:t>𝑗</m:t>
-                          </m:r>
-                        </m:sub>
-                      </m:sSub>
-                    </m:oMath>
-                  </m:oMathPara>
-                </a14:m>
-                <a:endParaRPr lang="en-US" sz="1400" dirty="0"/>
-              </a:p>
-            </p:txBody>
-          </p:sp>
-        </mc:Choice>
-        <mc:Fallback xmlns="">
-          <p:sp>
-            <p:nvSpPr>
-              <p:cNvPr id="50" name="TextBox 49">
-                <a:extLst>
-                  <a:ext uri="{FF2B5EF4-FFF2-40B4-BE49-F238E27FC236}">
-                    <a16:creationId xmlns:a16="http://schemas.microsoft.com/office/drawing/2014/main" id="{AE220249-72BE-2127-D0A8-D9BB67763BCA}"/>
-                  </a:ext>
-                </a:extLst>
-              </p:cNvPr>
-              <p:cNvSpPr txBox="1">
-                <a:spLocks noRot="1" noChangeAspect="1" noMove="1" noResize="1" noEditPoints="1" noAdjustHandles="1" noChangeArrowheads="1" noChangeShapeType="1" noTextEdit="1"/>
-              </p:cNvSpPr>
-              <p:nvPr/>
-            </p:nvSpPr>
-            <p:spPr>
-              <a:xfrm>
-                <a:off x="4677723" y="1539675"/>
-                <a:ext cx="685800" cy="325089"/>
-              </a:xfrm>
-              <a:prstGeom prst="rect">
-                <a:avLst/>
-              </a:prstGeom>
-              <a:blipFill>
-                <a:blip r:embed="rId5"/>
-                <a:stretch>
-                  <a:fillRect b="-3774"/>
-                </a:stretch>
-              </a:blipFill>
-            </p:spPr>
-            <p:txBody>
-              <a:bodyPr/>
-              <a:lstStyle/>
-              <a:p>
-                <a:r>
-                  <a:rPr lang="en-US">
-                    <a:noFill/>
-                  </a:rPr>
-                  <a:t> </a:t>
-                </a:r>
-              </a:p>
-            </p:txBody>
-          </p:sp>
-        </mc:Fallback>
-      </mc:AlternateContent>
-      <mc:AlternateContent xmlns:mc="http://schemas.openxmlformats.org/markup-compatibility/2006" xmlns:a14="http://schemas.microsoft.com/office/drawing/2010/main">
-        <mc:Choice Requires="a14">
-          <p:sp>
-            <p:nvSpPr>
-              <p:cNvPr id="51" name="TextBox 50">
-                <a:extLst>
-                  <a:ext uri="{FF2B5EF4-FFF2-40B4-BE49-F238E27FC236}">
-                    <a16:creationId xmlns:a16="http://schemas.microsoft.com/office/drawing/2014/main" id="{8688C9EE-437D-85B9-056B-98564773D476}"/>
-                  </a:ext>
-                </a:extLst>
-              </p:cNvPr>
-              <p:cNvSpPr txBox="1"/>
-              <p:nvPr/>
-            </p:nvSpPr>
-            <p:spPr>
-              <a:xfrm rot="18545252">
-                <a:off x="6000702" y="2386156"/>
-                <a:ext cx="964705" cy="325089"/>
-              </a:xfrm>
-              <a:prstGeom prst="rect">
-                <a:avLst/>
-              </a:prstGeom>
-              <a:noFill/>
-            </p:spPr>
-            <p:txBody>
-              <a:bodyPr wrap="square" rtlCol="0">
-                <a:spAutoFit/>
-              </a:bodyPr>
-              <a:lstStyle/>
-              <a:p>
-                <a14:m>
-                  <m:oMath xmlns:m="http://schemas.openxmlformats.org/officeDocument/2006/math">
-                    <m:r>
-                      <a:rPr lang="en-US" sz="1400" b="0" i="1" smtClean="0">
-                        <a:latin typeface="Cambria Math" panose="02040503050406030204" pitchFamily="18" charset="0"/>
-                      </a:rPr>
-                      <m:t>𝑑</m:t>
-                    </m:r>
-                    <m:r>
-                      <a:rPr lang="en-US" sz="1400" b="0" i="1" smtClean="0">
-                        <a:latin typeface="Cambria Math" panose="02040503050406030204" pitchFamily="18" charset="0"/>
-                      </a:rPr>
-                      <m:t>(</m:t>
-                    </m:r>
-                    <m:sSub>
-                      <m:sSubPr>
-                        <m:ctrlPr>
-                          <a:rPr lang="en-US" sz="1400" b="0" i="1" smtClean="0">
-                            <a:latin typeface="Cambria Math" panose="02040503050406030204" pitchFamily="18" charset="0"/>
-                          </a:rPr>
-                        </m:ctrlPr>
-                      </m:sSubPr>
-                      <m:e>
-                        <m:r>
-                          <a:rPr lang="en-US" sz="1400" b="0" i="1" smtClean="0">
-                            <a:latin typeface="Cambria Math" panose="02040503050406030204" pitchFamily="18" charset="0"/>
-                          </a:rPr>
-                          <m:t>𝑝</m:t>
-                        </m:r>
-                      </m:e>
-                      <m:sub>
-                        <m:r>
-                          <a:rPr lang="en-US" sz="1400" b="0" i="1" smtClean="0">
-                            <a:latin typeface="Cambria Math" panose="02040503050406030204" pitchFamily="18" charset="0"/>
-                          </a:rPr>
-                          <m:t>𝑖</m:t>
-                        </m:r>
-                      </m:sub>
-                    </m:sSub>
-                    <m:r>
-                      <a:rPr lang="en-US" sz="1400" b="0" i="1" smtClean="0">
-                        <a:latin typeface="Cambria Math" panose="02040503050406030204" pitchFamily="18" charset="0"/>
-                      </a:rPr>
-                      <m:t>,</m:t>
-                    </m:r>
-                    <m:sSub>
-                      <m:sSubPr>
-                        <m:ctrlPr>
-                          <a:rPr lang="en-US" sz="1400" b="0" i="1" smtClean="0">
-                            <a:latin typeface="Cambria Math" panose="02040503050406030204" pitchFamily="18" charset="0"/>
-                          </a:rPr>
-                        </m:ctrlPr>
-                      </m:sSubPr>
-                      <m:e>
-                        <m:r>
-                          <a:rPr lang="en-US" sz="1400" b="0" i="1" smtClean="0">
-                            <a:latin typeface="Cambria Math" panose="02040503050406030204" pitchFamily="18" charset="0"/>
-                          </a:rPr>
-                          <m:t>𝑝</m:t>
-                        </m:r>
-                      </m:e>
-                      <m:sub>
-                        <m:r>
-                          <a:rPr lang="en-US" sz="1400" b="0" i="1" smtClean="0">
-                            <a:latin typeface="Cambria Math" panose="02040503050406030204" pitchFamily="18" charset="0"/>
-                          </a:rPr>
-                          <m:t>𝑗</m:t>
-                        </m:r>
-                      </m:sub>
-                    </m:sSub>
-                  </m:oMath>
-                </a14:m>
-                <a:r>
-                  <a:rPr lang="en-US" sz="1400" dirty="0"/>
-                  <a:t>)</a:t>
-                </a:r>
-              </a:p>
-            </p:txBody>
-          </p:sp>
-        </mc:Choice>
-        <mc:Fallback xmlns="">
-          <p:sp>
-            <p:nvSpPr>
-              <p:cNvPr id="51" name="TextBox 50">
-                <a:extLst>
-                  <a:ext uri="{FF2B5EF4-FFF2-40B4-BE49-F238E27FC236}">
-                    <a16:creationId xmlns:a16="http://schemas.microsoft.com/office/drawing/2014/main" id="{8688C9EE-437D-85B9-056B-98564773D476}"/>
-                  </a:ext>
-                </a:extLst>
-              </p:cNvPr>
-              <p:cNvSpPr txBox="1">
-                <a:spLocks noRot="1" noChangeAspect="1" noMove="1" noResize="1" noEditPoints="1" noAdjustHandles="1" noChangeArrowheads="1" noChangeShapeType="1" noTextEdit="1"/>
-              </p:cNvSpPr>
-              <p:nvPr/>
-            </p:nvSpPr>
-            <p:spPr>
-              <a:xfrm rot="18545252">
-                <a:off x="6000702" y="2386156"/>
-                <a:ext cx="964705" cy="325089"/>
-              </a:xfrm>
-              <a:prstGeom prst="rect">
-                <a:avLst/>
-              </a:prstGeom>
-              <a:blipFill>
-                <a:blip r:embed="rId6"/>
-                <a:stretch>
-                  <a:fillRect/>
-                </a:stretch>
-              </a:blipFill>
-            </p:spPr>
-            <p:txBody>
-              <a:bodyPr/>
-              <a:lstStyle/>
-              <a:p>
-                <a:r>
-                  <a:rPr lang="en-US">
-                    <a:noFill/>
-                  </a:rPr>
-                  <a:t> </a:t>
-                </a:r>
-              </a:p>
-            </p:txBody>
-          </p:sp>
-        </mc:Fallback>
-      </mc:AlternateContent>
+      <p:sp>
+        <p:nvSpPr>
+          <p:cNvPr id="31" name="TextBox 30">
+            <a:extLst>
+              <a:ext uri="{FF2B5EF4-FFF2-40B4-BE49-F238E27FC236}">
+                <a16:creationId xmlns:a16="http://schemas.microsoft.com/office/drawing/2014/main" id="{DD8E8A6E-CFEB-7C46-8ABD-C96AD439439E}"/>
+              </a:ext>
+            </a:extLst>
+          </p:cNvPr>
+          <p:cNvSpPr txBox="1"/>
+          <p:nvPr/>
+        </p:nvSpPr>
+        <p:spPr>
+          <a:xfrm>
+            <a:off x="7589995" y="3417262"/>
+            <a:ext cx="530486" cy="400110"/>
+          </a:xfrm>
+          <a:prstGeom prst="rect">
+            <a:avLst/>
+          </a:prstGeom>
+          <a:noFill/>
+        </p:spPr>
+        <p:txBody>
+          <a:bodyPr wrap="square" rtlCol="0">
+            <a:spAutoFit/>
+          </a:bodyPr>
+          <a:lstStyle/>
+          <a:p>
+            <a:pPr algn="ctr"/>
+            <a:r>
+              <a:rPr lang="en-VN" sz="2000">
+                <a:latin typeface="Times New Roman" panose="02020603050405020304" pitchFamily="18" charset="0"/>
+                <a:cs typeface="Times New Roman" panose="02020603050405020304" pitchFamily="18" charset="0"/>
+              </a:rPr>
+              <a:t>p</a:t>
+            </a:r>
+            <a:r>
+              <a:rPr lang="en-VN" sz="2000" baseline="-25000">
+                <a:latin typeface="Times New Roman" panose="02020603050405020304" pitchFamily="18" charset="0"/>
+                <a:cs typeface="Times New Roman" panose="02020603050405020304" pitchFamily="18" charset="0"/>
+              </a:rPr>
+              <a:t>2</a:t>
+            </a:r>
+          </a:p>
+        </p:txBody>
+      </p:sp>
+      <p:sp>
+        <p:nvSpPr>
+          <p:cNvPr id="42" name="TextBox 41">
+            <a:extLst>
+              <a:ext uri="{FF2B5EF4-FFF2-40B4-BE49-F238E27FC236}">
+                <a16:creationId xmlns:a16="http://schemas.microsoft.com/office/drawing/2014/main" id="{C7105E69-F86A-AF45-A37D-019F139CE360}"/>
+              </a:ext>
+            </a:extLst>
+          </p:cNvPr>
+          <p:cNvSpPr txBox="1"/>
+          <p:nvPr/>
+        </p:nvSpPr>
+        <p:spPr>
+          <a:xfrm rot="2700000">
+            <a:off x="4974072" y="2797107"/>
+            <a:ext cx="789935" cy="400110"/>
+          </a:xfrm>
+          <a:prstGeom prst="rect">
+            <a:avLst/>
+          </a:prstGeom>
+          <a:noFill/>
+        </p:spPr>
+        <p:txBody>
+          <a:bodyPr wrap="square" rtlCol="0">
+            <a:spAutoFit/>
+          </a:bodyPr>
+          <a:lstStyle/>
+          <a:p>
+            <a:pPr algn="ctr"/>
+            <a:r>
+              <a:rPr lang="en-VN" sz="2000">
+                <a:latin typeface="Times New Roman" panose="02020603050405020304" pitchFamily="18" charset="0"/>
+                <a:cs typeface="Times New Roman" panose="02020603050405020304" pitchFamily="18" charset="0"/>
+              </a:rPr>
+              <a:t>KD</a:t>
+            </a:r>
+            <a:r>
+              <a:rPr lang="en-VN" sz="2000" baseline="-25000">
+                <a:latin typeface="Times New Roman" panose="02020603050405020304" pitchFamily="18" charset="0"/>
+                <a:cs typeface="Times New Roman" panose="02020603050405020304" pitchFamily="18" charset="0"/>
+              </a:rPr>
+              <a:t>n1</a:t>
+            </a:r>
+          </a:p>
+        </p:txBody>
+      </p:sp>
+      <p:sp>
+        <p:nvSpPr>
+          <p:cNvPr id="43" name="TextBox 42">
+            <a:extLst>
+              <a:ext uri="{FF2B5EF4-FFF2-40B4-BE49-F238E27FC236}">
+                <a16:creationId xmlns:a16="http://schemas.microsoft.com/office/drawing/2014/main" id="{AB0B664D-BC4A-AF46-AE03-8058667FFDB8}"/>
+              </a:ext>
+            </a:extLst>
+          </p:cNvPr>
+          <p:cNvSpPr txBox="1"/>
+          <p:nvPr/>
+        </p:nvSpPr>
+        <p:spPr>
+          <a:xfrm>
+            <a:off x="6371571" y="2997850"/>
+            <a:ext cx="789935" cy="400110"/>
+          </a:xfrm>
+          <a:prstGeom prst="rect">
+            <a:avLst/>
+          </a:prstGeom>
+          <a:noFill/>
+        </p:spPr>
+        <p:txBody>
+          <a:bodyPr wrap="square" rtlCol="0">
+            <a:spAutoFit/>
+          </a:bodyPr>
+          <a:lstStyle/>
+          <a:p>
+            <a:pPr algn="ctr"/>
+            <a:r>
+              <a:rPr lang="en-VN" sz="2000">
+                <a:latin typeface="Times New Roman" panose="02020603050405020304" pitchFamily="18" charset="0"/>
+                <a:cs typeface="Times New Roman" panose="02020603050405020304" pitchFamily="18" charset="0"/>
+              </a:rPr>
+              <a:t>KD</a:t>
+            </a:r>
+            <a:r>
+              <a:rPr lang="en-VN" sz="2000" baseline="-25000">
+                <a:latin typeface="Times New Roman" panose="02020603050405020304" pitchFamily="18" charset="0"/>
+                <a:cs typeface="Times New Roman" panose="02020603050405020304" pitchFamily="18" charset="0"/>
+              </a:rPr>
+              <a:t>n2</a:t>
+            </a:r>
+          </a:p>
+        </p:txBody>
+      </p:sp>
+      <p:cxnSp>
+        <p:nvCxnSpPr>
+          <p:cNvPr id="47" name="Straight Connector 46">
+            <a:extLst>
+              <a:ext uri="{FF2B5EF4-FFF2-40B4-BE49-F238E27FC236}">
+                <a16:creationId xmlns:a16="http://schemas.microsoft.com/office/drawing/2014/main" id="{E1128FF9-2ED2-5142-9D25-8290073317F4}"/>
+              </a:ext>
+            </a:extLst>
+          </p:cNvPr>
+          <p:cNvCxnSpPr>
+            <a:cxnSpLocks/>
+            <a:stCxn id="3" idx="1"/>
+            <a:endCxn id="5" idx="5"/>
+          </p:cNvCxnSpPr>
+          <p:nvPr/>
+        </p:nvCxnSpPr>
+        <p:spPr>
+          <a:xfrm flipH="1" flipV="1">
+            <a:off x="5043147" y="2390556"/>
+            <a:ext cx="975891" cy="961482"/>
+          </a:xfrm>
+          <a:prstGeom prst="line">
+            <a:avLst/>
+          </a:prstGeom>
+          <a:ln w="19050">
+            <a:solidFill>
+              <a:schemeClr val="tx1">
+                <a:lumMod val="75000"/>
+                <a:lumOff val="25000"/>
+              </a:schemeClr>
+            </a:solidFill>
+          </a:ln>
+        </p:spPr>
+        <p:style>
+          <a:lnRef idx="1">
+            <a:schemeClr val="accent1"/>
+          </a:lnRef>
+          <a:fillRef idx="0">
+            <a:schemeClr val="accent1"/>
+          </a:fillRef>
+          <a:effectRef idx="0">
+            <a:schemeClr val="accent1"/>
+          </a:effectRef>
+          <a:fontRef idx="minor">
+            <a:schemeClr val="tx1"/>
+          </a:fontRef>
+        </p:style>
+      </p:cxnSp>
     </p:spTree>
     <p:extLst>
       <p:ext uri="{BB962C8B-B14F-4D97-AF65-F5344CB8AC3E}">
-        <p14:creationId xmlns:p14="http://schemas.microsoft.com/office/powerpoint/2010/main" val="2200623199"/>
+        <p14:creationId xmlns:p14="http://schemas.microsoft.com/office/powerpoint/2010/main" val="1022539145"/>
       </p:ext>
     </p:extLst>
   </p:cSld>

--- a/image/_raw.pptx
+++ b/image/_raw.pptx
@@ -6587,10 +6587,10 @@
       </p:grpSpPr>
       <p:sp>
         <p:nvSpPr>
-          <p:cNvPr id="2" name="Flowchart: Connector 1">
-            <a:extLst>
-              <a:ext uri="{FF2B5EF4-FFF2-40B4-BE49-F238E27FC236}">
-                <a16:creationId xmlns:a16="http://schemas.microsoft.com/office/drawing/2014/main" id="{BA90CBCD-79B7-AD19-F139-00463A3FD542}"/>
+          <p:cNvPr id="3" name="Flowchart: Connector 2">
+            <a:extLst>
+              <a:ext uri="{FF2B5EF4-FFF2-40B4-BE49-F238E27FC236}">
+                <a16:creationId xmlns:a16="http://schemas.microsoft.com/office/drawing/2014/main" id="{C9437FFD-FC9F-5375-39E6-D88AD2BE2F3D}"/>
               </a:ext>
             </a:extLst>
           </p:cNvPr>
@@ -6599,16 +6599,14 @@
         </p:nvSpPr>
         <p:spPr>
           <a:xfrm>
-            <a:off x="4771218" y="1831706"/>
+            <a:off x="5900980" y="1831706"/>
             <a:ext cx="206644" cy="206644"/>
           </a:xfrm>
           <a:prstGeom prst="flowChartConnector">
             <a:avLst/>
           </a:prstGeom>
           <a:solidFill>
-            <a:schemeClr val="accent1">
-              <a:lumMod val="75000"/>
-            </a:schemeClr>
+            <a:srgbClr val="006082"/>
           </a:solidFill>
           <a:ln>
             <a:noFill/>
@@ -6641,10 +6639,10 @@
       </p:sp>
       <p:sp>
         <p:nvSpPr>
-          <p:cNvPr id="3" name="Flowchart: Connector 2">
-            <a:extLst>
-              <a:ext uri="{FF2B5EF4-FFF2-40B4-BE49-F238E27FC236}">
-                <a16:creationId xmlns:a16="http://schemas.microsoft.com/office/drawing/2014/main" id="{C9437FFD-FC9F-5375-39E6-D88AD2BE2F3D}"/>
+          <p:cNvPr id="4" name="Flowchart: Connector 3">
+            <a:extLst>
+              <a:ext uri="{FF2B5EF4-FFF2-40B4-BE49-F238E27FC236}">
+                <a16:creationId xmlns:a16="http://schemas.microsoft.com/office/drawing/2014/main" id="{A22D562B-062A-CD5F-B8DA-5903E56D36C1}"/>
               </a:ext>
             </a:extLst>
           </p:cNvPr>
@@ -6653,16 +6651,14 @@
         </p:nvSpPr>
         <p:spPr>
           <a:xfrm>
-            <a:off x="5900980" y="1831706"/>
+            <a:off x="7000877" y="1831706"/>
             <a:ext cx="206644" cy="206644"/>
           </a:xfrm>
           <a:prstGeom prst="flowChartConnector">
             <a:avLst/>
           </a:prstGeom>
           <a:solidFill>
-            <a:schemeClr val="accent1">
-              <a:lumMod val="75000"/>
-            </a:schemeClr>
+            <a:srgbClr val="006082"/>
           </a:solidFill>
           <a:ln>
             <a:noFill/>
@@ -6695,60 +6691,6 @@
       </p:sp>
       <p:sp>
         <p:nvSpPr>
-          <p:cNvPr id="4" name="Flowchart: Connector 3">
-            <a:extLst>
-              <a:ext uri="{FF2B5EF4-FFF2-40B4-BE49-F238E27FC236}">
-                <a16:creationId xmlns:a16="http://schemas.microsoft.com/office/drawing/2014/main" id="{A22D562B-062A-CD5F-B8DA-5903E56D36C1}"/>
-              </a:ext>
-            </a:extLst>
-          </p:cNvPr>
-          <p:cNvSpPr/>
-          <p:nvPr/>
-        </p:nvSpPr>
-        <p:spPr>
-          <a:xfrm>
-            <a:off x="7000877" y="1831706"/>
-            <a:ext cx="206644" cy="206644"/>
-          </a:xfrm>
-          <a:prstGeom prst="flowChartConnector">
-            <a:avLst/>
-          </a:prstGeom>
-          <a:solidFill>
-            <a:schemeClr val="accent1">
-              <a:lumMod val="75000"/>
-            </a:schemeClr>
-          </a:solidFill>
-          <a:ln>
-            <a:noFill/>
-          </a:ln>
-        </p:spPr>
-        <p:style>
-          <a:lnRef idx="2">
-            <a:schemeClr val="accent1">
-              <a:shade val="50000"/>
-            </a:schemeClr>
-          </a:lnRef>
-          <a:fillRef idx="1">
-            <a:schemeClr val="accent1"/>
-          </a:fillRef>
-          <a:effectRef idx="0">
-            <a:schemeClr val="accent1"/>
-          </a:effectRef>
-          <a:fontRef idx="minor">
-            <a:schemeClr val="lt1"/>
-          </a:fontRef>
-        </p:style>
-        <p:txBody>
-          <a:bodyPr rtlCol="0" anchor="ctr"/>
-          <a:lstStyle/>
-          <a:p>
-            <a:pPr algn="ctr"/>
-            <a:endParaRPr lang="en-US"/>
-          </a:p>
-        </p:txBody>
-      </p:sp>
-      <p:sp>
-        <p:nvSpPr>
           <p:cNvPr id="5" name="Flowchart: Connector 4">
             <a:extLst>
               <a:ext uri="{FF2B5EF4-FFF2-40B4-BE49-F238E27FC236}">
@@ -6768,63 +6710,7 @@
             <a:avLst/>
           </a:prstGeom>
           <a:solidFill>
-            <a:schemeClr val="accent1">
-              <a:lumMod val="75000"/>
-            </a:schemeClr>
-          </a:solidFill>
-          <a:ln>
-            <a:noFill/>
-          </a:ln>
-        </p:spPr>
-        <p:style>
-          <a:lnRef idx="2">
-            <a:schemeClr val="accent1">
-              <a:shade val="50000"/>
-            </a:schemeClr>
-          </a:lnRef>
-          <a:fillRef idx="1">
-            <a:schemeClr val="accent1"/>
-          </a:fillRef>
-          <a:effectRef idx="0">
-            <a:schemeClr val="accent1"/>
-          </a:effectRef>
-          <a:fontRef idx="minor">
-            <a:schemeClr val="lt1"/>
-          </a:fontRef>
-        </p:style>
-        <p:txBody>
-          <a:bodyPr rtlCol="0" anchor="ctr"/>
-          <a:lstStyle/>
-          <a:p>
-            <a:pPr algn="ctr"/>
-            <a:endParaRPr lang="en-US"/>
-          </a:p>
-        </p:txBody>
-      </p:sp>
-      <p:sp>
-        <p:nvSpPr>
-          <p:cNvPr id="6" name="Flowchart: Connector 5">
-            <a:extLst>
-              <a:ext uri="{FF2B5EF4-FFF2-40B4-BE49-F238E27FC236}">
-                <a16:creationId xmlns:a16="http://schemas.microsoft.com/office/drawing/2014/main" id="{29BA1CCF-8568-637A-5608-D084A6B8AF2B}"/>
-              </a:ext>
-            </a:extLst>
-          </p:cNvPr>
-          <p:cNvSpPr/>
-          <p:nvPr/>
-        </p:nvSpPr>
-        <p:spPr>
-          <a:xfrm>
-            <a:off x="3641456" y="1831706"/>
-            <a:ext cx="206644" cy="206644"/>
-          </a:xfrm>
-          <a:prstGeom prst="flowChartConnector">
-            <a:avLst/>
-          </a:prstGeom>
-          <a:solidFill>
-            <a:schemeClr val="accent1">
-              <a:lumMod val="75000"/>
-            </a:schemeClr>
+            <a:srgbClr val="006082"/>
           </a:solidFill>
           <a:ln>
             <a:noFill/>
@@ -6907,60 +6793,6 @@
           </a:p>
         </p:txBody>
       </p:sp>
-      <p:sp>
-        <p:nvSpPr>
-          <p:cNvPr id="8" name="Flowchart: Connector 7">
-            <a:extLst>
-              <a:ext uri="{FF2B5EF4-FFF2-40B4-BE49-F238E27FC236}">
-                <a16:creationId xmlns:a16="http://schemas.microsoft.com/office/drawing/2014/main" id="{41A193A3-828A-F242-D1C6-601A09AD4064}"/>
-              </a:ext>
-            </a:extLst>
-          </p:cNvPr>
-          <p:cNvSpPr/>
-          <p:nvPr/>
-        </p:nvSpPr>
-        <p:spPr>
-          <a:xfrm>
-            <a:off x="8210549" y="1831706"/>
-            <a:ext cx="206644" cy="206644"/>
-          </a:xfrm>
-          <a:prstGeom prst="flowChartConnector">
-            <a:avLst/>
-          </a:prstGeom>
-          <a:solidFill>
-            <a:schemeClr val="accent1">
-              <a:lumMod val="75000"/>
-            </a:schemeClr>
-          </a:solidFill>
-          <a:ln>
-            <a:noFill/>
-          </a:ln>
-        </p:spPr>
-        <p:style>
-          <a:lnRef idx="2">
-            <a:schemeClr val="accent1">
-              <a:shade val="50000"/>
-            </a:schemeClr>
-          </a:lnRef>
-          <a:fillRef idx="1">
-            <a:schemeClr val="accent1"/>
-          </a:fillRef>
-          <a:effectRef idx="0">
-            <a:schemeClr val="accent1"/>
-          </a:effectRef>
-          <a:fontRef idx="minor">
-            <a:schemeClr val="lt1"/>
-          </a:fontRef>
-        </p:style>
-        <p:txBody>
-          <a:bodyPr rtlCol="0" anchor="ctr"/>
-          <a:lstStyle/>
-          <a:p>
-            <a:pPr algn="ctr"/>
-            <a:endParaRPr lang="en-US"/>
-          </a:p>
-        </p:txBody>
-      </p:sp>
       <p:cxnSp>
         <p:nvCxnSpPr>
           <p:cNvPr id="10" name="Straight Connector 9">
@@ -6985,7 +6817,14 @@
           <a:prstGeom prst="line">
             <a:avLst/>
           </a:prstGeom>
-          <a:ln w="19050"/>
+          <a:ln w="19050">
+            <a:solidFill>
+              <a:schemeClr val="tx1">
+                <a:lumMod val="75000"/>
+                <a:lumOff val="25000"/>
+              </a:schemeClr>
+            </a:solidFill>
+          </a:ln>
         </p:spPr>
         <p:style>
           <a:lnRef idx="1">
@@ -7026,7 +6865,14 @@
           <a:prstGeom prst="line">
             <a:avLst/>
           </a:prstGeom>
-          <a:ln w="19050"/>
+          <a:ln w="19050">
+            <a:solidFill>
+              <a:schemeClr val="tx1">
+                <a:lumMod val="75000"/>
+                <a:lumOff val="25000"/>
+              </a:schemeClr>
+            </a:solidFill>
+          </a:ln>
         </p:spPr>
         <p:style>
           <a:lnRef idx="1">
@@ -7043,236 +6889,52 @@
           </a:fontRef>
         </p:style>
       </p:cxnSp>
-      <mc:AlternateContent xmlns:mc="http://schemas.openxmlformats.org/markup-compatibility/2006" xmlns:a14="http://schemas.microsoft.com/office/drawing/2010/main">
-        <mc:Choice Requires="a14">
-          <p:sp>
-            <p:nvSpPr>
-              <p:cNvPr id="21" name="TextBox 20">
-                <a:extLst>
-                  <a:ext uri="{FF2B5EF4-FFF2-40B4-BE49-F238E27FC236}">
-                    <a16:creationId xmlns:a16="http://schemas.microsoft.com/office/drawing/2014/main" id="{4244E70A-D9D7-F2DF-F138-A67949CD4C5A}"/>
-                  </a:ext>
-                </a:extLst>
-              </p:cNvPr>
-              <p:cNvSpPr txBox="1"/>
-              <p:nvPr/>
-            </p:nvSpPr>
-            <p:spPr>
-              <a:xfrm>
-                <a:off x="5931242" y="3132558"/>
-                <a:ext cx="558425" cy="369332"/>
-              </a:xfrm>
-              <a:prstGeom prst="rect">
-                <a:avLst/>
-              </a:prstGeom>
-              <a:noFill/>
-            </p:spPr>
-            <p:txBody>
-              <a:bodyPr wrap="square" rtlCol="0">
-                <a:spAutoFit/>
-              </a:bodyPr>
-              <a:lstStyle/>
-              <a:p>
-                <a:pPr/>
-                <a14:m>
-                  <m:oMathPara xmlns:m="http://schemas.openxmlformats.org/officeDocument/2006/math">
-                    <m:oMathParaPr>
-                      <m:jc m:val="centerGroup"/>
-                    </m:oMathParaPr>
-                    <m:oMath xmlns:m="http://schemas.openxmlformats.org/officeDocument/2006/math">
-                      <m:sSub>
-                        <m:sSubPr>
-                          <m:ctrlPr>
-                            <a:rPr lang="en-US" i="1" smtClean="0">
-                              <a:latin typeface="Cambria Math" panose="02040503050406030204" pitchFamily="18" charset="0"/>
-                            </a:rPr>
-                          </m:ctrlPr>
-                        </m:sSubPr>
-                        <m:e>
-                          <m:r>
-                            <a:rPr lang="en-US" b="0" i="1" smtClean="0">
-                              <a:latin typeface="Cambria Math" panose="02040503050406030204" pitchFamily="18" charset="0"/>
-                            </a:rPr>
-                            <m:t>𝑒</m:t>
-                          </m:r>
-                        </m:e>
-                        <m:sub>
-                          <m:r>
-                            <a:rPr lang="en-US" b="0" i="1" smtClean="0">
-                              <a:latin typeface="Cambria Math" panose="02040503050406030204" pitchFamily="18" charset="0"/>
-                            </a:rPr>
-                            <m:t>1</m:t>
-                          </m:r>
-                        </m:sub>
-                      </m:sSub>
-                    </m:oMath>
-                  </m:oMathPara>
-                </a14:m>
-                <a:endParaRPr lang="en-US" dirty="0"/>
-              </a:p>
-            </p:txBody>
-          </p:sp>
-        </mc:Choice>
-        <mc:Fallback xmlns="">
-          <p:sp>
-            <p:nvSpPr>
-              <p:cNvPr id="21" name="TextBox 20">
-                <a:extLst>
-                  <a:ext uri="{FF2B5EF4-FFF2-40B4-BE49-F238E27FC236}">
-                    <a16:creationId xmlns:a16="http://schemas.microsoft.com/office/drawing/2014/main" id="{4244E70A-D9D7-F2DF-F138-A67949CD4C5A}"/>
-                  </a:ext>
-                </a:extLst>
-              </p:cNvPr>
-              <p:cNvSpPr txBox="1">
-                <a:spLocks noRot="1" noChangeAspect="1" noMove="1" noResize="1" noEditPoints="1" noAdjustHandles="1" noChangeArrowheads="1" noChangeShapeType="1" noTextEdit="1"/>
-              </p:cNvSpPr>
-              <p:nvPr/>
-            </p:nvSpPr>
-            <p:spPr>
-              <a:xfrm>
-                <a:off x="5931242" y="3132558"/>
-                <a:ext cx="558425" cy="369332"/>
-              </a:xfrm>
-              <a:prstGeom prst="rect">
-                <a:avLst/>
-              </a:prstGeom>
-              <a:blipFill>
-                <a:blip r:embed="rId2"/>
-                <a:stretch>
-                  <a:fillRect/>
-                </a:stretch>
-              </a:blipFill>
-            </p:spPr>
-            <p:txBody>
-              <a:bodyPr/>
-              <a:lstStyle/>
-              <a:p>
-                <a:r>
-                  <a:rPr lang="en-US">
-                    <a:noFill/>
-                  </a:rPr>
-                  <a:t> </a:t>
-                </a:r>
-              </a:p>
-            </p:txBody>
-          </p:sp>
-        </mc:Fallback>
-      </mc:AlternateContent>
-      <mc:AlternateContent xmlns:mc="http://schemas.openxmlformats.org/markup-compatibility/2006" xmlns:a14="http://schemas.microsoft.com/office/drawing/2010/main">
-        <mc:Choice Requires="a14">
-          <p:sp>
-            <p:nvSpPr>
-              <p:cNvPr id="22" name="TextBox 21">
-                <a:extLst>
-                  <a:ext uri="{FF2B5EF4-FFF2-40B4-BE49-F238E27FC236}">
-                    <a16:creationId xmlns:a16="http://schemas.microsoft.com/office/drawing/2014/main" id="{1C6D323F-50D5-B4B4-E263-9982E2FFD83E}"/>
-                  </a:ext>
-                </a:extLst>
-              </p:cNvPr>
-              <p:cNvSpPr txBox="1"/>
-              <p:nvPr/>
-            </p:nvSpPr>
-            <p:spPr>
-              <a:xfrm>
-                <a:off x="5290894" y="2056901"/>
-                <a:ext cx="558425" cy="369332"/>
-              </a:xfrm>
-              <a:prstGeom prst="rect">
-                <a:avLst/>
-              </a:prstGeom>
-              <a:noFill/>
-            </p:spPr>
-            <p:txBody>
-              <a:bodyPr wrap="square" rtlCol="0">
-                <a:spAutoFit/>
-              </a:bodyPr>
-              <a:lstStyle/>
-              <a:p>
-                <a:pPr/>
-                <a14:m>
-                  <m:oMathPara xmlns:m="http://schemas.openxmlformats.org/officeDocument/2006/math">
-                    <m:oMathParaPr>
-                      <m:jc m:val="centerGroup"/>
-                    </m:oMathParaPr>
-                    <m:oMath xmlns:m="http://schemas.openxmlformats.org/officeDocument/2006/math">
-                      <m:sSub>
-                        <m:sSubPr>
-                          <m:ctrlPr>
-                            <a:rPr lang="en-US" i="1" smtClean="0">
-                              <a:latin typeface="Cambria Math" panose="02040503050406030204" pitchFamily="18" charset="0"/>
-                            </a:rPr>
-                          </m:ctrlPr>
-                        </m:sSubPr>
-                        <m:e>
-                          <m:r>
-                            <a:rPr lang="en-US" b="0" i="1" smtClean="0">
-                              <a:latin typeface="Cambria Math" panose="02040503050406030204" pitchFamily="18" charset="0"/>
-                            </a:rPr>
-                            <m:t>𝑒</m:t>
-                          </m:r>
-                        </m:e>
-                        <m:sub>
-                          <m:r>
-                            <a:rPr lang="en-US" b="0" i="1" smtClean="0">
-                              <a:latin typeface="Cambria Math" panose="02040503050406030204" pitchFamily="18" charset="0"/>
-                            </a:rPr>
-                            <m:t>2</m:t>
-                          </m:r>
-                        </m:sub>
-                      </m:sSub>
-                    </m:oMath>
-                  </m:oMathPara>
-                </a14:m>
-                <a:endParaRPr lang="en-US" dirty="0"/>
-              </a:p>
-            </p:txBody>
-          </p:sp>
-        </mc:Choice>
-        <mc:Fallback xmlns="">
-          <p:sp>
-            <p:nvSpPr>
-              <p:cNvPr id="22" name="TextBox 21">
-                <a:extLst>
-                  <a:ext uri="{FF2B5EF4-FFF2-40B4-BE49-F238E27FC236}">
-                    <a16:creationId xmlns:a16="http://schemas.microsoft.com/office/drawing/2014/main" id="{1C6D323F-50D5-B4B4-E263-9982E2FFD83E}"/>
-                  </a:ext>
-                </a:extLst>
-              </p:cNvPr>
-              <p:cNvSpPr txBox="1">
-                <a:spLocks noRot="1" noChangeAspect="1" noMove="1" noResize="1" noEditPoints="1" noAdjustHandles="1" noChangeArrowheads="1" noChangeShapeType="1" noTextEdit="1"/>
-              </p:cNvSpPr>
-              <p:nvPr/>
-            </p:nvSpPr>
-            <p:spPr>
-              <a:xfrm>
-                <a:off x="5290894" y="2056901"/>
-                <a:ext cx="558425" cy="369332"/>
-              </a:xfrm>
-              <a:prstGeom prst="rect">
-                <a:avLst/>
-              </a:prstGeom>
-              <a:blipFill>
-                <a:blip r:embed="rId3"/>
-                <a:stretch>
-                  <a:fillRect/>
-                </a:stretch>
-              </a:blipFill>
-            </p:spPr>
-            <p:txBody>
-              <a:bodyPr/>
-              <a:lstStyle/>
-              <a:p>
-                <a:r>
-                  <a:rPr lang="en-US">
-                    <a:noFill/>
-                  </a:rPr>
-                  <a:t> </a:t>
-                </a:r>
-              </a:p>
-            </p:txBody>
-          </p:sp>
-        </mc:Fallback>
-      </mc:AlternateContent>
+      <p:sp>
+        <p:nvSpPr>
+          <p:cNvPr id="22" name="TextBox 21">
+            <a:extLst>
+              <a:ext uri="{FF2B5EF4-FFF2-40B4-BE49-F238E27FC236}">
+                <a16:creationId xmlns:a16="http://schemas.microsoft.com/office/drawing/2014/main" id="{1C6D323F-50D5-B4B4-E263-9982E2FFD83E}"/>
+              </a:ext>
+            </a:extLst>
+          </p:cNvPr>
+          <p:cNvSpPr txBox="1"/>
+          <p:nvPr/>
+        </p:nvSpPr>
+        <p:spPr>
+          <a:xfrm>
+            <a:off x="5652029" y="2214732"/>
+            <a:ext cx="558425" cy="369332"/>
+          </a:xfrm>
+          <a:prstGeom prst="rect">
+            <a:avLst/>
+          </a:prstGeom>
+          <a:noFill/>
+        </p:spPr>
+        <p:txBody>
+          <a:bodyPr wrap="square" rtlCol="0">
+            <a:spAutoFit/>
+          </a:bodyPr>
+          <a:lstStyle/>
+          <a:p>
+            <a:pPr algn="ctr"/>
+            <a:r>
+              <a:rPr lang="en-US" i="1" dirty="0">
+                <a:latin typeface="Times New Roman" panose="02020603050405020304" pitchFamily="18" charset="0"/>
+                <a:cs typeface="Times New Roman" panose="02020603050405020304" pitchFamily="18" charset="0"/>
+              </a:rPr>
+              <a:t>e</a:t>
+            </a:r>
+            <a:r>
+              <a:rPr lang="en-US" baseline="-25000" dirty="0">
+                <a:latin typeface="Times New Roman" panose="02020603050405020304" pitchFamily="18" charset="0"/>
+                <a:cs typeface="Times New Roman" panose="02020603050405020304" pitchFamily="18" charset="0"/>
+              </a:rPr>
+              <a:t>2</a:t>
+            </a:r>
+          </a:p>
+        </p:txBody>
+      </p:sp>
       <p:cxnSp>
         <p:nvCxnSpPr>
           <p:cNvPr id="23" name="Straight Connector 22">
@@ -7297,7 +6959,14 @@
           <a:prstGeom prst="line">
             <a:avLst/>
           </a:prstGeom>
-          <a:ln w="19050"/>
+          <a:ln w="19050">
+            <a:solidFill>
+              <a:schemeClr val="tx1">
+                <a:lumMod val="75000"/>
+                <a:lumOff val="25000"/>
+              </a:schemeClr>
+            </a:solidFill>
+          </a:ln>
         </p:spPr>
         <p:style>
           <a:lnRef idx="1">
@@ -7314,121 +6983,282 @@
           </a:fontRef>
         </p:style>
       </p:cxnSp>
-      <mc:AlternateContent xmlns:mc="http://schemas.openxmlformats.org/markup-compatibility/2006" xmlns:a14="http://schemas.microsoft.com/office/drawing/2010/main">
-        <mc:Choice Requires="a14">
-          <p:sp>
-            <p:nvSpPr>
-              <p:cNvPr id="26" name="TextBox 25">
-                <a:extLst>
-                  <a:ext uri="{FF2B5EF4-FFF2-40B4-BE49-F238E27FC236}">
-                    <a16:creationId xmlns:a16="http://schemas.microsoft.com/office/drawing/2014/main" id="{0131DFB3-7897-F77B-4DA5-323F182F5EB1}"/>
-                  </a:ext>
-                </a:extLst>
-              </p:cNvPr>
-              <p:cNvSpPr txBox="1"/>
-              <p:nvPr/>
-            </p:nvSpPr>
-            <p:spPr>
-              <a:xfrm>
-                <a:off x="6314993" y="1514035"/>
-                <a:ext cx="558425" cy="369332"/>
-              </a:xfrm>
-              <a:prstGeom prst="rect">
-                <a:avLst/>
-              </a:prstGeom>
-              <a:noFill/>
-            </p:spPr>
-            <p:txBody>
-              <a:bodyPr wrap="square" rtlCol="0">
-                <a:spAutoFit/>
-              </a:bodyPr>
-              <a:lstStyle/>
-              <a:p>
-                <a:pPr/>
-                <a14:m>
-                  <m:oMathPara xmlns:m="http://schemas.openxmlformats.org/officeDocument/2006/math">
-                    <m:oMathParaPr>
-                      <m:jc m:val="centerGroup"/>
-                    </m:oMathParaPr>
-                    <m:oMath xmlns:m="http://schemas.openxmlformats.org/officeDocument/2006/math">
-                      <m:sSub>
-                        <m:sSubPr>
-                          <m:ctrlPr>
-                            <a:rPr lang="en-US" i="1" smtClean="0">
-                              <a:latin typeface="Cambria Math" panose="02040503050406030204" pitchFamily="18" charset="0"/>
-                            </a:rPr>
-                          </m:ctrlPr>
-                        </m:sSubPr>
-                        <m:e>
-                          <m:r>
-                            <a:rPr lang="en-US" b="0" i="1" smtClean="0">
-                              <a:latin typeface="Cambria Math" panose="02040503050406030204" pitchFamily="18" charset="0"/>
-                            </a:rPr>
-                            <m:t>𝑒</m:t>
-                          </m:r>
-                        </m:e>
-                        <m:sub>
-                          <m:r>
-                            <a:rPr lang="en-US" b="0" i="1" smtClean="0">
-                              <a:latin typeface="Cambria Math" panose="02040503050406030204" pitchFamily="18" charset="0"/>
-                            </a:rPr>
-                            <m:t>3</m:t>
-                          </m:r>
-                        </m:sub>
-                      </m:sSub>
-                    </m:oMath>
-                  </m:oMathPara>
-                </a14:m>
-                <a:endParaRPr lang="en-US" dirty="0"/>
-              </a:p>
-            </p:txBody>
-          </p:sp>
-        </mc:Choice>
-        <mc:Fallback xmlns="">
-          <p:sp>
-            <p:nvSpPr>
-              <p:cNvPr id="26" name="TextBox 25">
-                <a:extLst>
-                  <a:ext uri="{FF2B5EF4-FFF2-40B4-BE49-F238E27FC236}">
-                    <a16:creationId xmlns:a16="http://schemas.microsoft.com/office/drawing/2014/main" id="{0131DFB3-7897-F77B-4DA5-323F182F5EB1}"/>
-                  </a:ext>
-                </a:extLst>
-              </p:cNvPr>
-              <p:cNvSpPr txBox="1">
-                <a:spLocks noRot="1" noChangeAspect="1" noMove="1" noResize="1" noEditPoints="1" noAdjustHandles="1" noChangeArrowheads="1" noChangeShapeType="1" noTextEdit="1"/>
-              </p:cNvSpPr>
-              <p:nvPr/>
-            </p:nvSpPr>
-            <p:spPr>
-              <a:xfrm>
-                <a:off x="6314993" y="1514035"/>
-                <a:ext cx="558425" cy="369332"/>
-              </a:xfrm>
-              <a:prstGeom prst="rect">
-                <a:avLst/>
-              </a:prstGeom>
-              <a:blipFill>
-                <a:blip r:embed="rId4"/>
-                <a:stretch>
-                  <a:fillRect/>
-                </a:stretch>
-              </a:blipFill>
-            </p:spPr>
-            <p:txBody>
-              <a:bodyPr/>
-              <a:lstStyle/>
-              <a:p>
-                <a:r>
-                  <a:rPr lang="en-US">
-                    <a:noFill/>
-                  </a:rPr>
-                  <a:t> </a:t>
-                </a:r>
-              </a:p>
-            </p:txBody>
-          </p:sp>
-        </mc:Fallback>
-      </mc:AlternateContent>
+      <p:sp>
+        <p:nvSpPr>
+          <p:cNvPr id="15" name="TextBox 14">
+            <a:extLst>
+              <a:ext uri="{FF2B5EF4-FFF2-40B4-BE49-F238E27FC236}">
+                <a16:creationId xmlns:a16="http://schemas.microsoft.com/office/drawing/2014/main" id="{AF2B5AD7-2D5F-B44A-85C6-FBEC37D003C2}"/>
+              </a:ext>
+            </a:extLst>
+          </p:cNvPr>
+          <p:cNvSpPr txBox="1"/>
+          <p:nvPr/>
+        </p:nvSpPr>
+        <p:spPr>
+          <a:xfrm>
+            <a:off x="6004302" y="3101780"/>
+            <a:ext cx="558425" cy="369332"/>
+          </a:xfrm>
+          <a:prstGeom prst="rect">
+            <a:avLst/>
+          </a:prstGeom>
+          <a:noFill/>
+        </p:spPr>
+        <p:txBody>
+          <a:bodyPr wrap="square" rtlCol="0">
+            <a:spAutoFit/>
+          </a:bodyPr>
+          <a:lstStyle/>
+          <a:p>
+            <a:pPr algn="ctr"/>
+            <a:r>
+              <a:rPr lang="en-US" i="1" dirty="0">
+                <a:latin typeface="Times New Roman" panose="02020603050405020304" pitchFamily="18" charset="0"/>
+                <a:cs typeface="Times New Roman" panose="02020603050405020304" pitchFamily="18" charset="0"/>
+              </a:rPr>
+              <a:t>e</a:t>
+            </a:r>
+            <a:r>
+              <a:rPr lang="en-US" baseline="-25000" dirty="0">
+                <a:latin typeface="Times New Roman" panose="02020603050405020304" pitchFamily="18" charset="0"/>
+                <a:cs typeface="Times New Roman" panose="02020603050405020304" pitchFamily="18" charset="0"/>
+              </a:rPr>
+              <a:t>1</a:t>
+            </a:r>
+          </a:p>
+        </p:txBody>
+      </p:sp>
+      <p:sp>
+        <p:nvSpPr>
+          <p:cNvPr id="16" name="TextBox 15">
+            <a:extLst>
+              <a:ext uri="{FF2B5EF4-FFF2-40B4-BE49-F238E27FC236}">
+                <a16:creationId xmlns:a16="http://schemas.microsoft.com/office/drawing/2014/main" id="{E67A4EDF-D496-3941-99C1-80D3E1237419}"/>
+              </a:ext>
+            </a:extLst>
+          </p:cNvPr>
+          <p:cNvSpPr txBox="1"/>
+          <p:nvPr/>
+        </p:nvSpPr>
+        <p:spPr>
+          <a:xfrm>
+            <a:off x="6270533" y="1896303"/>
+            <a:ext cx="558425" cy="369332"/>
+          </a:xfrm>
+          <a:prstGeom prst="rect">
+            <a:avLst/>
+          </a:prstGeom>
+          <a:noFill/>
+        </p:spPr>
+        <p:txBody>
+          <a:bodyPr wrap="square" rtlCol="0">
+            <a:spAutoFit/>
+          </a:bodyPr>
+          <a:lstStyle/>
+          <a:p>
+            <a:pPr algn="ctr"/>
+            <a:r>
+              <a:rPr lang="en-US" i="1" dirty="0">
+                <a:latin typeface="Times New Roman" panose="02020603050405020304" pitchFamily="18" charset="0"/>
+                <a:cs typeface="Times New Roman" panose="02020603050405020304" pitchFamily="18" charset="0"/>
+              </a:rPr>
+              <a:t>e</a:t>
+            </a:r>
+            <a:r>
+              <a:rPr lang="en-US" baseline="-25000" dirty="0">
+                <a:latin typeface="Times New Roman" panose="02020603050405020304" pitchFamily="18" charset="0"/>
+                <a:cs typeface="Times New Roman" panose="02020603050405020304" pitchFamily="18" charset="0"/>
+              </a:rPr>
+              <a:t>3</a:t>
+            </a:r>
+          </a:p>
+        </p:txBody>
+      </p:sp>
+      <p:sp>
+        <p:nvSpPr>
+          <p:cNvPr id="17" name="TextBox 16">
+            <a:extLst>
+              <a:ext uri="{FF2B5EF4-FFF2-40B4-BE49-F238E27FC236}">
+                <a16:creationId xmlns:a16="http://schemas.microsoft.com/office/drawing/2014/main" id="{693AA40C-37FC-2744-8E2C-FF714EBE65EF}"/>
+              </a:ext>
+            </a:extLst>
+          </p:cNvPr>
+          <p:cNvSpPr txBox="1"/>
+          <p:nvPr/>
+        </p:nvSpPr>
+        <p:spPr>
+          <a:xfrm>
+            <a:off x="6721664" y="3935248"/>
+            <a:ext cx="558425" cy="400110"/>
+          </a:xfrm>
+          <a:prstGeom prst="rect">
+            <a:avLst/>
+          </a:prstGeom>
+          <a:noFill/>
+        </p:spPr>
+        <p:txBody>
+          <a:bodyPr wrap="square" rtlCol="0">
+            <a:spAutoFit/>
+          </a:bodyPr>
+          <a:lstStyle/>
+          <a:p>
+            <a:pPr algn="ctr"/>
+            <a:r>
+              <a:rPr lang="en-US" sz="2000" dirty="0">
+                <a:latin typeface="Times New Roman" panose="02020603050405020304" pitchFamily="18" charset="0"/>
+                <a:cs typeface="Times New Roman" panose="02020603050405020304" pitchFamily="18" charset="0"/>
+              </a:rPr>
+              <a:t>p</a:t>
+            </a:r>
+            <a:r>
+              <a:rPr lang="en-US" sz="2000" baseline="-25000" dirty="0">
+                <a:latin typeface="Times New Roman" panose="02020603050405020304" pitchFamily="18" charset="0"/>
+                <a:cs typeface="Times New Roman" panose="02020603050405020304" pitchFamily="18" charset="0"/>
+              </a:rPr>
+              <a:t>1</a:t>
+            </a:r>
+          </a:p>
+        </p:txBody>
+      </p:sp>
+      <p:sp>
+        <p:nvSpPr>
+          <p:cNvPr id="18" name="TextBox 17">
+            <a:extLst>
+              <a:ext uri="{FF2B5EF4-FFF2-40B4-BE49-F238E27FC236}">
+                <a16:creationId xmlns:a16="http://schemas.microsoft.com/office/drawing/2014/main" id="{D65D5E27-6F56-7B44-B879-F6A36E6CA3BF}"/>
+              </a:ext>
+            </a:extLst>
+          </p:cNvPr>
+          <p:cNvSpPr txBox="1"/>
+          <p:nvPr/>
+        </p:nvSpPr>
+        <p:spPr>
+          <a:xfrm>
+            <a:off x="4939017" y="2633698"/>
+            <a:ext cx="558425" cy="400110"/>
+          </a:xfrm>
+          <a:prstGeom prst="rect">
+            <a:avLst/>
+          </a:prstGeom>
+          <a:noFill/>
+        </p:spPr>
+        <p:txBody>
+          <a:bodyPr wrap="square" rtlCol="0">
+            <a:spAutoFit/>
+          </a:bodyPr>
+          <a:lstStyle/>
+          <a:p>
+            <a:pPr algn="ctr"/>
+            <a:r>
+              <a:rPr lang="en-US" sz="2000" dirty="0">
+                <a:latin typeface="Times New Roman" panose="02020603050405020304" pitchFamily="18" charset="0"/>
+                <a:cs typeface="Times New Roman" panose="02020603050405020304" pitchFamily="18" charset="0"/>
+              </a:rPr>
+              <a:t>p</a:t>
+            </a:r>
+            <a:r>
+              <a:rPr lang="en-US" sz="2000" baseline="-25000" dirty="0">
+                <a:latin typeface="Times New Roman" panose="02020603050405020304" pitchFamily="18" charset="0"/>
+                <a:cs typeface="Times New Roman" panose="02020603050405020304" pitchFamily="18" charset="0"/>
+              </a:rPr>
+              <a:t>2</a:t>
+            </a:r>
+          </a:p>
+        </p:txBody>
+      </p:sp>
+      <p:sp>
+        <p:nvSpPr>
+          <p:cNvPr id="19" name="TextBox 18">
+            <a:extLst>
+              <a:ext uri="{FF2B5EF4-FFF2-40B4-BE49-F238E27FC236}">
+                <a16:creationId xmlns:a16="http://schemas.microsoft.com/office/drawing/2014/main" id="{5586DBC2-49F1-CC44-9A3A-EF8955265D2F}"/>
+              </a:ext>
+            </a:extLst>
+          </p:cNvPr>
+          <p:cNvSpPr txBox="1"/>
+          <p:nvPr/>
+        </p:nvSpPr>
+        <p:spPr>
+          <a:xfrm>
+            <a:off x="5580826" y="1447735"/>
+            <a:ext cx="558425" cy="400110"/>
+          </a:xfrm>
+          <a:prstGeom prst="rect">
+            <a:avLst/>
+          </a:prstGeom>
+          <a:noFill/>
+        </p:spPr>
+        <p:txBody>
+          <a:bodyPr wrap="square" rtlCol="0">
+            <a:spAutoFit/>
+          </a:bodyPr>
+          <a:lstStyle/>
+          <a:p>
+            <a:pPr algn="ctr"/>
+            <a:r>
+              <a:rPr lang="en-US" sz="2000" dirty="0">
+                <a:latin typeface="Times New Roman" panose="02020603050405020304" pitchFamily="18" charset="0"/>
+                <a:cs typeface="Times New Roman" panose="02020603050405020304" pitchFamily="18" charset="0"/>
+              </a:rPr>
+              <a:t>p</a:t>
+            </a:r>
+            <a:r>
+              <a:rPr lang="en-US" sz="2000" baseline="-25000" dirty="0">
+                <a:latin typeface="Times New Roman" panose="02020603050405020304" pitchFamily="18" charset="0"/>
+                <a:cs typeface="Times New Roman" panose="02020603050405020304" pitchFamily="18" charset="0"/>
+              </a:rPr>
+              <a:t>3</a:t>
+            </a:r>
+          </a:p>
+        </p:txBody>
+      </p:sp>
+      <p:sp>
+        <p:nvSpPr>
+          <p:cNvPr id="20" name="TextBox 19">
+            <a:extLst>
+              <a:ext uri="{FF2B5EF4-FFF2-40B4-BE49-F238E27FC236}">
+                <a16:creationId xmlns:a16="http://schemas.microsoft.com/office/drawing/2014/main" id="{25734564-D51A-8D40-83FD-69ED5109356E}"/>
+              </a:ext>
+            </a:extLst>
+          </p:cNvPr>
+          <p:cNvSpPr txBox="1"/>
+          <p:nvPr/>
+        </p:nvSpPr>
+        <p:spPr>
+          <a:xfrm>
+            <a:off x="7046324" y="1447735"/>
+            <a:ext cx="558425" cy="400110"/>
+          </a:xfrm>
+          <a:prstGeom prst="rect">
+            <a:avLst/>
+          </a:prstGeom>
+          <a:noFill/>
+        </p:spPr>
+        <p:txBody>
+          <a:bodyPr wrap="square" rtlCol="0">
+            <a:spAutoFit/>
+          </a:bodyPr>
+          <a:lstStyle/>
+          <a:p>
+            <a:pPr algn="ctr"/>
+            <a:r>
+              <a:rPr lang="en-US" sz="2000" dirty="0">
+                <a:latin typeface="Times New Roman" panose="02020603050405020304" pitchFamily="18" charset="0"/>
+                <a:cs typeface="Times New Roman" panose="02020603050405020304" pitchFamily="18" charset="0"/>
+              </a:rPr>
+              <a:t>p</a:t>
+            </a:r>
+            <a:r>
+              <a:rPr lang="en-US" sz="2000" baseline="-25000" dirty="0">
+                <a:latin typeface="Times New Roman" panose="02020603050405020304" pitchFamily="18" charset="0"/>
+                <a:cs typeface="Times New Roman" panose="02020603050405020304" pitchFamily="18" charset="0"/>
+              </a:rPr>
+              <a:t>4</a:t>
+            </a:r>
+          </a:p>
+        </p:txBody>
+      </p:sp>
     </p:spTree>
     <p:extLst>
       <p:ext uri="{BB962C8B-B14F-4D97-AF65-F5344CB8AC3E}">
@@ -20071,7 +19901,7 @@
                 <a:latin typeface="Times New Roman" panose="02020603050405020304" pitchFamily="18" charset="0"/>
                 <a:cs typeface="Times New Roman" panose="02020603050405020304" pitchFamily="18" charset="0"/>
               </a:rPr>
-              <a:t>KD</a:t>
+              <a:t>RD</a:t>
             </a:r>
             <a:r>
               <a:rPr lang="en-VN" sz="2000" baseline="-25000">
@@ -20117,7 +19947,7 @@
                 <a:latin typeface="Times New Roman" panose="02020603050405020304" pitchFamily="18" charset="0"/>
                 <a:cs typeface="Times New Roman" panose="02020603050405020304" pitchFamily="18" charset="0"/>
               </a:rPr>
-              <a:t>KD</a:t>
+              <a:t>RD</a:t>
             </a:r>
             <a:r>
               <a:rPr lang="en-VN" sz="2000" baseline="-25000">

--- a/image/_raw.pptx
+++ b/image/_raw.pptx
@@ -14,11 +14,10 @@
     <p:sldId id="257" r:id="rId8"/>
     <p:sldId id="258" r:id="rId9"/>
     <p:sldId id="271" r:id="rId10"/>
-    <p:sldId id="268" r:id="rId11"/>
-    <p:sldId id="269" r:id="rId12"/>
-    <p:sldId id="270" r:id="rId13"/>
-    <p:sldId id="264" r:id="rId14"/>
-    <p:sldId id="265" r:id="rId15"/>
+    <p:sldId id="270" r:id="rId11"/>
+    <p:sldId id="264" r:id="rId12"/>
+    <p:sldId id="272" r:id="rId13"/>
+    <p:sldId id="265" r:id="rId14"/>
   </p:sldIdLst>
   <p:sldSz cx="12192000" cy="6858000"/>
   <p:notesSz cx="6858000" cy="9144000"/>
@@ -120,23 +119,23 @@
   <p:extLst>
     <p:ext uri="{521415D9-36F7-43E2-AB2F-B90AF26B5E84}">
       <p14:sectionLst xmlns:p14="http://schemas.microsoft.com/office/powerpoint/2010/main">
-        <p14:section name="gradient_descent" id="{3A008FA6-D6A9-A94E-8918-E3A756929DDD}">
+        <p14:section name="gradient-descent" id="{3A008FA6-D6A9-A94E-8918-E3A756929DDD}">
           <p14:sldIdLst>
             <p14:sldId id="267"/>
           </p14:sldIdLst>
         </p14:section>
-        <p14:section name="cross_validation" id="{1B4E0D16-3299-441A-A32E-F3253A74A981}">
+        <p14:section name="cross-validation" id="{1B4E0D16-3299-441A-A32E-F3253A74A981}">
           <p14:sldIdLst>
             <p14:sldId id="261"/>
           </p14:sldIdLst>
         </p14:section>
-        <p14:section name="confusion_matrix" id="{44A77890-8AB7-4A37-8595-282E85500BA5}">
+        <p14:section name="confusion-matrix" id="{44A77890-8AB7-4A37-8595-282E85500BA5}">
           <p14:sldIdLst>
             <p14:sldId id="262"/>
             <p14:sldId id="263"/>
           </p14:sldIdLst>
         </p14:section>
-        <p14:section name="tree_components" id="{9F728146-7686-D245-A939-AE0EBC1943C6}">
+        <p14:section name="tree-components" id="{9F728146-7686-D245-A939-AE0EBC1943C6}">
           <p14:sldIdLst>
             <p14:sldId id="266"/>
           </p14:sldIdLst>
@@ -148,20 +147,23 @@
             <p14:sldId id="258"/>
           </p14:sldIdLst>
         </p14:section>
-        <p14:section name="LOF" id="{2AEAD4EB-CD32-460A-B693-D557358F18F3}">
+        <p14:section name="local-outlier-factor" id="{2AEAD4EB-CD32-460A-B693-D557358F18F3}">
           <p14:sldIdLst>
             <p14:sldId id="271"/>
-            <p14:sldId id="268"/>
-            <p14:sldId id="269"/>
             <p14:sldId id="270"/>
           </p14:sldIdLst>
         </p14:section>
-        <p14:section name="matrix_factorization" id="{0DC92BB3-923E-A54B-87ED-BADEB6F45591}">
+        <p14:section name="matrix-factorization" id="{0DC92BB3-923E-A54B-87ED-BADEB6F45591}">
           <p14:sldIdLst>
             <p14:sldId id="264"/>
           </p14:sldIdLst>
         </p14:section>
-        <p14:section name="data_chilly" id="{EFF3786B-9A0B-C648-8A0E-EB9B6F97559E}">
+        <p14:section name="smote" id="{1AEBF380-1182-C04E-B9E7-4D87D3FB0B56}">
+          <p14:sldIdLst>
+            <p14:sldId id="272"/>
+          </p14:sldIdLst>
+        </p14:section>
+        <p14:section name="data-chilly" id="{EFF3786B-9A0B-C648-8A0E-EB9B6F97559E}">
           <p14:sldIdLst>
             <p14:sldId id="265"/>
           </p14:sldIdLst>
@@ -322,7 +324,7 @@
           <a:p>
             <a:fld id="{DC00918D-4361-4CFD-83C0-A19C315B9995}" type="datetimeFigureOut">
               <a:rPr lang="en-US" smtClean="0"/>
-              <a:t>2/4/23</a:t>
+              <a:t>2/10/23</a:t>
             </a:fld>
             <a:endParaRPr lang="en-US"/>
           </a:p>
@@ -520,7 +522,7 @@
           <a:p>
             <a:fld id="{DC00918D-4361-4CFD-83C0-A19C315B9995}" type="datetimeFigureOut">
               <a:rPr lang="en-US" smtClean="0"/>
-              <a:t>2/4/23</a:t>
+              <a:t>2/10/23</a:t>
             </a:fld>
             <a:endParaRPr lang="en-US"/>
           </a:p>
@@ -728,7 +730,7 @@
           <a:p>
             <a:fld id="{DC00918D-4361-4CFD-83C0-A19C315B9995}" type="datetimeFigureOut">
               <a:rPr lang="en-US" smtClean="0"/>
-              <a:t>2/4/23</a:t>
+              <a:t>2/10/23</a:t>
             </a:fld>
             <a:endParaRPr lang="en-US"/>
           </a:p>
@@ -926,7 +928,7 @@
           <a:p>
             <a:fld id="{DC00918D-4361-4CFD-83C0-A19C315B9995}" type="datetimeFigureOut">
               <a:rPr lang="en-US" smtClean="0"/>
-              <a:t>2/4/23</a:t>
+              <a:t>2/10/23</a:t>
             </a:fld>
             <a:endParaRPr lang="en-US"/>
           </a:p>
@@ -1201,7 +1203,7 @@
           <a:p>
             <a:fld id="{DC00918D-4361-4CFD-83C0-A19C315B9995}" type="datetimeFigureOut">
               <a:rPr lang="en-US" smtClean="0"/>
-              <a:t>2/4/23</a:t>
+              <a:t>2/10/23</a:t>
             </a:fld>
             <a:endParaRPr lang="en-US"/>
           </a:p>
@@ -1466,7 +1468,7 @@
           <a:p>
             <a:fld id="{DC00918D-4361-4CFD-83C0-A19C315B9995}" type="datetimeFigureOut">
               <a:rPr lang="en-US" smtClean="0"/>
-              <a:t>2/4/23</a:t>
+              <a:t>2/10/23</a:t>
             </a:fld>
             <a:endParaRPr lang="en-US"/>
           </a:p>
@@ -1878,7 +1880,7 @@
           <a:p>
             <a:fld id="{DC00918D-4361-4CFD-83C0-A19C315B9995}" type="datetimeFigureOut">
               <a:rPr lang="en-US" smtClean="0"/>
-              <a:t>2/4/23</a:t>
+              <a:t>2/10/23</a:t>
             </a:fld>
             <a:endParaRPr lang="en-US"/>
           </a:p>
@@ -2019,7 +2021,7 @@
           <a:p>
             <a:fld id="{DC00918D-4361-4CFD-83C0-A19C315B9995}" type="datetimeFigureOut">
               <a:rPr lang="en-US" smtClean="0"/>
-              <a:t>2/4/23</a:t>
+              <a:t>2/10/23</a:t>
             </a:fld>
             <a:endParaRPr lang="en-US"/>
           </a:p>
@@ -2132,7 +2134,7 @@
           <a:p>
             <a:fld id="{DC00918D-4361-4CFD-83C0-A19C315B9995}" type="datetimeFigureOut">
               <a:rPr lang="en-US" smtClean="0"/>
-              <a:t>2/4/23</a:t>
+              <a:t>2/10/23</a:t>
             </a:fld>
             <a:endParaRPr lang="en-US"/>
           </a:p>
@@ -2443,7 +2445,7 @@
           <a:p>
             <a:fld id="{DC00918D-4361-4CFD-83C0-A19C315B9995}" type="datetimeFigureOut">
               <a:rPr lang="en-US" smtClean="0"/>
-              <a:t>2/4/23</a:t>
+              <a:t>2/10/23</a:t>
             </a:fld>
             <a:endParaRPr lang="en-US"/>
           </a:p>
@@ -2731,7 +2733,7 @@
           <a:p>
             <a:fld id="{DC00918D-4361-4CFD-83C0-A19C315B9995}" type="datetimeFigureOut">
               <a:rPr lang="en-US" smtClean="0"/>
-              <a:t>2/4/23</a:t>
+              <a:t>2/10/23</a:t>
             </a:fld>
             <a:endParaRPr lang="en-US"/>
           </a:p>
@@ -2972,7 +2974,7 @@
           <a:p>
             <a:fld id="{DC00918D-4361-4CFD-83C0-A19C315B9995}" type="datetimeFigureOut">
               <a:rPr lang="en-US" smtClean="0"/>
-              <a:t>2/4/23</a:t>
+              <a:t>2/10/23</a:t>
             </a:fld>
             <a:endParaRPr lang="en-US"/>
           </a:p>
@@ -4614,57 +4616,12 @@
           <a:chExt cx="0" cy="0"/>
         </a:xfrm>
       </p:grpSpPr>
-      <p:cxnSp>
-        <p:nvCxnSpPr>
-          <p:cNvPr id="5" name="Straight Arrow Connector 4">
-            <a:extLst>
-              <a:ext uri="{FF2B5EF4-FFF2-40B4-BE49-F238E27FC236}">
-                <a16:creationId xmlns:a16="http://schemas.microsoft.com/office/drawing/2014/main" id="{2CB89DDB-E639-7C58-F0E4-0868C62DFF57}"/>
-              </a:ext>
-            </a:extLst>
-          </p:cNvPr>
-          <p:cNvCxnSpPr>
-            <a:cxnSpLocks/>
-            <a:stCxn id="14" idx="7"/>
-          </p:cNvCxnSpPr>
-          <p:nvPr/>
-        </p:nvCxnSpPr>
-        <p:spPr>
-          <a:xfrm flipV="1">
-            <a:off x="5994663" y="1901987"/>
-            <a:ext cx="1277186" cy="1508074"/>
-          </a:xfrm>
-          <a:prstGeom prst="straightConnector1">
-            <a:avLst/>
-          </a:prstGeom>
-          <a:ln w="28575">
-            <a:solidFill>
-              <a:srgbClr val="C00000"/>
-            </a:solidFill>
-            <a:tailEnd type="triangle"/>
-          </a:ln>
-        </p:spPr>
-        <p:style>
-          <a:lnRef idx="1">
-            <a:schemeClr val="accent1"/>
-          </a:lnRef>
-          <a:fillRef idx="0">
-            <a:schemeClr val="accent1"/>
-          </a:fillRef>
-          <a:effectRef idx="0">
-            <a:schemeClr val="accent1"/>
-          </a:effectRef>
-          <a:fontRef idx="minor">
-            <a:schemeClr val="tx1"/>
-          </a:fontRef>
-        </p:style>
-      </p:cxnSp>
       <p:sp>
         <p:nvSpPr>
-          <p:cNvPr id="14" name="Flowchart: Connector 13">
-            <a:extLst>
-              <a:ext uri="{FF2B5EF4-FFF2-40B4-BE49-F238E27FC236}">
-                <a16:creationId xmlns:a16="http://schemas.microsoft.com/office/drawing/2014/main" id="{2A41672E-BFF7-A89D-3A40-3F9D75630226}"/>
+          <p:cNvPr id="3" name="Flowchart: Connector 2">
+            <a:extLst>
+              <a:ext uri="{FF2B5EF4-FFF2-40B4-BE49-F238E27FC236}">
+                <a16:creationId xmlns:a16="http://schemas.microsoft.com/office/drawing/2014/main" id="{C9437FFD-FC9F-5375-39E6-D88AD2BE2F3D}"/>
               </a:ext>
             </a:extLst>
           </p:cNvPr>
@@ -4673,16 +4630,14 @@
         </p:nvSpPr>
         <p:spPr>
           <a:xfrm>
-            <a:off x="5818281" y="3379799"/>
+            <a:off x="5900980" y="1831706"/>
             <a:ext cx="206644" cy="206644"/>
           </a:xfrm>
           <a:prstGeom prst="flowChartConnector">
             <a:avLst/>
           </a:prstGeom>
           <a:solidFill>
-            <a:schemeClr val="accent1">
-              <a:lumMod val="75000"/>
-            </a:schemeClr>
+            <a:srgbClr val="006082"/>
           </a:solidFill>
           <a:ln>
             <a:noFill/>
@@ -4715,10 +4670,10 @@
       </p:sp>
       <p:sp>
         <p:nvSpPr>
-          <p:cNvPr id="17" name="Oval 16">
-            <a:extLst>
-              <a:ext uri="{FF2B5EF4-FFF2-40B4-BE49-F238E27FC236}">
-                <a16:creationId xmlns:a16="http://schemas.microsoft.com/office/drawing/2014/main" id="{E96B0337-1AEC-06B1-FE9D-F75332D03F14}"/>
+          <p:cNvPr id="4" name="Flowchart: Connector 3">
+            <a:extLst>
+              <a:ext uri="{FF2B5EF4-FFF2-40B4-BE49-F238E27FC236}">
+                <a16:creationId xmlns:a16="http://schemas.microsoft.com/office/drawing/2014/main" id="{A22D562B-062A-CD5F-B8DA-5903E56D36C1}"/>
               </a:ext>
             </a:extLst>
           </p:cNvPr>
@@ -4727,20 +4682,17 @@
         </p:nvSpPr>
         <p:spPr>
           <a:xfrm>
-            <a:off x="4309503" y="1797008"/>
-            <a:ext cx="3284236" cy="3284236"/>
-          </a:xfrm>
-          <a:prstGeom prst="ellipse">
+            <a:off x="7000877" y="1831706"/>
+            <a:ext cx="206644" cy="206644"/>
+          </a:xfrm>
+          <a:prstGeom prst="flowChartConnector">
             <a:avLst/>
           </a:prstGeom>
-          <a:noFill/>
-          <a:ln w="28575">
-            <a:solidFill>
-              <a:schemeClr val="tx1">
-                <a:lumMod val="75000"/>
-                <a:lumOff val="25000"/>
-              </a:schemeClr>
-            </a:solidFill>
+          <a:solidFill>
+            <a:srgbClr val="006082"/>
+          </a:solidFill>
+          <a:ln>
+            <a:noFill/>
           </a:ln>
         </p:spPr>
         <p:style>
@@ -4770,10 +4722,10 @@
       </p:sp>
       <p:sp>
         <p:nvSpPr>
-          <p:cNvPr id="18" name="Flowchart: Connector 17">
-            <a:extLst>
-              <a:ext uri="{FF2B5EF4-FFF2-40B4-BE49-F238E27FC236}">
-                <a16:creationId xmlns:a16="http://schemas.microsoft.com/office/drawing/2014/main" id="{A8602923-6EC0-17BA-0AAA-99F8F6E3954E}"/>
+          <p:cNvPr id="5" name="Flowchart: Connector 4">
+            <a:extLst>
+              <a:ext uri="{FF2B5EF4-FFF2-40B4-BE49-F238E27FC236}">
+                <a16:creationId xmlns:a16="http://schemas.microsoft.com/office/drawing/2014/main" id="{74D39E05-C8C1-E68A-B29C-0CD8C1233958}"/>
               </a:ext>
             </a:extLst>
           </p:cNvPr>
@@ -4782,7 +4734,59 @@
         </p:nvSpPr>
         <p:spPr>
           <a:xfrm>
-            <a:off x="7239602" y="1700367"/>
+            <a:off x="5422631" y="2765156"/>
+            <a:ext cx="206644" cy="206644"/>
+          </a:xfrm>
+          <a:prstGeom prst="flowChartConnector">
+            <a:avLst/>
+          </a:prstGeom>
+          <a:solidFill>
+            <a:srgbClr val="006082"/>
+          </a:solidFill>
+          <a:ln>
+            <a:noFill/>
+          </a:ln>
+        </p:spPr>
+        <p:style>
+          <a:lnRef idx="2">
+            <a:schemeClr val="accent1">
+              <a:shade val="50000"/>
+            </a:schemeClr>
+          </a:lnRef>
+          <a:fillRef idx="1">
+            <a:schemeClr val="accent1"/>
+          </a:fillRef>
+          <a:effectRef idx="0">
+            <a:schemeClr val="accent1"/>
+          </a:effectRef>
+          <a:fontRef idx="minor">
+            <a:schemeClr val="lt1"/>
+          </a:fontRef>
+        </p:style>
+        <p:txBody>
+          <a:bodyPr rtlCol="0" anchor="ctr"/>
+          <a:lstStyle/>
+          <a:p>
+            <a:pPr algn="ctr"/>
+            <a:endParaRPr lang="en-US"/>
+          </a:p>
+        </p:txBody>
+      </p:sp>
+      <p:sp>
+        <p:nvSpPr>
+          <p:cNvPr id="7" name="Flowchart: Connector 6">
+            <a:extLst>
+              <a:ext uri="{FF2B5EF4-FFF2-40B4-BE49-F238E27FC236}">
+                <a16:creationId xmlns:a16="http://schemas.microsoft.com/office/drawing/2014/main" id="{BA7C2E02-1483-B689-5588-2276A5BD9BAB}"/>
+              </a:ext>
+            </a:extLst>
+          </p:cNvPr>
+          <p:cNvSpPr/>
+          <p:nvPr/>
+        </p:nvSpPr>
+        <p:spPr>
+          <a:xfrm>
+            <a:off x="6594206" y="4031981"/>
             <a:ext cx="206644" cy="206644"/>
           </a:xfrm>
           <a:prstGeom prst="flowChartConnector">
@@ -4820,1979 +4824,6 @@
           </a:p>
         </p:txBody>
       </p:sp>
-      <p:sp>
-        <p:nvSpPr>
-          <p:cNvPr id="20" name="Flowchart: Connector 19">
-            <a:extLst>
-              <a:ext uri="{FF2B5EF4-FFF2-40B4-BE49-F238E27FC236}">
-                <a16:creationId xmlns:a16="http://schemas.microsoft.com/office/drawing/2014/main" id="{25E22713-05D1-47EE-4B93-0A236167A561}"/>
-              </a:ext>
-            </a:extLst>
-          </p:cNvPr>
-          <p:cNvSpPr/>
-          <p:nvPr/>
-        </p:nvSpPr>
-        <p:spPr>
-          <a:xfrm>
-            <a:off x="4973268" y="1968086"/>
-            <a:ext cx="206644" cy="206644"/>
-          </a:xfrm>
-          <a:prstGeom prst="flowChartConnector">
-            <a:avLst/>
-          </a:prstGeom>
-          <a:solidFill>
-            <a:schemeClr val="accent1">
-              <a:lumMod val="75000"/>
-            </a:schemeClr>
-          </a:solidFill>
-          <a:ln>
-            <a:noFill/>
-          </a:ln>
-        </p:spPr>
-        <p:style>
-          <a:lnRef idx="2">
-            <a:schemeClr val="accent1">
-              <a:shade val="50000"/>
-            </a:schemeClr>
-          </a:lnRef>
-          <a:fillRef idx="1">
-            <a:schemeClr val="accent1"/>
-          </a:fillRef>
-          <a:effectRef idx="0">
-            <a:schemeClr val="accent1"/>
-          </a:effectRef>
-          <a:fontRef idx="minor">
-            <a:schemeClr val="lt1"/>
-          </a:fontRef>
-        </p:style>
-        <p:txBody>
-          <a:bodyPr rtlCol="0" anchor="ctr"/>
-          <a:lstStyle/>
-          <a:p>
-            <a:pPr algn="ctr"/>
-            <a:endParaRPr lang="en-US"/>
-          </a:p>
-        </p:txBody>
-      </p:sp>
-      <p:sp>
-        <p:nvSpPr>
-          <p:cNvPr id="28" name="Flowchart: Connector 27">
-            <a:extLst>
-              <a:ext uri="{FF2B5EF4-FFF2-40B4-BE49-F238E27FC236}">
-                <a16:creationId xmlns:a16="http://schemas.microsoft.com/office/drawing/2014/main" id="{EE189A6E-066F-C1D5-41D0-DDED569CDF25}"/>
-              </a:ext>
-            </a:extLst>
-          </p:cNvPr>
-          <p:cNvSpPr/>
-          <p:nvPr/>
-        </p:nvSpPr>
-        <p:spPr>
-          <a:xfrm>
-            <a:off x="7387095" y="2820774"/>
-            <a:ext cx="206644" cy="206644"/>
-          </a:xfrm>
-          <a:prstGeom prst="flowChartConnector">
-            <a:avLst/>
-          </a:prstGeom>
-          <a:solidFill>
-            <a:schemeClr val="accent1">
-              <a:lumMod val="75000"/>
-            </a:schemeClr>
-          </a:solidFill>
-          <a:ln>
-            <a:noFill/>
-          </a:ln>
-        </p:spPr>
-        <p:style>
-          <a:lnRef idx="2">
-            <a:schemeClr val="accent1">
-              <a:shade val="50000"/>
-            </a:schemeClr>
-          </a:lnRef>
-          <a:fillRef idx="1">
-            <a:schemeClr val="accent1"/>
-          </a:fillRef>
-          <a:effectRef idx="0">
-            <a:schemeClr val="accent1"/>
-          </a:effectRef>
-          <a:fontRef idx="minor">
-            <a:schemeClr val="lt1"/>
-          </a:fontRef>
-        </p:style>
-        <p:txBody>
-          <a:bodyPr rtlCol="0" anchor="ctr"/>
-          <a:lstStyle/>
-          <a:p>
-            <a:pPr algn="ctr"/>
-            <a:endParaRPr lang="en-US"/>
-          </a:p>
-        </p:txBody>
-      </p:sp>
-      <p:sp>
-        <p:nvSpPr>
-          <p:cNvPr id="30" name="Flowchart: Connector 29">
-            <a:extLst>
-              <a:ext uri="{FF2B5EF4-FFF2-40B4-BE49-F238E27FC236}">
-                <a16:creationId xmlns:a16="http://schemas.microsoft.com/office/drawing/2014/main" id="{F742FC09-DBAE-217F-5B21-EF37F89A4396}"/>
-              </a:ext>
-            </a:extLst>
-          </p:cNvPr>
-          <p:cNvSpPr/>
-          <p:nvPr/>
-        </p:nvSpPr>
-        <p:spPr>
-          <a:xfrm>
-            <a:off x="4848995" y="3306739"/>
-            <a:ext cx="206644" cy="206644"/>
-          </a:xfrm>
-          <a:prstGeom prst="flowChartConnector">
-            <a:avLst/>
-          </a:prstGeom>
-          <a:solidFill>
-            <a:schemeClr val="accent1">
-              <a:lumMod val="75000"/>
-            </a:schemeClr>
-          </a:solidFill>
-          <a:ln>
-            <a:noFill/>
-          </a:ln>
-        </p:spPr>
-        <p:style>
-          <a:lnRef idx="2">
-            <a:schemeClr val="accent1">
-              <a:shade val="50000"/>
-            </a:schemeClr>
-          </a:lnRef>
-          <a:fillRef idx="1">
-            <a:schemeClr val="accent1"/>
-          </a:fillRef>
-          <a:effectRef idx="0">
-            <a:schemeClr val="accent1"/>
-          </a:effectRef>
-          <a:fontRef idx="minor">
-            <a:schemeClr val="lt1"/>
-          </a:fontRef>
-        </p:style>
-        <p:txBody>
-          <a:bodyPr rtlCol="0" anchor="ctr"/>
-          <a:lstStyle/>
-          <a:p>
-            <a:pPr algn="ctr"/>
-            <a:endParaRPr lang="en-US"/>
-          </a:p>
-        </p:txBody>
-      </p:sp>
-      <p:sp>
-        <p:nvSpPr>
-          <p:cNvPr id="31" name="Flowchart: Connector 30">
-            <a:extLst>
-              <a:ext uri="{FF2B5EF4-FFF2-40B4-BE49-F238E27FC236}">
-                <a16:creationId xmlns:a16="http://schemas.microsoft.com/office/drawing/2014/main" id="{8B2FB4E6-D624-900B-061C-264FE4A41446}"/>
-              </a:ext>
-            </a:extLst>
-          </p:cNvPr>
-          <p:cNvSpPr/>
-          <p:nvPr/>
-        </p:nvSpPr>
-        <p:spPr>
-          <a:xfrm>
-            <a:off x="6784651" y="3712814"/>
-            <a:ext cx="206644" cy="206644"/>
-          </a:xfrm>
-          <a:prstGeom prst="flowChartConnector">
-            <a:avLst/>
-          </a:prstGeom>
-          <a:solidFill>
-            <a:schemeClr val="accent1">
-              <a:lumMod val="75000"/>
-            </a:schemeClr>
-          </a:solidFill>
-          <a:ln>
-            <a:noFill/>
-          </a:ln>
-        </p:spPr>
-        <p:style>
-          <a:lnRef idx="2">
-            <a:schemeClr val="accent1">
-              <a:shade val="50000"/>
-            </a:schemeClr>
-          </a:lnRef>
-          <a:fillRef idx="1">
-            <a:schemeClr val="accent1"/>
-          </a:fillRef>
-          <a:effectRef idx="0">
-            <a:schemeClr val="accent1"/>
-          </a:effectRef>
-          <a:fontRef idx="minor">
-            <a:schemeClr val="lt1"/>
-          </a:fontRef>
-        </p:style>
-        <p:txBody>
-          <a:bodyPr rtlCol="0" anchor="ctr"/>
-          <a:lstStyle/>
-          <a:p>
-            <a:pPr algn="ctr"/>
-            <a:endParaRPr lang="en-US"/>
-          </a:p>
-        </p:txBody>
-      </p:sp>
-      <p:cxnSp>
-        <p:nvCxnSpPr>
-          <p:cNvPr id="37" name="Straight Arrow Connector 36">
-            <a:extLst>
-              <a:ext uri="{FF2B5EF4-FFF2-40B4-BE49-F238E27FC236}">
-                <a16:creationId xmlns:a16="http://schemas.microsoft.com/office/drawing/2014/main" id="{20E19175-B51C-F1C4-D4E2-AC08BDD0BC8A}"/>
-              </a:ext>
-            </a:extLst>
-          </p:cNvPr>
-          <p:cNvCxnSpPr>
-            <a:cxnSpLocks/>
-            <a:stCxn id="14" idx="1"/>
-          </p:cNvCxnSpPr>
-          <p:nvPr/>
-        </p:nvCxnSpPr>
-        <p:spPr>
-          <a:xfrm flipH="1" flipV="1">
-            <a:off x="5164835" y="2174730"/>
-            <a:ext cx="683708" cy="1235331"/>
-          </a:xfrm>
-          <a:prstGeom prst="straightConnector1">
-            <a:avLst/>
-          </a:prstGeom>
-          <a:ln w="28575">
-            <a:solidFill>
-              <a:schemeClr val="accent1"/>
-            </a:solidFill>
-            <a:tailEnd type="triangle"/>
-          </a:ln>
-        </p:spPr>
-        <p:style>
-          <a:lnRef idx="1">
-            <a:schemeClr val="accent1"/>
-          </a:lnRef>
-          <a:fillRef idx="0">
-            <a:schemeClr val="accent1"/>
-          </a:fillRef>
-          <a:effectRef idx="0">
-            <a:schemeClr val="accent1"/>
-          </a:effectRef>
-          <a:fontRef idx="minor">
-            <a:schemeClr val="tx1"/>
-          </a:fontRef>
-        </p:style>
-      </p:cxnSp>
-      <p:sp>
-        <p:nvSpPr>
-          <p:cNvPr id="46" name="TextBox 45">
-            <a:extLst>
-              <a:ext uri="{FF2B5EF4-FFF2-40B4-BE49-F238E27FC236}">
-                <a16:creationId xmlns:a16="http://schemas.microsoft.com/office/drawing/2014/main" id="{FCFA1159-2DBC-D7A9-B669-D3D3CE02DC64}"/>
-              </a:ext>
-            </a:extLst>
-          </p:cNvPr>
-          <p:cNvSpPr txBox="1"/>
-          <p:nvPr/>
-        </p:nvSpPr>
-        <p:spPr>
-          <a:xfrm rot="3846944">
-            <a:off x="5088667" y="2666885"/>
-            <a:ext cx="1209675" cy="307777"/>
-          </a:xfrm>
-          <a:prstGeom prst="rect">
-            <a:avLst/>
-          </a:prstGeom>
-          <a:noFill/>
-        </p:spPr>
-        <p:txBody>
-          <a:bodyPr wrap="square" rtlCol="0">
-            <a:spAutoFit/>
-          </a:bodyPr>
-          <a:lstStyle/>
-          <a:p>
-            <a:r>
-              <a:rPr lang="en-US" sz="1400" dirty="0"/>
-              <a:t>K-distance</a:t>
-            </a:r>
-          </a:p>
-        </p:txBody>
-      </p:sp>
-      <mc:AlternateContent xmlns:mc="http://schemas.openxmlformats.org/markup-compatibility/2006" xmlns:a14="http://schemas.microsoft.com/office/drawing/2010/main">
-        <mc:Choice Requires="a14">
-          <p:sp>
-            <p:nvSpPr>
-              <p:cNvPr id="47" name="TextBox 46">
-                <a:extLst>
-                  <a:ext uri="{FF2B5EF4-FFF2-40B4-BE49-F238E27FC236}">
-                    <a16:creationId xmlns:a16="http://schemas.microsoft.com/office/drawing/2014/main" id="{44CF99E8-9381-31BA-61F9-2F05573AB83F}"/>
-                  </a:ext>
-                </a:extLst>
-              </p:cNvPr>
-              <p:cNvSpPr txBox="1"/>
-              <p:nvPr/>
-            </p:nvSpPr>
-            <p:spPr>
-              <a:xfrm>
-                <a:off x="5479765" y="4338202"/>
-                <a:ext cx="1029796" cy="555217"/>
-              </a:xfrm>
-              <a:prstGeom prst="rect">
-                <a:avLst/>
-              </a:prstGeom>
-              <a:noFill/>
-            </p:spPr>
-            <p:txBody>
-              <a:bodyPr wrap="square" rtlCol="0">
-                <a:spAutoFit/>
-              </a:bodyPr>
-              <a:lstStyle/>
-              <a:p>
-                <a:pPr/>
-                <a14:m>
-                  <m:oMathPara xmlns:m="http://schemas.openxmlformats.org/officeDocument/2006/math">
-                    <m:oMathParaPr>
-                      <m:jc m:val="centerGroup"/>
-                    </m:oMathParaPr>
-                    <m:oMath xmlns:m="http://schemas.openxmlformats.org/officeDocument/2006/math">
-                      <m:r>
-                        <a:rPr lang="en-US" sz="1400" b="0" i="1" smtClean="0">
-                          <a:latin typeface="Cambria Math" panose="02040503050406030204" pitchFamily="18" charset="0"/>
-                        </a:rPr>
-                        <m:t>𝐾</m:t>
-                      </m:r>
-                      <m:r>
-                        <a:rPr lang="en-US" sz="1400" b="0" i="1" smtClean="0">
-                          <a:latin typeface="Cambria Math" panose="02040503050406030204" pitchFamily="18" charset="0"/>
-                        </a:rPr>
-                        <m:t>=3</m:t>
-                      </m:r>
-                    </m:oMath>
-                  </m:oMathPara>
-                </a14:m>
-                <a:endParaRPr lang="en-US" sz="1400" b="0" dirty="0"/>
-              </a:p>
-              <a:p>
-                <a:pPr/>
-                <a14:m>
-                  <m:oMathPara xmlns:m="http://schemas.openxmlformats.org/officeDocument/2006/math">
-                    <m:oMathParaPr>
-                      <m:jc m:val="centerGroup"/>
-                    </m:oMathParaPr>
-                    <m:oMath xmlns:m="http://schemas.openxmlformats.org/officeDocument/2006/math">
-                      <m:d>
-                        <m:dPr>
-                          <m:begChr m:val="|"/>
-                          <m:endChr m:val="|"/>
-                          <m:ctrlPr>
-                            <a:rPr lang="en-US" sz="1400" i="1" smtClean="0">
-                              <a:latin typeface="Cambria Math" panose="02040503050406030204" pitchFamily="18" charset="0"/>
-                            </a:rPr>
-                          </m:ctrlPr>
-                        </m:dPr>
-                        <m:e>
-                          <m:sSub>
-                            <m:sSubPr>
-                              <m:ctrlPr>
-                                <a:rPr lang="en-US" sz="1400" i="1" smtClean="0">
-                                  <a:latin typeface="Cambria Math" panose="02040503050406030204" pitchFamily="18" charset="0"/>
-                                </a:rPr>
-                              </m:ctrlPr>
-                            </m:sSubPr>
-                            <m:e>
-                              <m:r>
-                                <a:rPr lang="en-US" sz="1400" b="0" i="1" smtClean="0">
-                                  <a:latin typeface="Cambria Math" panose="02040503050406030204" pitchFamily="18" charset="0"/>
-                                </a:rPr>
-                                <m:t>𝑁</m:t>
-                              </m:r>
-                            </m:e>
-                            <m:sub>
-                              <m:r>
-                                <a:rPr lang="en-US" sz="1400" b="0" i="1" smtClean="0">
-                                  <a:latin typeface="Cambria Math" panose="02040503050406030204" pitchFamily="18" charset="0"/>
-                                </a:rPr>
-                                <m:t>𝑝</m:t>
-                              </m:r>
-                            </m:sub>
-                          </m:sSub>
-                        </m:e>
-                      </m:d>
-                      <m:r>
-                        <a:rPr lang="en-US" sz="1400" b="0" i="1" smtClean="0">
-                          <a:latin typeface="Cambria Math" panose="02040503050406030204" pitchFamily="18" charset="0"/>
-                        </a:rPr>
-                        <m:t>=4</m:t>
-                      </m:r>
-                    </m:oMath>
-                  </m:oMathPara>
-                </a14:m>
-                <a:endParaRPr lang="en-US" sz="1400" dirty="0"/>
-              </a:p>
-            </p:txBody>
-          </p:sp>
-        </mc:Choice>
-        <mc:Fallback xmlns="">
-          <p:sp>
-            <p:nvSpPr>
-              <p:cNvPr id="47" name="TextBox 46">
-                <a:extLst>
-                  <a:ext uri="{FF2B5EF4-FFF2-40B4-BE49-F238E27FC236}">
-                    <a16:creationId xmlns:a16="http://schemas.microsoft.com/office/drawing/2014/main" id="{44CF99E8-9381-31BA-61F9-2F05573AB83F}"/>
-                  </a:ext>
-                </a:extLst>
-              </p:cNvPr>
-              <p:cNvSpPr txBox="1">
-                <a:spLocks noRot="1" noChangeAspect="1" noMove="1" noResize="1" noEditPoints="1" noAdjustHandles="1" noChangeArrowheads="1" noChangeShapeType="1" noTextEdit="1"/>
-              </p:cNvSpPr>
-              <p:nvPr/>
-            </p:nvSpPr>
-            <p:spPr>
-              <a:xfrm>
-                <a:off x="5479765" y="4338202"/>
-                <a:ext cx="1029796" cy="555217"/>
-              </a:xfrm>
-              <a:prstGeom prst="rect">
-                <a:avLst/>
-              </a:prstGeom>
-              <a:blipFill>
-                <a:blip r:embed="rId2"/>
-                <a:stretch>
-                  <a:fillRect/>
-                </a:stretch>
-              </a:blipFill>
-            </p:spPr>
-            <p:txBody>
-              <a:bodyPr/>
-              <a:lstStyle/>
-              <a:p>
-                <a:r>
-                  <a:rPr lang="en-US">
-                    <a:noFill/>
-                  </a:rPr>
-                  <a:t> </a:t>
-                </a:r>
-              </a:p>
-            </p:txBody>
-          </p:sp>
-        </mc:Fallback>
-      </mc:AlternateContent>
-      <mc:AlternateContent xmlns:mc="http://schemas.openxmlformats.org/markup-compatibility/2006" xmlns:a14="http://schemas.microsoft.com/office/drawing/2010/main">
-        <mc:Choice Requires="a14">
-          <p:sp>
-            <p:nvSpPr>
-              <p:cNvPr id="48" name="TextBox 47">
-                <a:extLst>
-                  <a:ext uri="{FF2B5EF4-FFF2-40B4-BE49-F238E27FC236}">
-                    <a16:creationId xmlns:a16="http://schemas.microsoft.com/office/drawing/2014/main" id="{F5B11CAA-ECFF-EA2C-5785-7E9096866688}"/>
-                  </a:ext>
-                </a:extLst>
-              </p:cNvPr>
-              <p:cNvSpPr txBox="1"/>
-              <p:nvPr/>
-            </p:nvSpPr>
-            <p:spPr>
-              <a:xfrm>
-                <a:off x="5578703" y="3611681"/>
-                <a:ext cx="685800" cy="307777"/>
-              </a:xfrm>
-              <a:prstGeom prst="rect">
-                <a:avLst/>
-              </a:prstGeom>
-              <a:noFill/>
-            </p:spPr>
-            <p:txBody>
-              <a:bodyPr wrap="square" rtlCol="0">
-                <a:spAutoFit/>
-              </a:bodyPr>
-              <a:lstStyle/>
-              <a:p>
-                <a:pPr/>
-                <a14:m>
-                  <m:oMathPara xmlns:m="http://schemas.openxmlformats.org/officeDocument/2006/math">
-                    <m:oMathParaPr>
-                      <m:jc m:val="centerGroup"/>
-                    </m:oMathParaPr>
-                    <m:oMath xmlns:m="http://schemas.openxmlformats.org/officeDocument/2006/math">
-                      <m:r>
-                        <a:rPr lang="en-US" sz="1400" b="0" i="1" smtClean="0">
-                          <a:latin typeface="Cambria Math" panose="02040503050406030204" pitchFamily="18" charset="0"/>
-                        </a:rPr>
-                        <m:t> </m:t>
-                      </m:r>
-                      <m:sSub>
-                        <m:sSubPr>
-                          <m:ctrlPr>
-                            <a:rPr lang="en-US" sz="1400" b="0" i="1" smtClean="0">
-                              <a:latin typeface="Cambria Math" panose="02040503050406030204" pitchFamily="18" charset="0"/>
-                            </a:rPr>
-                          </m:ctrlPr>
-                        </m:sSubPr>
-                        <m:e>
-                          <m:r>
-                            <a:rPr lang="en-US" sz="1400" b="0" i="1" smtClean="0">
-                              <a:latin typeface="Cambria Math" panose="02040503050406030204" pitchFamily="18" charset="0"/>
-                            </a:rPr>
-                            <m:t>𝑝</m:t>
-                          </m:r>
-                        </m:e>
-                        <m:sub>
-                          <m:r>
-                            <a:rPr lang="en-US" sz="1400" b="0" i="1" smtClean="0">
-                              <a:latin typeface="Cambria Math" panose="02040503050406030204" pitchFamily="18" charset="0"/>
-                            </a:rPr>
-                            <m:t>𝑖</m:t>
-                          </m:r>
-                        </m:sub>
-                      </m:sSub>
-                    </m:oMath>
-                  </m:oMathPara>
-                </a14:m>
-                <a:endParaRPr lang="en-US" sz="1400" dirty="0"/>
-              </a:p>
-            </p:txBody>
-          </p:sp>
-        </mc:Choice>
-        <mc:Fallback xmlns="">
-          <p:sp>
-            <p:nvSpPr>
-              <p:cNvPr id="48" name="TextBox 47">
-                <a:extLst>
-                  <a:ext uri="{FF2B5EF4-FFF2-40B4-BE49-F238E27FC236}">
-                    <a16:creationId xmlns:a16="http://schemas.microsoft.com/office/drawing/2014/main" id="{F5B11CAA-ECFF-EA2C-5785-7E9096866688}"/>
-                  </a:ext>
-                </a:extLst>
-              </p:cNvPr>
-              <p:cNvSpPr txBox="1">
-                <a:spLocks noRot="1" noChangeAspect="1" noMove="1" noResize="1" noEditPoints="1" noAdjustHandles="1" noChangeArrowheads="1" noChangeShapeType="1" noTextEdit="1"/>
-              </p:cNvSpPr>
-              <p:nvPr/>
-            </p:nvSpPr>
-            <p:spPr>
-              <a:xfrm>
-                <a:off x="5578703" y="3611681"/>
-                <a:ext cx="685800" cy="307777"/>
-              </a:xfrm>
-              <a:prstGeom prst="rect">
-                <a:avLst/>
-              </a:prstGeom>
-              <a:blipFill>
-                <a:blip r:embed="rId3"/>
-                <a:stretch>
-                  <a:fillRect/>
-                </a:stretch>
-              </a:blipFill>
-            </p:spPr>
-            <p:txBody>
-              <a:bodyPr/>
-              <a:lstStyle/>
-              <a:p>
-                <a:r>
-                  <a:rPr lang="en-US">
-                    <a:noFill/>
-                  </a:rPr>
-                  <a:t> </a:t>
-                </a:r>
-              </a:p>
-            </p:txBody>
-          </p:sp>
-        </mc:Fallback>
-      </mc:AlternateContent>
-      <mc:AlternateContent xmlns:mc="http://schemas.openxmlformats.org/markup-compatibility/2006" xmlns:a14="http://schemas.microsoft.com/office/drawing/2010/main">
-        <mc:Choice Requires="a14">
-          <p:sp>
-            <p:nvSpPr>
-              <p:cNvPr id="49" name="TextBox 48">
-                <a:extLst>
-                  <a:ext uri="{FF2B5EF4-FFF2-40B4-BE49-F238E27FC236}">
-                    <a16:creationId xmlns:a16="http://schemas.microsoft.com/office/drawing/2014/main" id="{0428F3D8-382C-85CD-81AA-B98DA6002B71}"/>
-                  </a:ext>
-                </a:extLst>
-              </p:cNvPr>
-              <p:cNvSpPr txBox="1"/>
-              <p:nvPr/>
-            </p:nvSpPr>
-            <p:spPr>
-              <a:xfrm>
-                <a:off x="7239602" y="1419429"/>
-                <a:ext cx="685800" cy="325089"/>
-              </a:xfrm>
-              <a:prstGeom prst="rect">
-                <a:avLst/>
-              </a:prstGeom>
-              <a:noFill/>
-            </p:spPr>
-            <p:txBody>
-              <a:bodyPr wrap="square" rtlCol="0">
-                <a:spAutoFit/>
-              </a:bodyPr>
-              <a:lstStyle/>
-              <a:p>
-                <a:pPr/>
-                <a14:m>
-                  <m:oMathPara xmlns:m="http://schemas.openxmlformats.org/officeDocument/2006/math">
-                    <m:oMathParaPr>
-                      <m:jc m:val="centerGroup"/>
-                    </m:oMathParaPr>
-                    <m:oMath xmlns:m="http://schemas.openxmlformats.org/officeDocument/2006/math">
-                      <m:r>
-                        <a:rPr lang="en-US" sz="1400" b="0" i="1" smtClean="0">
-                          <a:latin typeface="Cambria Math" panose="02040503050406030204" pitchFamily="18" charset="0"/>
-                        </a:rPr>
-                        <m:t> </m:t>
-                      </m:r>
-                      <m:sSub>
-                        <m:sSubPr>
-                          <m:ctrlPr>
-                            <a:rPr lang="en-US" sz="1400" b="0" i="1" smtClean="0">
-                              <a:latin typeface="Cambria Math" panose="02040503050406030204" pitchFamily="18" charset="0"/>
-                            </a:rPr>
-                          </m:ctrlPr>
-                        </m:sSubPr>
-                        <m:e>
-                          <m:r>
-                            <a:rPr lang="en-US" sz="1400" b="0" i="1" smtClean="0">
-                              <a:latin typeface="Cambria Math" panose="02040503050406030204" pitchFamily="18" charset="0"/>
-                            </a:rPr>
-                            <m:t>𝑝</m:t>
-                          </m:r>
-                        </m:e>
-                        <m:sub>
-                          <m:r>
-                            <a:rPr lang="en-US" sz="1400" b="0" i="1" smtClean="0">
-                              <a:latin typeface="Cambria Math" panose="02040503050406030204" pitchFamily="18" charset="0"/>
-                            </a:rPr>
-                            <m:t>𝑗</m:t>
-                          </m:r>
-                        </m:sub>
-                      </m:sSub>
-                    </m:oMath>
-                  </m:oMathPara>
-                </a14:m>
-                <a:endParaRPr lang="en-US" sz="1400" dirty="0"/>
-              </a:p>
-            </p:txBody>
-          </p:sp>
-        </mc:Choice>
-        <mc:Fallback xmlns="">
-          <p:sp>
-            <p:nvSpPr>
-              <p:cNvPr id="49" name="TextBox 48">
-                <a:extLst>
-                  <a:ext uri="{FF2B5EF4-FFF2-40B4-BE49-F238E27FC236}">
-                    <a16:creationId xmlns:a16="http://schemas.microsoft.com/office/drawing/2014/main" id="{0428F3D8-382C-85CD-81AA-B98DA6002B71}"/>
-                  </a:ext>
-                </a:extLst>
-              </p:cNvPr>
-              <p:cNvSpPr txBox="1">
-                <a:spLocks noRot="1" noChangeAspect="1" noMove="1" noResize="1" noEditPoints="1" noAdjustHandles="1" noChangeArrowheads="1" noChangeShapeType="1" noTextEdit="1"/>
-              </p:cNvSpPr>
-              <p:nvPr/>
-            </p:nvSpPr>
-            <p:spPr>
-              <a:xfrm>
-                <a:off x="7239602" y="1419429"/>
-                <a:ext cx="685800" cy="325089"/>
-              </a:xfrm>
-              <a:prstGeom prst="rect">
-                <a:avLst/>
-              </a:prstGeom>
-              <a:blipFill>
-                <a:blip r:embed="rId4"/>
-                <a:stretch>
-                  <a:fillRect b="-3774"/>
-                </a:stretch>
-              </a:blipFill>
-            </p:spPr>
-            <p:txBody>
-              <a:bodyPr/>
-              <a:lstStyle/>
-              <a:p>
-                <a:r>
-                  <a:rPr lang="en-US">
-                    <a:noFill/>
-                  </a:rPr>
-                  <a:t> </a:t>
-                </a:r>
-              </a:p>
-            </p:txBody>
-          </p:sp>
-        </mc:Fallback>
-      </mc:AlternateContent>
-      <mc:AlternateContent xmlns:mc="http://schemas.openxmlformats.org/markup-compatibility/2006" xmlns:a14="http://schemas.microsoft.com/office/drawing/2010/main">
-        <mc:Choice Requires="a14">
-          <p:sp>
-            <p:nvSpPr>
-              <p:cNvPr id="50" name="TextBox 49">
-                <a:extLst>
-                  <a:ext uri="{FF2B5EF4-FFF2-40B4-BE49-F238E27FC236}">
-                    <a16:creationId xmlns:a16="http://schemas.microsoft.com/office/drawing/2014/main" id="{AE220249-72BE-2127-D0A8-D9BB67763BCA}"/>
-                  </a:ext>
-                </a:extLst>
-              </p:cNvPr>
-              <p:cNvSpPr txBox="1"/>
-              <p:nvPr/>
-            </p:nvSpPr>
-            <p:spPr>
-              <a:xfrm>
-                <a:off x="4677723" y="1539675"/>
-                <a:ext cx="685800" cy="325089"/>
-              </a:xfrm>
-              <a:prstGeom prst="rect">
-                <a:avLst/>
-              </a:prstGeom>
-              <a:noFill/>
-            </p:spPr>
-            <p:txBody>
-              <a:bodyPr wrap="square" rtlCol="0">
-                <a:spAutoFit/>
-              </a:bodyPr>
-              <a:lstStyle/>
-              <a:p>
-                <a:pPr/>
-                <a14:m>
-                  <m:oMathPara xmlns:m="http://schemas.openxmlformats.org/officeDocument/2006/math">
-                    <m:oMathParaPr>
-                      <m:jc m:val="centerGroup"/>
-                    </m:oMathParaPr>
-                    <m:oMath xmlns:m="http://schemas.openxmlformats.org/officeDocument/2006/math">
-                      <m:r>
-                        <a:rPr lang="en-US" sz="1400" b="0" i="1" smtClean="0">
-                          <a:latin typeface="Cambria Math" panose="02040503050406030204" pitchFamily="18" charset="0"/>
-                        </a:rPr>
-                        <m:t> </m:t>
-                      </m:r>
-                      <m:sSub>
-                        <m:sSubPr>
-                          <m:ctrlPr>
-                            <a:rPr lang="en-US" sz="1400" b="0" i="1" smtClean="0">
-                              <a:latin typeface="Cambria Math" panose="02040503050406030204" pitchFamily="18" charset="0"/>
-                            </a:rPr>
-                          </m:ctrlPr>
-                        </m:sSubPr>
-                        <m:e>
-                          <m:r>
-                            <a:rPr lang="en-US" sz="1400" b="0" i="1" smtClean="0">
-                              <a:latin typeface="Cambria Math" panose="02040503050406030204" pitchFamily="18" charset="0"/>
-                            </a:rPr>
-                            <m:t>𝑝</m:t>
-                          </m:r>
-                        </m:e>
-                        <m:sub>
-                          <m:r>
-                            <a:rPr lang="en-US" sz="1400" b="0" i="1" smtClean="0">
-                              <a:latin typeface="Cambria Math" panose="02040503050406030204" pitchFamily="18" charset="0"/>
-                            </a:rPr>
-                            <m:t>𝑗</m:t>
-                          </m:r>
-                        </m:sub>
-                      </m:sSub>
-                    </m:oMath>
-                  </m:oMathPara>
-                </a14:m>
-                <a:endParaRPr lang="en-US" sz="1400" dirty="0"/>
-              </a:p>
-            </p:txBody>
-          </p:sp>
-        </mc:Choice>
-        <mc:Fallback xmlns="">
-          <p:sp>
-            <p:nvSpPr>
-              <p:cNvPr id="50" name="TextBox 49">
-                <a:extLst>
-                  <a:ext uri="{FF2B5EF4-FFF2-40B4-BE49-F238E27FC236}">
-                    <a16:creationId xmlns:a16="http://schemas.microsoft.com/office/drawing/2014/main" id="{AE220249-72BE-2127-D0A8-D9BB67763BCA}"/>
-                  </a:ext>
-                </a:extLst>
-              </p:cNvPr>
-              <p:cNvSpPr txBox="1">
-                <a:spLocks noRot="1" noChangeAspect="1" noMove="1" noResize="1" noEditPoints="1" noAdjustHandles="1" noChangeArrowheads="1" noChangeShapeType="1" noTextEdit="1"/>
-              </p:cNvSpPr>
-              <p:nvPr/>
-            </p:nvSpPr>
-            <p:spPr>
-              <a:xfrm>
-                <a:off x="4677723" y="1539675"/>
-                <a:ext cx="685800" cy="325089"/>
-              </a:xfrm>
-              <a:prstGeom prst="rect">
-                <a:avLst/>
-              </a:prstGeom>
-              <a:blipFill>
-                <a:blip r:embed="rId5"/>
-                <a:stretch>
-                  <a:fillRect b="-3774"/>
-                </a:stretch>
-              </a:blipFill>
-            </p:spPr>
-            <p:txBody>
-              <a:bodyPr/>
-              <a:lstStyle/>
-              <a:p>
-                <a:r>
-                  <a:rPr lang="en-US">
-                    <a:noFill/>
-                  </a:rPr>
-                  <a:t> </a:t>
-                </a:r>
-              </a:p>
-            </p:txBody>
-          </p:sp>
-        </mc:Fallback>
-      </mc:AlternateContent>
-      <mc:AlternateContent xmlns:mc="http://schemas.openxmlformats.org/markup-compatibility/2006" xmlns:a14="http://schemas.microsoft.com/office/drawing/2010/main">
-        <mc:Choice Requires="a14">
-          <p:sp>
-            <p:nvSpPr>
-              <p:cNvPr id="51" name="TextBox 50">
-                <a:extLst>
-                  <a:ext uri="{FF2B5EF4-FFF2-40B4-BE49-F238E27FC236}">
-                    <a16:creationId xmlns:a16="http://schemas.microsoft.com/office/drawing/2014/main" id="{8688C9EE-437D-85B9-056B-98564773D476}"/>
-                  </a:ext>
-                </a:extLst>
-              </p:cNvPr>
-              <p:cNvSpPr txBox="1"/>
-              <p:nvPr/>
-            </p:nvSpPr>
-            <p:spPr>
-              <a:xfrm rot="18545252">
-                <a:off x="6000702" y="2386156"/>
-                <a:ext cx="964705" cy="325089"/>
-              </a:xfrm>
-              <a:prstGeom prst="rect">
-                <a:avLst/>
-              </a:prstGeom>
-              <a:noFill/>
-            </p:spPr>
-            <p:txBody>
-              <a:bodyPr wrap="square" rtlCol="0">
-                <a:spAutoFit/>
-              </a:bodyPr>
-              <a:lstStyle/>
-              <a:p>
-                <a14:m>
-                  <m:oMath xmlns:m="http://schemas.openxmlformats.org/officeDocument/2006/math">
-                    <m:r>
-                      <a:rPr lang="en-US" sz="1400" b="0" i="1" smtClean="0">
-                        <a:latin typeface="Cambria Math" panose="02040503050406030204" pitchFamily="18" charset="0"/>
-                      </a:rPr>
-                      <m:t>𝑑</m:t>
-                    </m:r>
-                    <m:r>
-                      <a:rPr lang="en-US" sz="1400" b="0" i="1" smtClean="0">
-                        <a:latin typeface="Cambria Math" panose="02040503050406030204" pitchFamily="18" charset="0"/>
-                      </a:rPr>
-                      <m:t>(</m:t>
-                    </m:r>
-                    <m:sSub>
-                      <m:sSubPr>
-                        <m:ctrlPr>
-                          <a:rPr lang="en-US" sz="1400" b="0" i="1" smtClean="0">
-                            <a:latin typeface="Cambria Math" panose="02040503050406030204" pitchFamily="18" charset="0"/>
-                          </a:rPr>
-                        </m:ctrlPr>
-                      </m:sSubPr>
-                      <m:e>
-                        <m:r>
-                          <a:rPr lang="en-US" sz="1400" b="0" i="1" smtClean="0">
-                            <a:latin typeface="Cambria Math" panose="02040503050406030204" pitchFamily="18" charset="0"/>
-                          </a:rPr>
-                          <m:t>𝑝</m:t>
-                        </m:r>
-                      </m:e>
-                      <m:sub>
-                        <m:r>
-                          <a:rPr lang="en-US" sz="1400" b="0" i="1" smtClean="0">
-                            <a:latin typeface="Cambria Math" panose="02040503050406030204" pitchFamily="18" charset="0"/>
-                          </a:rPr>
-                          <m:t>𝑖</m:t>
-                        </m:r>
-                      </m:sub>
-                    </m:sSub>
-                    <m:r>
-                      <a:rPr lang="en-US" sz="1400" b="0" i="1" smtClean="0">
-                        <a:latin typeface="Cambria Math" panose="02040503050406030204" pitchFamily="18" charset="0"/>
-                      </a:rPr>
-                      <m:t>,</m:t>
-                    </m:r>
-                    <m:sSub>
-                      <m:sSubPr>
-                        <m:ctrlPr>
-                          <a:rPr lang="en-US" sz="1400" b="0" i="1" smtClean="0">
-                            <a:latin typeface="Cambria Math" panose="02040503050406030204" pitchFamily="18" charset="0"/>
-                          </a:rPr>
-                        </m:ctrlPr>
-                      </m:sSubPr>
-                      <m:e>
-                        <m:r>
-                          <a:rPr lang="en-US" sz="1400" b="0" i="1" smtClean="0">
-                            <a:latin typeface="Cambria Math" panose="02040503050406030204" pitchFamily="18" charset="0"/>
-                          </a:rPr>
-                          <m:t>𝑝</m:t>
-                        </m:r>
-                      </m:e>
-                      <m:sub>
-                        <m:r>
-                          <a:rPr lang="en-US" sz="1400" b="0" i="1" smtClean="0">
-                            <a:latin typeface="Cambria Math" panose="02040503050406030204" pitchFamily="18" charset="0"/>
-                          </a:rPr>
-                          <m:t>𝑗</m:t>
-                        </m:r>
-                      </m:sub>
-                    </m:sSub>
-                  </m:oMath>
-                </a14:m>
-                <a:r>
-                  <a:rPr lang="en-US" sz="1400" dirty="0"/>
-                  <a:t>)</a:t>
-                </a:r>
-              </a:p>
-            </p:txBody>
-          </p:sp>
-        </mc:Choice>
-        <mc:Fallback xmlns="">
-          <p:sp>
-            <p:nvSpPr>
-              <p:cNvPr id="51" name="TextBox 50">
-                <a:extLst>
-                  <a:ext uri="{FF2B5EF4-FFF2-40B4-BE49-F238E27FC236}">
-                    <a16:creationId xmlns:a16="http://schemas.microsoft.com/office/drawing/2014/main" id="{8688C9EE-437D-85B9-056B-98564773D476}"/>
-                  </a:ext>
-                </a:extLst>
-              </p:cNvPr>
-              <p:cNvSpPr txBox="1">
-                <a:spLocks noRot="1" noChangeAspect="1" noMove="1" noResize="1" noEditPoints="1" noAdjustHandles="1" noChangeArrowheads="1" noChangeShapeType="1" noTextEdit="1"/>
-              </p:cNvSpPr>
-              <p:nvPr/>
-            </p:nvSpPr>
-            <p:spPr>
-              <a:xfrm rot="18545252">
-                <a:off x="6000702" y="2386156"/>
-                <a:ext cx="964705" cy="325089"/>
-              </a:xfrm>
-              <a:prstGeom prst="rect">
-                <a:avLst/>
-              </a:prstGeom>
-              <a:blipFill>
-                <a:blip r:embed="rId6"/>
-                <a:stretch>
-                  <a:fillRect/>
-                </a:stretch>
-              </a:blipFill>
-            </p:spPr>
-            <p:txBody>
-              <a:bodyPr/>
-              <a:lstStyle/>
-              <a:p>
-                <a:r>
-                  <a:rPr lang="en-US">
-                    <a:noFill/>
-                  </a:rPr>
-                  <a:t> </a:t>
-                </a:r>
-              </a:p>
-            </p:txBody>
-          </p:sp>
-        </mc:Fallback>
-      </mc:AlternateContent>
-    </p:spTree>
-    <p:extLst>
-      <p:ext uri="{BB962C8B-B14F-4D97-AF65-F5344CB8AC3E}">
-        <p14:creationId xmlns:p14="http://schemas.microsoft.com/office/powerpoint/2010/main" val="2200623199"/>
-      </p:ext>
-    </p:extLst>
-  </p:cSld>
-  <p:clrMapOvr>
-    <a:masterClrMapping/>
-  </p:clrMapOvr>
-</p:sld>
-</file>
-
-<file path=ppt/slides/slide11.xml><?xml version="1.0" encoding="utf-8"?>
-<p:sld xmlns:a="http://schemas.openxmlformats.org/drawingml/2006/main" xmlns:r="http://schemas.openxmlformats.org/officeDocument/2006/relationships" xmlns:p="http://schemas.openxmlformats.org/presentationml/2006/main">
-  <p:cSld>
-    <p:spTree>
-      <p:nvGrpSpPr>
-        <p:cNvPr id="1" name=""/>
-        <p:cNvGrpSpPr/>
-        <p:nvPr/>
-      </p:nvGrpSpPr>
-      <p:grpSpPr>
-        <a:xfrm>
-          <a:off x="0" y="0"/>
-          <a:ext cx="0" cy="0"/>
-          <a:chOff x="0" y="0"/>
-          <a:chExt cx="0" cy="0"/>
-        </a:xfrm>
-      </p:grpSpPr>
-      <p:sp>
-        <p:nvSpPr>
-          <p:cNvPr id="2" name="Flowchart: Connector 1">
-            <a:extLst>
-              <a:ext uri="{FF2B5EF4-FFF2-40B4-BE49-F238E27FC236}">
-                <a16:creationId xmlns:a16="http://schemas.microsoft.com/office/drawing/2014/main" id="{C5BE3978-8C76-18A8-9536-0440D2FED837}"/>
-              </a:ext>
-            </a:extLst>
-          </p:cNvPr>
-          <p:cNvSpPr/>
-          <p:nvPr/>
-        </p:nvSpPr>
-        <p:spPr>
-          <a:xfrm>
-            <a:off x="5992678" y="938334"/>
-            <a:ext cx="206644" cy="206644"/>
-          </a:xfrm>
-          <a:prstGeom prst="flowChartConnector">
-            <a:avLst/>
-          </a:prstGeom>
-          <a:solidFill>
-            <a:schemeClr val="accent1">
-              <a:lumMod val="75000"/>
-            </a:schemeClr>
-          </a:solidFill>
-          <a:ln>
-            <a:noFill/>
-          </a:ln>
-        </p:spPr>
-        <p:style>
-          <a:lnRef idx="2">
-            <a:schemeClr val="accent1">
-              <a:shade val="50000"/>
-            </a:schemeClr>
-          </a:lnRef>
-          <a:fillRef idx="1">
-            <a:schemeClr val="accent1"/>
-          </a:fillRef>
-          <a:effectRef idx="0">
-            <a:schemeClr val="accent1"/>
-          </a:effectRef>
-          <a:fontRef idx="minor">
-            <a:schemeClr val="lt1"/>
-          </a:fontRef>
-        </p:style>
-        <p:txBody>
-          <a:bodyPr rtlCol="0" anchor="ctr"/>
-          <a:lstStyle/>
-          <a:p>
-            <a:pPr algn="ctr"/>
-            <a:endParaRPr lang="en-US"/>
-          </a:p>
-        </p:txBody>
-      </p:sp>
-      <p:sp>
-        <p:nvSpPr>
-          <p:cNvPr id="3" name="Flowchart: Connector 2">
-            <a:extLst>
-              <a:ext uri="{FF2B5EF4-FFF2-40B4-BE49-F238E27FC236}">
-                <a16:creationId xmlns:a16="http://schemas.microsoft.com/office/drawing/2014/main" id="{8C920299-3AB6-C83B-5484-22FD42F98776}"/>
-              </a:ext>
-            </a:extLst>
-          </p:cNvPr>
-          <p:cNvSpPr/>
-          <p:nvPr/>
-        </p:nvSpPr>
-        <p:spPr>
-          <a:xfrm>
-            <a:off x="4992553" y="1871784"/>
-            <a:ext cx="206644" cy="206644"/>
-          </a:xfrm>
-          <a:prstGeom prst="flowChartConnector">
-            <a:avLst/>
-          </a:prstGeom>
-          <a:solidFill>
-            <a:schemeClr val="accent1">
-              <a:lumMod val="75000"/>
-            </a:schemeClr>
-          </a:solidFill>
-          <a:ln>
-            <a:noFill/>
-          </a:ln>
-        </p:spPr>
-        <p:style>
-          <a:lnRef idx="2">
-            <a:schemeClr val="accent1">
-              <a:shade val="50000"/>
-            </a:schemeClr>
-          </a:lnRef>
-          <a:fillRef idx="1">
-            <a:schemeClr val="accent1"/>
-          </a:fillRef>
-          <a:effectRef idx="0">
-            <a:schemeClr val="accent1"/>
-          </a:effectRef>
-          <a:fontRef idx="minor">
-            <a:schemeClr val="lt1"/>
-          </a:fontRef>
-        </p:style>
-        <p:txBody>
-          <a:bodyPr rtlCol="0" anchor="ctr"/>
-          <a:lstStyle/>
-          <a:p>
-            <a:pPr algn="ctr"/>
-            <a:endParaRPr lang="en-US"/>
-          </a:p>
-        </p:txBody>
-      </p:sp>
-      <p:sp>
-        <p:nvSpPr>
-          <p:cNvPr id="4" name="Flowchart: Connector 3">
-            <a:extLst>
-              <a:ext uri="{FF2B5EF4-FFF2-40B4-BE49-F238E27FC236}">
-                <a16:creationId xmlns:a16="http://schemas.microsoft.com/office/drawing/2014/main" id="{5B71FA88-5E29-A5F6-778D-4B54BEB0EDCF}"/>
-              </a:ext>
-            </a:extLst>
-          </p:cNvPr>
-          <p:cNvSpPr/>
-          <p:nvPr/>
-        </p:nvSpPr>
-        <p:spPr>
-          <a:xfrm>
-            <a:off x="6992805" y="1871784"/>
-            <a:ext cx="206644" cy="206644"/>
-          </a:xfrm>
-          <a:prstGeom prst="flowChartConnector">
-            <a:avLst/>
-          </a:prstGeom>
-          <a:solidFill>
-            <a:srgbClr val="C00000"/>
-          </a:solidFill>
-          <a:ln>
-            <a:noFill/>
-          </a:ln>
-        </p:spPr>
-        <p:style>
-          <a:lnRef idx="2">
-            <a:schemeClr val="accent1">
-              <a:shade val="50000"/>
-            </a:schemeClr>
-          </a:lnRef>
-          <a:fillRef idx="1">
-            <a:schemeClr val="accent1"/>
-          </a:fillRef>
-          <a:effectRef idx="0">
-            <a:schemeClr val="accent1"/>
-          </a:effectRef>
-          <a:fontRef idx="minor">
-            <a:schemeClr val="lt1"/>
-          </a:fontRef>
-        </p:style>
-        <p:txBody>
-          <a:bodyPr rtlCol="0" anchor="ctr"/>
-          <a:lstStyle/>
-          <a:p>
-            <a:pPr algn="ctr"/>
-            <a:endParaRPr lang="en-US"/>
-          </a:p>
-        </p:txBody>
-      </p:sp>
-      <p:sp>
-        <p:nvSpPr>
-          <p:cNvPr id="5" name="Flowchart: Connector 4">
-            <a:extLst>
-              <a:ext uri="{FF2B5EF4-FFF2-40B4-BE49-F238E27FC236}">
-                <a16:creationId xmlns:a16="http://schemas.microsoft.com/office/drawing/2014/main" id="{6719CCAF-248F-011A-083E-167FE7CECEBF}"/>
-              </a:ext>
-            </a:extLst>
-          </p:cNvPr>
-          <p:cNvSpPr/>
-          <p:nvPr/>
-        </p:nvSpPr>
-        <p:spPr>
-          <a:xfrm>
-            <a:off x="4445035" y="2509959"/>
-            <a:ext cx="206644" cy="206644"/>
-          </a:xfrm>
-          <a:prstGeom prst="flowChartConnector">
-            <a:avLst/>
-          </a:prstGeom>
-          <a:solidFill>
-            <a:schemeClr val="accent1">
-              <a:lumMod val="75000"/>
-            </a:schemeClr>
-          </a:solidFill>
-          <a:ln>
-            <a:noFill/>
-          </a:ln>
-        </p:spPr>
-        <p:style>
-          <a:lnRef idx="2">
-            <a:schemeClr val="accent1">
-              <a:shade val="50000"/>
-            </a:schemeClr>
-          </a:lnRef>
-          <a:fillRef idx="1">
-            <a:schemeClr val="accent1"/>
-          </a:fillRef>
-          <a:effectRef idx="0">
-            <a:schemeClr val="accent1"/>
-          </a:effectRef>
-          <a:fontRef idx="minor">
-            <a:schemeClr val="lt1"/>
-          </a:fontRef>
-        </p:style>
-        <p:txBody>
-          <a:bodyPr rtlCol="0" anchor="ctr"/>
-          <a:lstStyle/>
-          <a:p>
-            <a:pPr algn="ctr"/>
-            <a:endParaRPr lang="en-US"/>
-          </a:p>
-        </p:txBody>
-      </p:sp>
-      <p:sp>
-        <p:nvSpPr>
-          <p:cNvPr id="6" name="Flowchart: Connector 5">
-            <a:extLst>
-              <a:ext uri="{FF2B5EF4-FFF2-40B4-BE49-F238E27FC236}">
-                <a16:creationId xmlns:a16="http://schemas.microsoft.com/office/drawing/2014/main" id="{316E624C-090D-CF37-DD80-30C96DE11D65}"/>
-              </a:ext>
-            </a:extLst>
-          </p:cNvPr>
-          <p:cNvSpPr/>
-          <p:nvPr/>
-        </p:nvSpPr>
-        <p:spPr>
-          <a:xfrm>
-            <a:off x="5496483" y="2511646"/>
-            <a:ext cx="206644" cy="206644"/>
-          </a:xfrm>
-          <a:prstGeom prst="flowChartConnector">
-            <a:avLst/>
-          </a:prstGeom>
-          <a:solidFill>
-            <a:srgbClr val="C00000"/>
-          </a:solidFill>
-          <a:ln>
-            <a:noFill/>
-          </a:ln>
-        </p:spPr>
-        <p:style>
-          <a:lnRef idx="2">
-            <a:schemeClr val="accent1">
-              <a:shade val="50000"/>
-            </a:schemeClr>
-          </a:lnRef>
-          <a:fillRef idx="1">
-            <a:schemeClr val="accent1"/>
-          </a:fillRef>
-          <a:effectRef idx="0">
-            <a:schemeClr val="accent1"/>
-          </a:effectRef>
-          <a:fontRef idx="minor">
-            <a:schemeClr val="lt1"/>
-          </a:fontRef>
-        </p:style>
-        <p:txBody>
-          <a:bodyPr rtlCol="0" anchor="ctr"/>
-          <a:lstStyle/>
-          <a:p>
-            <a:pPr algn="ctr"/>
-            <a:endParaRPr lang="en-US"/>
-          </a:p>
-        </p:txBody>
-      </p:sp>
-      <p:sp>
-        <p:nvSpPr>
-          <p:cNvPr id="7" name="Flowchart: Connector 6">
-            <a:extLst>
-              <a:ext uri="{FF2B5EF4-FFF2-40B4-BE49-F238E27FC236}">
-                <a16:creationId xmlns:a16="http://schemas.microsoft.com/office/drawing/2014/main" id="{1AF7857C-33FD-7462-9669-405959536EBF}"/>
-              </a:ext>
-            </a:extLst>
-          </p:cNvPr>
-          <p:cNvSpPr/>
-          <p:nvPr/>
-        </p:nvSpPr>
-        <p:spPr>
-          <a:xfrm>
-            <a:off x="4028841" y="3222356"/>
-            <a:ext cx="206644" cy="206644"/>
-          </a:xfrm>
-          <a:prstGeom prst="flowChartConnector">
-            <a:avLst/>
-          </a:prstGeom>
-          <a:solidFill>
-            <a:schemeClr val="accent1">
-              <a:lumMod val="75000"/>
-            </a:schemeClr>
-          </a:solidFill>
-          <a:ln>
-            <a:noFill/>
-          </a:ln>
-        </p:spPr>
-        <p:style>
-          <a:lnRef idx="2">
-            <a:schemeClr val="accent1">
-              <a:shade val="50000"/>
-            </a:schemeClr>
-          </a:lnRef>
-          <a:fillRef idx="1">
-            <a:schemeClr val="accent1"/>
-          </a:fillRef>
-          <a:effectRef idx="0">
-            <a:schemeClr val="accent1"/>
-          </a:effectRef>
-          <a:fontRef idx="minor">
-            <a:schemeClr val="lt1"/>
-          </a:fontRef>
-        </p:style>
-        <p:txBody>
-          <a:bodyPr rtlCol="0" anchor="ctr"/>
-          <a:lstStyle/>
-          <a:p>
-            <a:pPr algn="ctr"/>
-            <a:endParaRPr lang="en-US"/>
-          </a:p>
-        </p:txBody>
-      </p:sp>
-      <p:sp>
-        <p:nvSpPr>
-          <p:cNvPr id="8" name="Flowchart: Connector 7">
-            <a:extLst>
-              <a:ext uri="{FF2B5EF4-FFF2-40B4-BE49-F238E27FC236}">
-                <a16:creationId xmlns:a16="http://schemas.microsoft.com/office/drawing/2014/main" id="{704C0908-9096-E630-67C1-A61D0F4DF7C3}"/>
-              </a:ext>
-            </a:extLst>
-          </p:cNvPr>
-          <p:cNvSpPr/>
-          <p:nvPr/>
-        </p:nvSpPr>
-        <p:spPr>
-          <a:xfrm>
-            <a:off x="4889231" y="3222356"/>
-            <a:ext cx="206644" cy="206644"/>
-          </a:xfrm>
-          <a:prstGeom prst="flowChartConnector">
-            <a:avLst/>
-          </a:prstGeom>
-          <a:solidFill>
-            <a:schemeClr val="accent1">
-              <a:lumMod val="75000"/>
-            </a:schemeClr>
-          </a:solidFill>
-          <a:ln>
-            <a:noFill/>
-          </a:ln>
-        </p:spPr>
-        <p:style>
-          <a:lnRef idx="2">
-            <a:schemeClr val="accent1">
-              <a:shade val="50000"/>
-            </a:schemeClr>
-          </a:lnRef>
-          <a:fillRef idx="1">
-            <a:schemeClr val="accent1"/>
-          </a:fillRef>
-          <a:effectRef idx="0">
-            <a:schemeClr val="accent1"/>
-          </a:effectRef>
-          <a:fontRef idx="minor">
-            <a:schemeClr val="lt1"/>
-          </a:fontRef>
-        </p:style>
-        <p:txBody>
-          <a:bodyPr rtlCol="0" anchor="ctr"/>
-          <a:lstStyle/>
-          <a:p>
-            <a:pPr algn="ctr"/>
-            <a:endParaRPr lang="en-US"/>
-          </a:p>
-        </p:txBody>
-      </p:sp>
-      <p:cxnSp>
-        <p:nvCxnSpPr>
-          <p:cNvPr id="10" name="Straight Arrow Connector 9">
-            <a:extLst>
-              <a:ext uri="{FF2B5EF4-FFF2-40B4-BE49-F238E27FC236}">
-                <a16:creationId xmlns:a16="http://schemas.microsoft.com/office/drawing/2014/main" id="{0FD6D683-EE57-9D4C-EA42-CD62A933B35B}"/>
-              </a:ext>
-            </a:extLst>
-          </p:cNvPr>
-          <p:cNvCxnSpPr>
-            <a:cxnSpLocks/>
-            <a:stCxn id="2" idx="4"/>
-            <a:endCxn id="3" idx="7"/>
-          </p:cNvCxnSpPr>
-          <p:nvPr/>
-        </p:nvCxnSpPr>
-        <p:spPr>
-          <a:xfrm flipH="1">
-            <a:off x="5168935" y="1144978"/>
-            <a:ext cx="927065" cy="757068"/>
-          </a:xfrm>
-          <a:prstGeom prst="straightConnector1">
-            <a:avLst/>
-          </a:prstGeom>
-          <a:ln w="12700">
-            <a:solidFill>
-              <a:schemeClr val="accent1">
-                <a:lumMod val="50000"/>
-              </a:schemeClr>
-            </a:solidFill>
-            <a:tailEnd type="triangle"/>
-          </a:ln>
-        </p:spPr>
-        <p:style>
-          <a:lnRef idx="1">
-            <a:schemeClr val="accent1"/>
-          </a:lnRef>
-          <a:fillRef idx="0">
-            <a:schemeClr val="accent1"/>
-          </a:fillRef>
-          <a:effectRef idx="0">
-            <a:schemeClr val="accent1"/>
-          </a:effectRef>
-          <a:fontRef idx="minor">
-            <a:schemeClr val="tx1"/>
-          </a:fontRef>
-        </p:style>
-      </p:cxnSp>
-      <p:cxnSp>
-        <p:nvCxnSpPr>
-          <p:cNvPr id="13" name="Straight Arrow Connector 12">
-            <a:extLst>
-              <a:ext uri="{FF2B5EF4-FFF2-40B4-BE49-F238E27FC236}">
-                <a16:creationId xmlns:a16="http://schemas.microsoft.com/office/drawing/2014/main" id="{2E35B61F-8841-AFCA-CF7D-969F0DF26F4E}"/>
-              </a:ext>
-            </a:extLst>
-          </p:cNvPr>
-          <p:cNvCxnSpPr>
-            <a:cxnSpLocks/>
-            <a:stCxn id="2" idx="4"/>
-            <a:endCxn id="4" idx="1"/>
-          </p:cNvCxnSpPr>
-          <p:nvPr/>
-        </p:nvCxnSpPr>
-        <p:spPr>
-          <a:xfrm>
-            <a:off x="6096000" y="1144978"/>
-            <a:ext cx="927067" cy="757068"/>
-          </a:xfrm>
-          <a:prstGeom prst="straightConnector1">
-            <a:avLst/>
-          </a:prstGeom>
-          <a:ln w="12700">
-            <a:solidFill>
-              <a:schemeClr val="accent1">
-                <a:lumMod val="50000"/>
-              </a:schemeClr>
-            </a:solidFill>
-            <a:tailEnd type="triangle"/>
-          </a:ln>
-        </p:spPr>
-        <p:style>
-          <a:lnRef idx="1">
-            <a:schemeClr val="accent1"/>
-          </a:lnRef>
-          <a:fillRef idx="0">
-            <a:schemeClr val="accent1"/>
-          </a:fillRef>
-          <a:effectRef idx="0">
-            <a:schemeClr val="accent1"/>
-          </a:effectRef>
-          <a:fontRef idx="minor">
-            <a:schemeClr val="tx1"/>
-          </a:fontRef>
-        </p:style>
-      </p:cxnSp>
-      <p:cxnSp>
-        <p:nvCxnSpPr>
-          <p:cNvPr id="17" name="Straight Arrow Connector 16">
-            <a:extLst>
-              <a:ext uri="{FF2B5EF4-FFF2-40B4-BE49-F238E27FC236}">
-                <a16:creationId xmlns:a16="http://schemas.microsoft.com/office/drawing/2014/main" id="{8737816E-4E71-F64E-891B-A4A5781E88E2}"/>
-              </a:ext>
-            </a:extLst>
-          </p:cNvPr>
-          <p:cNvCxnSpPr>
-            <a:cxnSpLocks/>
-            <a:stCxn id="3" idx="4"/>
-            <a:endCxn id="5" idx="7"/>
-          </p:cNvCxnSpPr>
-          <p:nvPr/>
-        </p:nvCxnSpPr>
-        <p:spPr>
-          <a:xfrm flipH="1">
-            <a:off x="4621417" y="2078428"/>
-            <a:ext cx="474458" cy="461793"/>
-          </a:xfrm>
-          <a:prstGeom prst="straightConnector1">
-            <a:avLst/>
-          </a:prstGeom>
-          <a:ln w="12700">
-            <a:solidFill>
-              <a:schemeClr val="accent1">
-                <a:lumMod val="50000"/>
-              </a:schemeClr>
-            </a:solidFill>
-            <a:tailEnd type="triangle"/>
-          </a:ln>
-        </p:spPr>
-        <p:style>
-          <a:lnRef idx="1">
-            <a:schemeClr val="accent1"/>
-          </a:lnRef>
-          <a:fillRef idx="0">
-            <a:schemeClr val="accent1"/>
-          </a:fillRef>
-          <a:effectRef idx="0">
-            <a:schemeClr val="accent1"/>
-          </a:effectRef>
-          <a:fontRef idx="minor">
-            <a:schemeClr val="tx1"/>
-          </a:fontRef>
-        </p:style>
-      </p:cxnSp>
-      <p:cxnSp>
-        <p:nvCxnSpPr>
-          <p:cNvPr id="20" name="Straight Arrow Connector 19">
-            <a:extLst>
-              <a:ext uri="{FF2B5EF4-FFF2-40B4-BE49-F238E27FC236}">
-                <a16:creationId xmlns:a16="http://schemas.microsoft.com/office/drawing/2014/main" id="{29C16551-68D3-CF76-2A1B-1EB72FAEF743}"/>
-              </a:ext>
-            </a:extLst>
-          </p:cNvPr>
-          <p:cNvCxnSpPr>
-            <a:cxnSpLocks/>
-            <a:stCxn id="3" idx="4"/>
-            <a:endCxn id="6" idx="1"/>
-          </p:cNvCxnSpPr>
-          <p:nvPr/>
-        </p:nvCxnSpPr>
-        <p:spPr>
-          <a:xfrm>
-            <a:off x="5095875" y="2078428"/>
-            <a:ext cx="430870" cy="463480"/>
-          </a:xfrm>
-          <a:prstGeom prst="straightConnector1">
-            <a:avLst/>
-          </a:prstGeom>
-          <a:ln w="12700">
-            <a:solidFill>
-              <a:schemeClr val="accent1">
-                <a:lumMod val="50000"/>
-              </a:schemeClr>
-            </a:solidFill>
-            <a:tailEnd type="triangle"/>
-          </a:ln>
-        </p:spPr>
-        <p:style>
-          <a:lnRef idx="1">
-            <a:schemeClr val="accent1"/>
-          </a:lnRef>
-          <a:fillRef idx="0">
-            <a:schemeClr val="accent1"/>
-          </a:fillRef>
-          <a:effectRef idx="0">
-            <a:schemeClr val="accent1"/>
-          </a:effectRef>
-          <a:fontRef idx="minor">
-            <a:schemeClr val="tx1"/>
-          </a:fontRef>
-        </p:style>
-      </p:cxnSp>
-      <p:cxnSp>
-        <p:nvCxnSpPr>
-          <p:cNvPr id="24" name="Straight Arrow Connector 23">
-            <a:extLst>
-              <a:ext uri="{FF2B5EF4-FFF2-40B4-BE49-F238E27FC236}">
-                <a16:creationId xmlns:a16="http://schemas.microsoft.com/office/drawing/2014/main" id="{9BED8791-42D2-8CDB-18AA-D4B44FE8A84D}"/>
-              </a:ext>
-            </a:extLst>
-          </p:cNvPr>
-          <p:cNvCxnSpPr>
-            <a:cxnSpLocks/>
-            <a:stCxn id="5" idx="4"/>
-            <a:endCxn id="7" idx="7"/>
-          </p:cNvCxnSpPr>
-          <p:nvPr/>
-        </p:nvCxnSpPr>
-        <p:spPr>
-          <a:xfrm flipH="1">
-            <a:off x="4205223" y="2716603"/>
-            <a:ext cx="343134" cy="536015"/>
-          </a:xfrm>
-          <a:prstGeom prst="straightConnector1">
-            <a:avLst/>
-          </a:prstGeom>
-          <a:ln w="12700">
-            <a:solidFill>
-              <a:schemeClr val="accent1">
-                <a:lumMod val="50000"/>
-              </a:schemeClr>
-            </a:solidFill>
-            <a:tailEnd type="triangle"/>
-          </a:ln>
-        </p:spPr>
-        <p:style>
-          <a:lnRef idx="1">
-            <a:schemeClr val="accent1"/>
-          </a:lnRef>
-          <a:fillRef idx="0">
-            <a:schemeClr val="accent1"/>
-          </a:fillRef>
-          <a:effectRef idx="0">
-            <a:schemeClr val="accent1"/>
-          </a:effectRef>
-          <a:fontRef idx="minor">
-            <a:schemeClr val="tx1"/>
-          </a:fontRef>
-        </p:style>
-      </p:cxnSp>
-      <p:cxnSp>
-        <p:nvCxnSpPr>
-          <p:cNvPr id="28" name="Straight Arrow Connector 27">
-            <a:extLst>
-              <a:ext uri="{FF2B5EF4-FFF2-40B4-BE49-F238E27FC236}">
-                <a16:creationId xmlns:a16="http://schemas.microsoft.com/office/drawing/2014/main" id="{2B32BF11-2FFE-15C2-570A-BBC555258B80}"/>
-              </a:ext>
-            </a:extLst>
-          </p:cNvPr>
-          <p:cNvCxnSpPr>
-            <a:cxnSpLocks/>
-            <a:stCxn id="5" idx="4"/>
-            <a:endCxn id="8" idx="1"/>
-          </p:cNvCxnSpPr>
-          <p:nvPr/>
-        </p:nvCxnSpPr>
-        <p:spPr>
-          <a:xfrm>
-            <a:off x="4548357" y="2716603"/>
-            <a:ext cx="371136" cy="536015"/>
-          </a:xfrm>
-          <a:prstGeom prst="straightConnector1">
-            <a:avLst/>
-          </a:prstGeom>
-          <a:ln w="12700">
-            <a:solidFill>
-              <a:schemeClr val="accent1">
-                <a:lumMod val="50000"/>
-              </a:schemeClr>
-            </a:solidFill>
-            <a:tailEnd type="triangle"/>
-          </a:ln>
-        </p:spPr>
-        <p:style>
-          <a:lnRef idx="1">
-            <a:schemeClr val="accent1"/>
-          </a:lnRef>
-          <a:fillRef idx="0">
-            <a:schemeClr val="accent1"/>
-          </a:fillRef>
-          <a:effectRef idx="0">
-            <a:schemeClr val="accent1"/>
-          </a:effectRef>
-          <a:fontRef idx="minor">
-            <a:schemeClr val="tx1"/>
-          </a:fontRef>
-        </p:style>
-      </p:cxnSp>
-      <p:sp>
-        <p:nvSpPr>
-          <p:cNvPr id="38" name="TextBox 37">
-            <a:extLst>
-              <a:ext uri="{FF2B5EF4-FFF2-40B4-BE49-F238E27FC236}">
-                <a16:creationId xmlns:a16="http://schemas.microsoft.com/office/drawing/2014/main" id="{BE86B9C7-838F-5456-1CB6-9CDD9A17D763}"/>
-              </a:ext>
-            </a:extLst>
-          </p:cNvPr>
-          <p:cNvSpPr txBox="1"/>
-          <p:nvPr/>
-        </p:nvSpPr>
-        <p:spPr>
-          <a:xfrm>
-            <a:off x="6549957" y="2108690"/>
-            <a:ext cx="1104898" cy="276999"/>
-          </a:xfrm>
-          <a:prstGeom prst="rect">
-            <a:avLst/>
-          </a:prstGeom>
-          <a:noFill/>
-        </p:spPr>
-        <p:txBody>
-          <a:bodyPr wrap="square" rtlCol="0">
-            <a:spAutoFit/>
-          </a:bodyPr>
-          <a:lstStyle/>
-          <a:p>
-            <a:r>
-              <a:rPr lang="en-US" sz="1200" dirty="0"/>
-              <a:t>External-node</a:t>
-            </a:r>
-          </a:p>
-        </p:txBody>
-      </p:sp>
-      <p:sp>
-        <p:nvSpPr>
-          <p:cNvPr id="39" name="TextBox 38">
-            <a:extLst>
-              <a:ext uri="{FF2B5EF4-FFF2-40B4-BE49-F238E27FC236}">
-                <a16:creationId xmlns:a16="http://schemas.microsoft.com/office/drawing/2014/main" id="{A8E07F77-A645-62A8-1F41-0627F0D403DB}"/>
-              </a:ext>
-            </a:extLst>
-          </p:cNvPr>
-          <p:cNvSpPr txBox="1"/>
-          <p:nvPr/>
-        </p:nvSpPr>
-        <p:spPr>
-          <a:xfrm>
-            <a:off x="3917917" y="1763546"/>
-            <a:ext cx="1104898" cy="276999"/>
-          </a:xfrm>
-          <a:prstGeom prst="rect">
-            <a:avLst/>
-          </a:prstGeom>
-          <a:noFill/>
-        </p:spPr>
-        <p:txBody>
-          <a:bodyPr wrap="square" rtlCol="0">
-            <a:spAutoFit/>
-          </a:bodyPr>
-          <a:lstStyle/>
-          <a:p>
-            <a:r>
-              <a:rPr lang="en-US" sz="1200" dirty="0"/>
-              <a:t>Internal-node</a:t>
-            </a:r>
-          </a:p>
-        </p:txBody>
-      </p:sp>
-    </p:spTree>
-    <p:extLst>
-      <p:ext uri="{BB962C8B-B14F-4D97-AF65-F5344CB8AC3E}">
-        <p14:creationId xmlns:p14="http://schemas.microsoft.com/office/powerpoint/2010/main" val="4190431706"/>
-      </p:ext>
-    </p:extLst>
-  </p:cSld>
-  <p:clrMapOvr>
-    <a:masterClrMapping/>
-  </p:clrMapOvr>
-</p:sld>
-</file>
-
-<file path=ppt/slides/slide12.xml><?xml version="1.0" encoding="utf-8"?>
-<p:sld xmlns:a="http://schemas.openxmlformats.org/drawingml/2006/main" xmlns:r="http://schemas.openxmlformats.org/officeDocument/2006/relationships" xmlns:p="http://schemas.openxmlformats.org/presentationml/2006/main">
-  <p:cSld>
-    <p:spTree>
-      <p:nvGrpSpPr>
-        <p:cNvPr id="1" name=""/>
-        <p:cNvGrpSpPr/>
-        <p:nvPr/>
-      </p:nvGrpSpPr>
-      <p:grpSpPr>
-        <a:xfrm>
-          <a:off x="0" y="0"/>
-          <a:ext cx="0" cy="0"/>
-          <a:chOff x="0" y="0"/>
-          <a:chExt cx="0" cy="0"/>
-        </a:xfrm>
-      </p:grpSpPr>
-      <p:sp>
-        <p:nvSpPr>
-          <p:cNvPr id="3" name="Flowchart: Connector 2">
-            <a:extLst>
-              <a:ext uri="{FF2B5EF4-FFF2-40B4-BE49-F238E27FC236}">
-                <a16:creationId xmlns:a16="http://schemas.microsoft.com/office/drawing/2014/main" id="{C9437FFD-FC9F-5375-39E6-D88AD2BE2F3D}"/>
-              </a:ext>
-            </a:extLst>
-          </p:cNvPr>
-          <p:cNvSpPr/>
-          <p:nvPr/>
-        </p:nvSpPr>
-        <p:spPr>
-          <a:xfrm>
-            <a:off x="5900980" y="1831706"/>
-            <a:ext cx="206644" cy="206644"/>
-          </a:xfrm>
-          <a:prstGeom prst="flowChartConnector">
-            <a:avLst/>
-          </a:prstGeom>
-          <a:solidFill>
-            <a:srgbClr val="006082"/>
-          </a:solidFill>
-          <a:ln>
-            <a:noFill/>
-          </a:ln>
-        </p:spPr>
-        <p:style>
-          <a:lnRef idx="2">
-            <a:schemeClr val="accent1">
-              <a:shade val="50000"/>
-            </a:schemeClr>
-          </a:lnRef>
-          <a:fillRef idx="1">
-            <a:schemeClr val="accent1"/>
-          </a:fillRef>
-          <a:effectRef idx="0">
-            <a:schemeClr val="accent1"/>
-          </a:effectRef>
-          <a:fontRef idx="minor">
-            <a:schemeClr val="lt1"/>
-          </a:fontRef>
-        </p:style>
-        <p:txBody>
-          <a:bodyPr rtlCol="0" anchor="ctr"/>
-          <a:lstStyle/>
-          <a:p>
-            <a:pPr algn="ctr"/>
-            <a:endParaRPr lang="en-US"/>
-          </a:p>
-        </p:txBody>
-      </p:sp>
-      <p:sp>
-        <p:nvSpPr>
-          <p:cNvPr id="4" name="Flowchart: Connector 3">
-            <a:extLst>
-              <a:ext uri="{FF2B5EF4-FFF2-40B4-BE49-F238E27FC236}">
-                <a16:creationId xmlns:a16="http://schemas.microsoft.com/office/drawing/2014/main" id="{A22D562B-062A-CD5F-B8DA-5903E56D36C1}"/>
-              </a:ext>
-            </a:extLst>
-          </p:cNvPr>
-          <p:cNvSpPr/>
-          <p:nvPr/>
-        </p:nvSpPr>
-        <p:spPr>
-          <a:xfrm>
-            <a:off x="7000877" y="1831706"/>
-            <a:ext cx="206644" cy="206644"/>
-          </a:xfrm>
-          <a:prstGeom prst="flowChartConnector">
-            <a:avLst/>
-          </a:prstGeom>
-          <a:solidFill>
-            <a:srgbClr val="006082"/>
-          </a:solidFill>
-          <a:ln>
-            <a:noFill/>
-          </a:ln>
-        </p:spPr>
-        <p:style>
-          <a:lnRef idx="2">
-            <a:schemeClr val="accent1">
-              <a:shade val="50000"/>
-            </a:schemeClr>
-          </a:lnRef>
-          <a:fillRef idx="1">
-            <a:schemeClr val="accent1"/>
-          </a:fillRef>
-          <a:effectRef idx="0">
-            <a:schemeClr val="accent1"/>
-          </a:effectRef>
-          <a:fontRef idx="minor">
-            <a:schemeClr val="lt1"/>
-          </a:fontRef>
-        </p:style>
-        <p:txBody>
-          <a:bodyPr rtlCol="0" anchor="ctr"/>
-          <a:lstStyle/>
-          <a:p>
-            <a:pPr algn="ctr"/>
-            <a:endParaRPr lang="en-US"/>
-          </a:p>
-        </p:txBody>
-      </p:sp>
-      <p:sp>
-        <p:nvSpPr>
-          <p:cNvPr id="5" name="Flowchart: Connector 4">
-            <a:extLst>
-              <a:ext uri="{FF2B5EF4-FFF2-40B4-BE49-F238E27FC236}">
-                <a16:creationId xmlns:a16="http://schemas.microsoft.com/office/drawing/2014/main" id="{74D39E05-C8C1-E68A-B29C-0CD8C1233958}"/>
-              </a:ext>
-            </a:extLst>
-          </p:cNvPr>
-          <p:cNvSpPr/>
-          <p:nvPr/>
-        </p:nvSpPr>
-        <p:spPr>
-          <a:xfrm>
-            <a:off x="5422631" y="2765156"/>
-            <a:ext cx="206644" cy="206644"/>
-          </a:xfrm>
-          <a:prstGeom prst="flowChartConnector">
-            <a:avLst/>
-          </a:prstGeom>
-          <a:solidFill>
-            <a:srgbClr val="006082"/>
-          </a:solidFill>
-          <a:ln>
-            <a:noFill/>
-          </a:ln>
-        </p:spPr>
-        <p:style>
-          <a:lnRef idx="2">
-            <a:schemeClr val="accent1">
-              <a:shade val="50000"/>
-            </a:schemeClr>
-          </a:lnRef>
-          <a:fillRef idx="1">
-            <a:schemeClr val="accent1"/>
-          </a:fillRef>
-          <a:effectRef idx="0">
-            <a:schemeClr val="accent1"/>
-          </a:effectRef>
-          <a:fontRef idx="minor">
-            <a:schemeClr val="lt1"/>
-          </a:fontRef>
-        </p:style>
-        <p:txBody>
-          <a:bodyPr rtlCol="0" anchor="ctr"/>
-          <a:lstStyle/>
-          <a:p>
-            <a:pPr algn="ctr"/>
-            <a:endParaRPr lang="en-US"/>
-          </a:p>
-        </p:txBody>
-      </p:sp>
-      <p:sp>
-        <p:nvSpPr>
-          <p:cNvPr id="7" name="Flowchart: Connector 6">
-            <a:extLst>
-              <a:ext uri="{FF2B5EF4-FFF2-40B4-BE49-F238E27FC236}">
-                <a16:creationId xmlns:a16="http://schemas.microsoft.com/office/drawing/2014/main" id="{BA7C2E02-1483-B689-5588-2276A5BD9BAB}"/>
-              </a:ext>
-            </a:extLst>
-          </p:cNvPr>
-          <p:cNvSpPr/>
-          <p:nvPr/>
-        </p:nvSpPr>
-        <p:spPr>
-          <a:xfrm>
-            <a:off x="6594206" y="4031981"/>
-            <a:ext cx="206644" cy="206644"/>
-          </a:xfrm>
-          <a:prstGeom prst="flowChartConnector">
-            <a:avLst/>
-          </a:prstGeom>
-          <a:solidFill>
-            <a:srgbClr val="C00000"/>
-          </a:solidFill>
-          <a:ln>
-            <a:noFill/>
-          </a:ln>
-        </p:spPr>
-        <p:style>
-          <a:lnRef idx="2">
-            <a:schemeClr val="accent1">
-              <a:shade val="50000"/>
-            </a:schemeClr>
-          </a:lnRef>
-          <a:fillRef idx="1">
-            <a:schemeClr val="accent1"/>
-          </a:fillRef>
-          <a:effectRef idx="0">
-            <a:schemeClr val="accent1"/>
-          </a:effectRef>
-          <a:fontRef idx="minor">
-            <a:schemeClr val="lt1"/>
-          </a:fontRef>
-        </p:style>
-        <p:txBody>
-          <a:bodyPr rtlCol="0" anchor="ctr"/>
-          <a:lstStyle/>
-          <a:p>
-            <a:pPr algn="ctr"/>
-            <a:endParaRPr lang="en-US"/>
-          </a:p>
-        </p:txBody>
-      </p:sp>
       <p:cxnSp>
         <p:nvCxnSpPr>
           <p:cNvPr id="10" name="Straight Connector 9">
@@ -7272,7 +5303,7 @@
 </p:sld>
 </file>
 
-<file path=ppt/slides/slide13.xml><?xml version="1.0" encoding="utf-8"?>
+<file path=ppt/slides/slide11.xml><?xml version="1.0" encoding="utf-8"?>
 <p:sld xmlns:a="http://schemas.openxmlformats.org/drawingml/2006/main" xmlns:r="http://schemas.openxmlformats.org/officeDocument/2006/relationships" xmlns:p="http://schemas.openxmlformats.org/presentationml/2006/main">
   <p:cSld>
     <p:spTree>
@@ -9476,7 +7507,1351 @@
 </p:sld>
 </file>
 
-<file path=ppt/slides/slide14.xml><?xml version="1.0" encoding="utf-8"?>
+<file path=ppt/slides/slide12.xml><?xml version="1.0" encoding="utf-8"?>
+<p:sld xmlns:a="http://schemas.openxmlformats.org/drawingml/2006/main" xmlns:r="http://schemas.openxmlformats.org/officeDocument/2006/relationships" xmlns:p="http://schemas.openxmlformats.org/presentationml/2006/main">
+  <p:cSld>
+    <p:spTree>
+      <p:nvGrpSpPr>
+        <p:cNvPr id="1" name=""/>
+        <p:cNvGrpSpPr/>
+        <p:nvPr/>
+      </p:nvGrpSpPr>
+      <p:grpSpPr>
+        <a:xfrm>
+          <a:off x="0" y="0"/>
+          <a:ext cx="0" cy="0"/>
+          <a:chOff x="0" y="0"/>
+          <a:chExt cx="0" cy="0"/>
+        </a:xfrm>
+      </p:grpSpPr>
+      <p:sp>
+        <p:nvSpPr>
+          <p:cNvPr id="38" name="Flowchart: Connector 68">
+            <a:extLst>
+              <a:ext uri="{FF2B5EF4-FFF2-40B4-BE49-F238E27FC236}">
+                <a16:creationId xmlns:a16="http://schemas.microsoft.com/office/drawing/2014/main" id="{834348E9-1B06-6540-91F9-412581820922}"/>
+              </a:ext>
+            </a:extLst>
+          </p:cNvPr>
+          <p:cNvSpPr/>
+          <p:nvPr/>
+        </p:nvSpPr>
+        <p:spPr>
+          <a:xfrm>
+            <a:off x="4564037" y="3199948"/>
+            <a:ext cx="206644" cy="206644"/>
+          </a:xfrm>
+          <a:prstGeom prst="flowChartConnector">
+            <a:avLst/>
+          </a:prstGeom>
+          <a:solidFill>
+            <a:schemeClr val="accent1">
+              <a:lumMod val="40000"/>
+              <a:lumOff val="60000"/>
+            </a:schemeClr>
+          </a:solidFill>
+          <a:ln>
+            <a:noFill/>
+          </a:ln>
+        </p:spPr>
+        <p:style>
+          <a:lnRef idx="2">
+            <a:schemeClr val="accent1">
+              <a:shade val="50000"/>
+            </a:schemeClr>
+          </a:lnRef>
+          <a:fillRef idx="1">
+            <a:schemeClr val="accent1"/>
+          </a:fillRef>
+          <a:effectRef idx="0">
+            <a:schemeClr val="accent1"/>
+          </a:effectRef>
+          <a:fontRef idx="minor">
+            <a:schemeClr val="lt1"/>
+          </a:fontRef>
+        </p:style>
+        <p:txBody>
+          <a:bodyPr rtlCol="0" anchor="ctr"/>
+          <a:lstStyle/>
+          <a:p>
+            <a:pPr algn="ctr"/>
+            <a:endParaRPr lang="en-US"/>
+          </a:p>
+        </p:txBody>
+      </p:sp>
+      <p:sp>
+        <p:nvSpPr>
+          <p:cNvPr id="28" name="Flowchart: Connector 68">
+            <a:extLst>
+              <a:ext uri="{FF2B5EF4-FFF2-40B4-BE49-F238E27FC236}">
+                <a16:creationId xmlns:a16="http://schemas.microsoft.com/office/drawing/2014/main" id="{D261ED21-EE05-5E42-83EF-B4E9B37F9DDE}"/>
+              </a:ext>
+            </a:extLst>
+          </p:cNvPr>
+          <p:cNvSpPr/>
+          <p:nvPr/>
+        </p:nvSpPr>
+        <p:spPr>
+          <a:xfrm>
+            <a:off x="5587180" y="2640505"/>
+            <a:ext cx="206644" cy="206644"/>
+          </a:xfrm>
+          <a:prstGeom prst="flowChartConnector">
+            <a:avLst/>
+          </a:prstGeom>
+          <a:solidFill>
+            <a:schemeClr val="accent1">
+              <a:lumMod val="40000"/>
+              <a:lumOff val="60000"/>
+            </a:schemeClr>
+          </a:solidFill>
+          <a:ln>
+            <a:noFill/>
+          </a:ln>
+        </p:spPr>
+        <p:style>
+          <a:lnRef idx="2">
+            <a:schemeClr val="accent1">
+              <a:shade val="50000"/>
+            </a:schemeClr>
+          </a:lnRef>
+          <a:fillRef idx="1">
+            <a:schemeClr val="accent1"/>
+          </a:fillRef>
+          <a:effectRef idx="0">
+            <a:schemeClr val="accent1"/>
+          </a:effectRef>
+          <a:fontRef idx="minor">
+            <a:schemeClr val="lt1"/>
+          </a:fontRef>
+        </p:style>
+        <p:txBody>
+          <a:bodyPr rtlCol="0" anchor="ctr"/>
+          <a:lstStyle/>
+          <a:p>
+            <a:pPr algn="ctr"/>
+            <a:endParaRPr lang="en-US"/>
+          </a:p>
+        </p:txBody>
+      </p:sp>
+      <p:sp>
+        <p:nvSpPr>
+          <p:cNvPr id="2" name="Flowchart: Connector 68">
+            <a:extLst>
+              <a:ext uri="{FF2B5EF4-FFF2-40B4-BE49-F238E27FC236}">
+                <a16:creationId xmlns:a16="http://schemas.microsoft.com/office/drawing/2014/main" id="{13E6EE5F-B114-7D4B-9408-2F48B12F2425}"/>
+              </a:ext>
+            </a:extLst>
+          </p:cNvPr>
+          <p:cNvSpPr/>
+          <p:nvPr/>
+        </p:nvSpPr>
+        <p:spPr>
+          <a:xfrm>
+            <a:off x="5078278" y="3199948"/>
+            <a:ext cx="206644" cy="206644"/>
+          </a:xfrm>
+          <a:prstGeom prst="flowChartConnector">
+            <a:avLst/>
+          </a:prstGeom>
+          <a:solidFill>
+            <a:schemeClr val="accent1">
+              <a:lumMod val="75000"/>
+            </a:schemeClr>
+          </a:solidFill>
+          <a:ln>
+            <a:noFill/>
+          </a:ln>
+        </p:spPr>
+        <p:style>
+          <a:lnRef idx="2">
+            <a:schemeClr val="accent1">
+              <a:shade val="50000"/>
+            </a:schemeClr>
+          </a:lnRef>
+          <a:fillRef idx="1">
+            <a:schemeClr val="accent1"/>
+          </a:fillRef>
+          <a:effectRef idx="0">
+            <a:schemeClr val="accent1"/>
+          </a:effectRef>
+          <a:fontRef idx="minor">
+            <a:schemeClr val="lt1"/>
+          </a:fontRef>
+        </p:style>
+        <p:txBody>
+          <a:bodyPr rtlCol="0" anchor="ctr"/>
+          <a:lstStyle/>
+          <a:p>
+            <a:pPr algn="ctr"/>
+            <a:endParaRPr lang="en-US"/>
+          </a:p>
+        </p:txBody>
+      </p:sp>
+      <p:sp>
+        <p:nvSpPr>
+          <p:cNvPr id="3" name="Flowchart: Connector 39">
+            <a:extLst>
+              <a:ext uri="{FF2B5EF4-FFF2-40B4-BE49-F238E27FC236}">
+                <a16:creationId xmlns:a16="http://schemas.microsoft.com/office/drawing/2014/main" id="{C41ED45C-8F47-6A4C-B760-CDFB44202AED}"/>
+              </a:ext>
+            </a:extLst>
+          </p:cNvPr>
+          <p:cNvSpPr/>
+          <p:nvPr/>
+        </p:nvSpPr>
+        <p:spPr>
+          <a:xfrm>
+            <a:off x="4521311" y="2733444"/>
+            <a:ext cx="206644" cy="206644"/>
+          </a:xfrm>
+          <a:prstGeom prst="flowChartConnector">
+            <a:avLst/>
+          </a:prstGeom>
+          <a:solidFill>
+            <a:srgbClr val="C00000"/>
+          </a:solidFill>
+          <a:ln>
+            <a:noFill/>
+          </a:ln>
+        </p:spPr>
+        <p:style>
+          <a:lnRef idx="2">
+            <a:schemeClr val="accent1">
+              <a:shade val="50000"/>
+            </a:schemeClr>
+          </a:lnRef>
+          <a:fillRef idx="1">
+            <a:schemeClr val="accent1"/>
+          </a:fillRef>
+          <a:effectRef idx="0">
+            <a:schemeClr val="accent1"/>
+          </a:effectRef>
+          <a:fontRef idx="minor">
+            <a:schemeClr val="lt1"/>
+          </a:fontRef>
+        </p:style>
+        <p:txBody>
+          <a:bodyPr rtlCol="0" anchor="ctr"/>
+          <a:lstStyle/>
+          <a:p>
+            <a:pPr algn="ctr"/>
+            <a:endParaRPr lang="en-US"/>
+          </a:p>
+        </p:txBody>
+      </p:sp>
+      <p:sp>
+        <p:nvSpPr>
+          <p:cNvPr id="4" name="Oval 3">
+            <a:extLst>
+              <a:ext uri="{FF2B5EF4-FFF2-40B4-BE49-F238E27FC236}">
+                <a16:creationId xmlns:a16="http://schemas.microsoft.com/office/drawing/2014/main" id="{7777C691-CEFD-5746-856E-66285BAD268F}"/>
+              </a:ext>
+            </a:extLst>
+          </p:cNvPr>
+          <p:cNvSpPr/>
+          <p:nvPr/>
+        </p:nvSpPr>
+        <p:spPr>
+          <a:xfrm>
+            <a:off x="3381924" y="1490271"/>
+            <a:ext cx="3599352" cy="3599354"/>
+          </a:xfrm>
+          <a:prstGeom prst="ellipse">
+            <a:avLst/>
+          </a:prstGeom>
+          <a:noFill/>
+          <a:ln w="12700">
+            <a:solidFill>
+              <a:schemeClr val="tx1">
+                <a:lumMod val="75000"/>
+                <a:lumOff val="25000"/>
+              </a:schemeClr>
+            </a:solidFill>
+            <a:prstDash val="dash"/>
+          </a:ln>
+        </p:spPr>
+        <p:style>
+          <a:lnRef idx="2">
+            <a:schemeClr val="accent1">
+              <a:shade val="50000"/>
+            </a:schemeClr>
+          </a:lnRef>
+          <a:fillRef idx="1">
+            <a:schemeClr val="accent1"/>
+          </a:fillRef>
+          <a:effectRef idx="0">
+            <a:schemeClr val="accent1"/>
+          </a:effectRef>
+          <a:fontRef idx="minor">
+            <a:schemeClr val="lt1"/>
+          </a:fontRef>
+        </p:style>
+        <p:txBody>
+          <a:bodyPr rtlCol="0" anchor="ctr"/>
+          <a:lstStyle/>
+          <a:p>
+            <a:pPr algn="ctr"/>
+            <a:endParaRPr lang="en-VN"/>
+          </a:p>
+        </p:txBody>
+      </p:sp>
+      <p:sp>
+        <p:nvSpPr>
+          <p:cNvPr id="5" name="Flowchart: Connector 68">
+            <a:extLst>
+              <a:ext uri="{FF2B5EF4-FFF2-40B4-BE49-F238E27FC236}">
+                <a16:creationId xmlns:a16="http://schemas.microsoft.com/office/drawing/2014/main" id="{FA6B99BF-76CF-C84D-9A87-8009921E8333}"/>
+              </a:ext>
+            </a:extLst>
+          </p:cNvPr>
+          <p:cNvSpPr/>
+          <p:nvPr/>
+        </p:nvSpPr>
+        <p:spPr>
+          <a:xfrm>
+            <a:off x="5889439" y="2293395"/>
+            <a:ext cx="206644" cy="206644"/>
+          </a:xfrm>
+          <a:prstGeom prst="flowChartConnector">
+            <a:avLst/>
+          </a:prstGeom>
+          <a:solidFill>
+            <a:schemeClr val="accent1">
+              <a:lumMod val="75000"/>
+            </a:schemeClr>
+          </a:solidFill>
+          <a:ln>
+            <a:noFill/>
+          </a:ln>
+        </p:spPr>
+        <p:style>
+          <a:lnRef idx="2">
+            <a:schemeClr val="accent1">
+              <a:shade val="50000"/>
+            </a:schemeClr>
+          </a:lnRef>
+          <a:fillRef idx="1">
+            <a:schemeClr val="accent1"/>
+          </a:fillRef>
+          <a:effectRef idx="0">
+            <a:schemeClr val="accent1"/>
+          </a:effectRef>
+          <a:fontRef idx="minor">
+            <a:schemeClr val="lt1"/>
+          </a:fontRef>
+        </p:style>
+        <p:txBody>
+          <a:bodyPr rtlCol="0" anchor="ctr"/>
+          <a:lstStyle/>
+          <a:p>
+            <a:pPr algn="ctr"/>
+            <a:endParaRPr lang="en-US"/>
+          </a:p>
+        </p:txBody>
+      </p:sp>
+      <p:sp>
+        <p:nvSpPr>
+          <p:cNvPr id="6" name="Flowchart: Connector 68">
+            <a:extLst>
+              <a:ext uri="{FF2B5EF4-FFF2-40B4-BE49-F238E27FC236}">
+                <a16:creationId xmlns:a16="http://schemas.microsoft.com/office/drawing/2014/main" id="{CD4AC75A-28AB-EE46-B5D3-5817640A2433}"/>
+              </a:ext>
+            </a:extLst>
+          </p:cNvPr>
+          <p:cNvSpPr/>
+          <p:nvPr/>
+        </p:nvSpPr>
+        <p:spPr>
+          <a:xfrm>
+            <a:off x="6099835" y="3365928"/>
+            <a:ext cx="206644" cy="206644"/>
+          </a:xfrm>
+          <a:prstGeom prst="flowChartConnector">
+            <a:avLst/>
+          </a:prstGeom>
+          <a:solidFill>
+            <a:schemeClr val="accent1">
+              <a:lumMod val="75000"/>
+            </a:schemeClr>
+          </a:solidFill>
+          <a:ln>
+            <a:noFill/>
+          </a:ln>
+        </p:spPr>
+        <p:style>
+          <a:lnRef idx="2">
+            <a:schemeClr val="accent1">
+              <a:shade val="50000"/>
+            </a:schemeClr>
+          </a:lnRef>
+          <a:fillRef idx="1">
+            <a:schemeClr val="accent1"/>
+          </a:fillRef>
+          <a:effectRef idx="0">
+            <a:schemeClr val="accent1"/>
+          </a:effectRef>
+          <a:fontRef idx="minor">
+            <a:schemeClr val="lt1"/>
+          </a:fontRef>
+        </p:style>
+        <p:txBody>
+          <a:bodyPr rtlCol="0" anchor="ctr"/>
+          <a:lstStyle/>
+          <a:p>
+            <a:pPr algn="ctr"/>
+            <a:endParaRPr lang="en-US"/>
+          </a:p>
+        </p:txBody>
+      </p:sp>
+      <p:sp>
+        <p:nvSpPr>
+          <p:cNvPr id="8" name="Flowchart: Connector 68">
+            <a:extLst>
+              <a:ext uri="{FF2B5EF4-FFF2-40B4-BE49-F238E27FC236}">
+                <a16:creationId xmlns:a16="http://schemas.microsoft.com/office/drawing/2014/main" id="{E754B149-0B47-CD42-9896-2F99F7D27BAC}"/>
+              </a:ext>
+            </a:extLst>
+          </p:cNvPr>
+          <p:cNvSpPr/>
+          <p:nvPr/>
+        </p:nvSpPr>
+        <p:spPr>
+          <a:xfrm>
+            <a:off x="3460374" y="3199948"/>
+            <a:ext cx="206644" cy="206644"/>
+          </a:xfrm>
+          <a:prstGeom prst="flowChartConnector">
+            <a:avLst/>
+          </a:prstGeom>
+          <a:solidFill>
+            <a:schemeClr val="accent1">
+              <a:lumMod val="75000"/>
+            </a:schemeClr>
+          </a:solidFill>
+          <a:ln>
+            <a:noFill/>
+          </a:ln>
+        </p:spPr>
+        <p:style>
+          <a:lnRef idx="2">
+            <a:schemeClr val="accent1">
+              <a:shade val="50000"/>
+            </a:schemeClr>
+          </a:lnRef>
+          <a:fillRef idx="1">
+            <a:schemeClr val="accent1"/>
+          </a:fillRef>
+          <a:effectRef idx="0">
+            <a:schemeClr val="accent1"/>
+          </a:effectRef>
+          <a:fontRef idx="minor">
+            <a:schemeClr val="lt1"/>
+          </a:fontRef>
+        </p:style>
+        <p:txBody>
+          <a:bodyPr rtlCol="0" anchor="ctr"/>
+          <a:lstStyle/>
+          <a:p>
+            <a:pPr algn="ctr"/>
+            <a:endParaRPr lang="en-US"/>
+          </a:p>
+        </p:txBody>
+      </p:sp>
+      <p:sp>
+        <p:nvSpPr>
+          <p:cNvPr id="10" name="Flowchart: Connector 39">
+            <a:extLst>
+              <a:ext uri="{FF2B5EF4-FFF2-40B4-BE49-F238E27FC236}">
+                <a16:creationId xmlns:a16="http://schemas.microsoft.com/office/drawing/2014/main" id="{1F11AFEE-9EF5-1C47-BE92-DE6D51952CA9}"/>
+              </a:ext>
+            </a:extLst>
+          </p:cNvPr>
+          <p:cNvSpPr/>
+          <p:nvPr/>
+        </p:nvSpPr>
+        <p:spPr>
+          <a:xfrm>
+            <a:off x="4871634" y="1986615"/>
+            <a:ext cx="206644" cy="206644"/>
+          </a:xfrm>
+          <a:prstGeom prst="flowChartConnector">
+            <a:avLst/>
+          </a:prstGeom>
+          <a:solidFill>
+            <a:srgbClr val="C00000"/>
+          </a:solidFill>
+          <a:ln>
+            <a:noFill/>
+          </a:ln>
+        </p:spPr>
+        <p:style>
+          <a:lnRef idx="2">
+            <a:schemeClr val="accent1">
+              <a:shade val="50000"/>
+            </a:schemeClr>
+          </a:lnRef>
+          <a:fillRef idx="1">
+            <a:schemeClr val="accent1"/>
+          </a:fillRef>
+          <a:effectRef idx="0">
+            <a:schemeClr val="accent1"/>
+          </a:effectRef>
+          <a:fontRef idx="minor">
+            <a:schemeClr val="lt1"/>
+          </a:fontRef>
+        </p:style>
+        <p:txBody>
+          <a:bodyPr rtlCol="0" anchor="ctr"/>
+          <a:lstStyle/>
+          <a:p>
+            <a:pPr algn="ctr"/>
+            <a:endParaRPr lang="en-US"/>
+          </a:p>
+        </p:txBody>
+      </p:sp>
+      <p:sp>
+        <p:nvSpPr>
+          <p:cNvPr id="11" name="Flowchart: Connector 68">
+            <a:extLst>
+              <a:ext uri="{FF2B5EF4-FFF2-40B4-BE49-F238E27FC236}">
+                <a16:creationId xmlns:a16="http://schemas.microsoft.com/office/drawing/2014/main" id="{7A5BC390-8D51-9A4D-8DAB-D52DFED64885}"/>
+              </a:ext>
+            </a:extLst>
+          </p:cNvPr>
+          <p:cNvSpPr/>
+          <p:nvPr/>
+        </p:nvSpPr>
+        <p:spPr>
+          <a:xfrm>
+            <a:off x="7009002" y="2296581"/>
+            <a:ext cx="206644" cy="206644"/>
+          </a:xfrm>
+          <a:prstGeom prst="flowChartConnector">
+            <a:avLst/>
+          </a:prstGeom>
+          <a:solidFill>
+            <a:schemeClr val="accent1">
+              <a:lumMod val="75000"/>
+            </a:schemeClr>
+          </a:solidFill>
+          <a:ln>
+            <a:noFill/>
+          </a:ln>
+        </p:spPr>
+        <p:style>
+          <a:lnRef idx="2">
+            <a:schemeClr val="accent1">
+              <a:shade val="50000"/>
+            </a:schemeClr>
+          </a:lnRef>
+          <a:fillRef idx="1">
+            <a:schemeClr val="accent1"/>
+          </a:fillRef>
+          <a:effectRef idx="0">
+            <a:schemeClr val="accent1"/>
+          </a:effectRef>
+          <a:fontRef idx="minor">
+            <a:schemeClr val="lt1"/>
+          </a:fontRef>
+        </p:style>
+        <p:txBody>
+          <a:bodyPr rtlCol="0" anchor="ctr"/>
+          <a:lstStyle/>
+          <a:p>
+            <a:pPr algn="ctr"/>
+            <a:endParaRPr lang="en-US"/>
+          </a:p>
+        </p:txBody>
+      </p:sp>
+      <p:cxnSp>
+        <p:nvCxnSpPr>
+          <p:cNvPr id="15" name="Straight Arrow Connector 14">
+            <a:extLst>
+              <a:ext uri="{FF2B5EF4-FFF2-40B4-BE49-F238E27FC236}">
+                <a16:creationId xmlns:a16="http://schemas.microsoft.com/office/drawing/2014/main" id="{75423F0E-E6CC-9A4C-B094-41B6F043D85B}"/>
+              </a:ext>
+            </a:extLst>
+          </p:cNvPr>
+          <p:cNvCxnSpPr>
+            <a:cxnSpLocks/>
+            <a:stCxn id="2" idx="7"/>
+            <a:endCxn id="5" idx="3"/>
+          </p:cNvCxnSpPr>
+          <p:nvPr/>
+        </p:nvCxnSpPr>
+        <p:spPr>
+          <a:xfrm flipV="1">
+            <a:off x="5254660" y="2469777"/>
+            <a:ext cx="665041" cy="760433"/>
+          </a:xfrm>
+          <a:prstGeom prst="straightConnector1">
+            <a:avLst/>
+          </a:prstGeom>
+          <a:ln cap="flat">
+            <a:solidFill>
+              <a:schemeClr val="tx1">
+                <a:lumMod val="75000"/>
+                <a:lumOff val="25000"/>
+              </a:schemeClr>
+            </a:solidFill>
+            <a:prstDash val="dash"/>
+            <a:tailEnd type="stealth"/>
+          </a:ln>
+        </p:spPr>
+        <p:style>
+          <a:lnRef idx="1">
+            <a:schemeClr val="dk1"/>
+          </a:lnRef>
+          <a:fillRef idx="0">
+            <a:schemeClr val="dk1"/>
+          </a:fillRef>
+          <a:effectRef idx="0">
+            <a:schemeClr val="dk1"/>
+          </a:effectRef>
+          <a:fontRef idx="minor">
+            <a:schemeClr val="tx1"/>
+          </a:fontRef>
+        </p:style>
+      </p:cxnSp>
+      <p:sp>
+        <p:nvSpPr>
+          <p:cNvPr id="22" name="Flowchart: Connector 68">
+            <a:extLst>
+              <a:ext uri="{FF2B5EF4-FFF2-40B4-BE49-F238E27FC236}">
+                <a16:creationId xmlns:a16="http://schemas.microsoft.com/office/drawing/2014/main" id="{2F86F213-9044-634E-92D8-AA47D61B3401}"/>
+              </a:ext>
+            </a:extLst>
+          </p:cNvPr>
+          <p:cNvSpPr/>
+          <p:nvPr/>
+        </p:nvSpPr>
+        <p:spPr>
+          <a:xfrm>
+            <a:off x="4508429" y="4046094"/>
+            <a:ext cx="206644" cy="206644"/>
+          </a:xfrm>
+          <a:prstGeom prst="flowChartConnector">
+            <a:avLst/>
+          </a:prstGeom>
+          <a:solidFill>
+            <a:schemeClr val="accent1">
+              <a:lumMod val="75000"/>
+            </a:schemeClr>
+          </a:solidFill>
+          <a:ln>
+            <a:noFill/>
+          </a:ln>
+        </p:spPr>
+        <p:style>
+          <a:lnRef idx="2">
+            <a:schemeClr val="accent1">
+              <a:shade val="50000"/>
+            </a:schemeClr>
+          </a:lnRef>
+          <a:fillRef idx="1">
+            <a:schemeClr val="accent1"/>
+          </a:fillRef>
+          <a:effectRef idx="0">
+            <a:schemeClr val="accent1"/>
+          </a:effectRef>
+          <a:fontRef idx="minor">
+            <a:schemeClr val="lt1"/>
+          </a:fontRef>
+        </p:style>
+        <p:txBody>
+          <a:bodyPr rtlCol="0" anchor="ctr"/>
+          <a:lstStyle/>
+          <a:p>
+            <a:pPr algn="ctr"/>
+            <a:endParaRPr lang="en-US"/>
+          </a:p>
+        </p:txBody>
+      </p:sp>
+      <p:cxnSp>
+        <p:nvCxnSpPr>
+          <p:cNvPr id="23" name="Straight Arrow Connector 22">
+            <a:extLst>
+              <a:ext uri="{FF2B5EF4-FFF2-40B4-BE49-F238E27FC236}">
+                <a16:creationId xmlns:a16="http://schemas.microsoft.com/office/drawing/2014/main" id="{E7EBF6C5-403E-4D4A-B29D-E56EA80C0FB3}"/>
+              </a:ext>
+            </a:extLst>
+          </p:cNvPr>
+          <p:cNvCxnSpPr>
+            <a:cxnSpLocks/>
+            <a:stCxn id="2" idx="2"/>
+            <a:endCxn id="8" idx="6"/>
+          </p:cNvCxnSpPr>
+          <p:nvPr/>
+        </p:nvCxnSpPr>
+        <p:spPr>
+          <a:xfrm flipH="1">
+            <a:off x="3667018" y="3303270"/>
+            <a:ext cx="1411260" cy="0"/>
+          </a:xfrm>
+          <a:prstGeom prst="straightConnector1">
+            <a:avLst/>
+          </a:prstGeom>
+          <a:ln cap="flat">
+            <a:solidFill>
+              <a:schemeClr val="tx1">
+                <a:lumMod val="75000"/>
+                <a:lumOff val="25000"/>
+              </a:schemeClr>
+            </a:solidFill>
+            <a:prstDash val="dash"/>
+            <a:tailEnd type="stealth"/>
+          </a:ln>
+        </p:spPr>
+        <p:style>
+          <a:lnRef idx="1">
+            <a:schemeClr val="dk1"/>
+          </a:lnRef>
+          <a:fillRef idx="0">
+            <a:schemeClr val="dk1"/>
+          </a:fillRef>
+          <a:effectRef idx="0">
+            <a:schemeClr val="dk1"/>
+          </a:effectRef>
+          <a:fontRef idx="minor">
+            <a:schemeClr val="tx1"/>
+          </a:fontRef>
+        </p:style>
+      </p:cxnSp>
+      <p:cxnSp>
+        <p:nvCxnSpPr>
+          <p:cNvPr id="29" name="Straight Arrow Connector 28">
+            <a:extLst>
+              <a:ext uri="{FF2B5EF4-FFF2-40B4-BE49-F238E27FC236}">
+                <a16:creationId xmlns:a16="http://schemas.microsoft.com/office/drawing/2014/main" id="{DFCBEBEE-797A-1C4E-8762-BC6EC615865E}"/>
+              </a:ext>
+            </a:extLst>
+          </p:cNvPr>
+          <p:cNvCxnSpPr>
+            <a:cxnSpLocks/>
+            <a:stCxn id="2" idx="7"/>
+            <a:endCxn id="28" idx="3"/>
+          </p:cNvCxnSpPr>
+          <p:nvPr/>
+        </p:nvCxnSpPr>
+        <p:spPr>
+          <a:xfrm flipV="1">
+            <a:off x="5254660" y="2816887"/>
+            <a:ext cx="362782" cy="413323"/>
+          </a:xfrm>
+          <a:prstGeom prst="straightConnector1">
+            <a:avLst/>
+          </a:prstGeom>
+          <a:ln w="12700" cap="flat">
+            <a:solidFill>
+              <a:schemeClr val="tx1">
+                <a:lumMod val="75000"/>
+                <a:lumOff val="25000"/>
+              </a:schemeClr>
+            </a:solidFill>
+            <a:prstDash val="solid"/>
+            <a:tailEnd type="stealth"/>
+          </a:ln>
+        </p:spPr>
+        <p:style>
+          <a:lnRef idx="1">
+            <a:schemeClr val="dk1"/>
+          </a:lnRef>
+          <a:fillRef idx="0">
+            <a:schemeClr val="dk1"/>
+          </a:fillRef>
+          <a:effectRef idx="0">
+            <a:schemeClr val="dk1"/>
+          </a:effectRef>
+          <a:fontRef idx="minor">
+            <a:schemeClr val="tx1"/>
+          </a:fontRef>
+        </p:style>
+      </p:cxnSp>
+      <p:cxnSp>
+        <p:nvCxnSpPr>
+          <p:cNvPr id="40" name="Straight Arrow Connector 39">
+            <a:extLst>
+              <a:ext uri="{FF2B5EF4-FFF2-40B4-BE49-F238E27FC236}">
+                <a16:creationId xmlns:a16="http://schemas.microsoft.com/office/drawing/2014/main" id="{1494B96F-87DC-0D4A-9194-E43D72240CA9}"/>
+              </a:ext>
+            </a:extLst>
+          </p:cNvPr>
+          <p:cNvCxnSpPr>
+            <a:cxnSpLocks/>
+            <a:stCxn id="2" idx="2"/>
+            <a:endCxn id="38" idx="6"/>
+          </p:cNvCxnSpPr>
+          <p:nvPr/>
+        </p:nvCxnSpPr>
+        <p:spPr>
+          <a:xfrm flipH="1">
+            <a:off x="4770681" y="3303270"/>
+            <a:ext cx="307597" cy="0"/>
+          </a:xfrm>
+          <a:prstGeom prst="straightConnector1">
+            <a:avLst/>
+          </a:prstGeom>
+          <a:ln w="12700" cap="flat">
+            <a:solidFill>
+              <a:schemeClr val="tx1">
+                <a:lumMod val="75000"/>
+                <a:lumOff val="25000"/>
+              </a:schemeClr>
+            </a:solidFill>
+            <a:prstDash val="solid"/>
+            <a:tailEnd type="stealth"/>
+          </a:ln>
+        </p:spPr>
+        <p:style>
+          <a:lnRef idx="1">
+            <a:schemeClr val="dk1"/>
+          </a:lnRef>
+          <a:fillRef idx="0">
+            <a:schemeClr val="dk1"/>
+          </a:fillRef>
+          <a:effectRef idx="0">
+            <a:schemeClr val="dk1"/>
+          </a:effectRef>
+          <a:fontRef idx="minor">
+            <a:schemeClr val="tx1"/>
+          </a:fontRef>
+        </p:style>
+      </p:cxnSp>
+      <p:sp>
+        <p:nvSpPr>
+          <p:cNvPr id="46" name="Flowchart: Connector 39">
+            <a:extLst>
+              <a:ext uri="{FF2B5EF4-FFF2-40B4-BE49-F238E27FC236}">
+                <a16:creationId xmlns:a16="http://schemas.microsoft.com/office/drawing/2014/main" id="{5C8E9228-6A0B-7149-933C-BBC964495C14}"/>
+              </a:ext>
+            </a:extLst>
+          </p:cNvPr>
+          <p:cNvSpPr/>
+          <p:nvPr/>
+        </p:nvSpPr>
+        <p:spPr>
+          <a:xfrm>
+            <a:off x="6821296" y="4541851"/>
+            <a:ext cx="206644" cy="206644"/>
+          </a:xfrm>
+          <a:prstGeom prst="flowChartConnector">
+            <a:avLst/>
+          </a:prstGeom>
+          <a:solidFill>
+            <a:srgbClr val="C00000"/>
+          </a:solidFill>
+          <a:ln>
+            <a:noFill/>
+          </a:ln>
+        </p:spPr>
+        <p:style>
+          <a:lnRef idx="2">
+            <a:schemeClr val="accent1">
+              <a:shade val="50000"/>
+            </a:schemeClr>
+          </a:lnRef>
+          <a:fillRef idx="1">
+            <a:schemeClr val="accent1"/>
+          </a:fillRef>
+          <a:effectRef idx="0">
+            <a:schemeClr val="accent1"/>
+          </a:effectRef>
+          <a:fontRef idx="minor">
+            <a:schemeClr val="lt1"/>
+          </a:fontRef>
+        </p:style>
+        <p:txBody>
+          <a:bodyPr rtlCol="0" anchor="ctr"/>
+          <a:lstStyle/>
+          <a:p>
+            <a:pPr algn="ctr"/>
+            <a:endParaRPr lang="en-US"/>
+          </a:p>
+        </p:txBody>
+      </p:sp>
+      <p:sp>
+        <p:nvSpPr>
+          <p:cNvPr id="51" name="Flowchart: Connector 39">
+            <a:extLst>
+              <a:ext uri="{FF2B5EF4-FFF2-40B4-BE49-F238E27FC236}">
+                <a16:creationId xmlns:a16="http://schemas.microsoft.com/office/drawing/2014/main" id="{6168A329-AFFF-5F47-A713-3DAA3E51FC0F}"/>
+              </a:ext>
+            </a:extLst>
+          </p:cNvPr>
+          <p:cNvSpPr/>
+          <p:nvPr/>
+        </p:nvSpPr>
+        <p:spPr>
+          <a:xfrm>
+            <a:off x="5936282" y="4855326"/>
+            <a:ext cx="206644" cy="206644"/>
+          </a:xfrm>
+          <a:prstGeom prst="flowChartConnector">
+            <a:avLst/>
+          </a:prstGeom>
+          <a:solidFill>
+            <a:srgbClr val="C00000"/>
+          </a:solidFill>
+          <a:ln>
+            <a:noFill/>
+          </a:ln>
+        </p:spPr>
+        <p:style>
+          <a:lnRef idx="2">
+            <a:schemeClr val="accent1">
+              <a:shade val="50000"/>
+            </a:schemeClr>
+          </a:lnRef>
+          <a:fillRef idx="1">
+            <a:schemeClr val="accent1"/>
+          </a:fillRef>
+          <a:effectRef idx="0">
+            <a:schemeClr val="accent1"/>
+          </a:effectRef>
+          <a:fontRef idx="minor">
+            <a:schemeClr val="lt1"/>
+          </a:fontRef>
+        </p:style>
+        <p:txBody>
+          <a:bodyPr rtlCol="0" anchor="ctr"/>
+          <a:lstStyle/>
+          <a:p>
+            <a:pPr algn="ctr"/>
+            <a:endParaRPr lang="en-US"/>
+          </a:p>
+        </p:txBody>
+      </p:sp>
+      <p:sp>
+        <p:nvSpPr>
+          <p:cNvPr id="53" name="Flowchart: Connector 39">
+            <a:extLst>
+              <a:ext uri="{FF2B5EF4-FFF2-40B4-BE49-F238E27FC236}">
+                <a16:creationId xmlns:a16="http://schemas.microsoft.com/office/drawing/2014/main" id="{90A3CF02-76B1-6349-A7DB-8CD93324EDDE}"/>
+              </a:ext>
+            </a:extLst>
+          </p:cNvPr>
+          <p:cNvSpPr/>
+          <p:nvPr/>
+        </p:nvSpPr>
+        <p:spPr>
+          <a:xfrm>
+            <a:off x="6204444" y="3900253"/>
+            <a:ext cx="206644" cy="206644"/>
+          </a:xfrm>
+          <a:prstGeom prst="flowChartConnector">
+            <a:avLst/>
+          </a:prstGeom>
+          <a:solidFill>
+            <a:srgbClr val="C00000"/>
+          </a:solidFill>
+          <a:ln>
+            <a:noFill/>
+          </a:ln>
+        </p:spPr>
+        <p:style>
+          <a:lnRef idx="2">
+            <a:schemeClr val="accent1">
+              <a:shade val="50000"/>
+            </a:schemeClr>
+          </a:lnRef>
+          <a:fillRef idx="1">
+            <a:schemeClr val="accent1"/>
+          </a:fillRef>
+          <a:effectRef idx="0">
+            <a:schemeClr val="accent1"/>
+          </a:effectRef>
+          <a:fontRef idx="minor">
+            <a:schemeClr val="lt1"/>
+          </a:fontRef>
+        </p:style>
+        <p:txBody>
+          <a:bodyPr rtlCol="0" anchor="ctr"/>
+          <a:lstStyle/>
+          <a:p>
+            <a:pPr algn="ctr"/>
+            <a:endParaRPr lang="en-US"/>
+          </a:p>
+        </p:txBody>
+      </p:sp>
+      <p:sp>
+        <p:nvSpPr>
+          <p:cNvPr id="54" name="Flowchart: Connector 39">
+            <a:extLst>
+              <a:ext uri="{FF2B5EF4-FFF2-40B4-BE49-F238E27FC236}">
+                <a16:creationId xmlns:a16="http://schemas.microsoft.com/office/drawing/2014/main" id="{37787DA0-6D6A-C24D-B6EC-23CA3B44C31D}"/>
+              </a:ext>
+            </a:extLst>
+          </p:cNvPr>
+          <p:cNvSpPr/>
+          <p:nvPr/>
+        </p:nvSpPr>
+        <p:spPr>
+          <a:xfrm>
+            <a:off x="5578989" y="4438529"/>
+            <a:ext cx="206644" cy="206644"/>
+          </a:xfrm>
+          <a:prstGeom prst="flowChartConnector">
+            <a:avLst/>
+          </a:prstGeom>
+          <a:solidFill>
+            <a:srgbClr val="C00000"/>
+          </a:solidFill>
+          <a:ln>
+            <a:noFill/>
+          </a:ln>
+        </p:spPr>
+        <p:style>
+          <a:lnRef idx="2">
+            <a:schemeClr val="accent1">
+              <a:shade val="50000"/>
+            </a:schemeClr>
+          </a:lnRef>
+          <a:fillRef idx="1">
+            <a:schemeClr val="accent1"/>
+          </a:fillRef>
+          <a:effectRef idx="0">
+            <a:schemeClr val="accent1"/>
+          </a:effectRef>
+          <a:fontRef idx="minor">
+            <a:schemeClr val="lt1"/>
+          </a:fontRef>
+        </p:style>
+        <p:txBody>
+          <a:bodyPr rtlCol="0" anchor="ctr"/>
+          <a:lstStyle/>
+          <a:p>
+            <a:pPr algn="ctr"/>
+            <a:endParaRPr lang="en-US"/>
+          </a:p>
+        </p:txBody>
+      </p:sp>
+      <p:sp>
+        <p:nvSpPr>
+          <p:cNvPr id="55" name="Flowchart: Connector 39">
+            <a:extLst>
+              <a:ext uri="{FF2B5EF4-FFF2-40B4-BE49-F238E27FC236}">
+                <a16:creationId xmlns:a16="http://schemas.microsoft.com/office/drawing/2014/main" id="{DDA8D256-9EEE-9E4A-AE5B-2C3A6A4395A2}"/>
+              </a:ext>
+            </a:extLst>
+          </p:cNvPr>
+          <p:cNvSpPr/>
+          <p:nvPr/>
+        </p:nvSpPr>
+        <p:spPr>
+          <a:xfrm>
+            <a:off x="6194709" y="4348656"/>
+            <a:ext cx="206644" cy="206644"/>
+          </a:xfrm>
+          <a:prstGeom prst="flowChartConnector">
+            <a:avLst/>
+          </a:prstGeom>
+          <a:solidFill>
+            <a:srgbClr val="C00000"/>
+          </a:solidFill>
+          <a:ln>
+            <a:noFill/>
+          </a:ln>
+        </p:spPr>
+        <p:style>
+          <a:lnRef idx="2">
+            <a:schemeClr val="accent1">
+              <a:shade val="50000"/>
+            </a:schemeClr>
+          </a:lnRef>
+          <a:fillRef idx="1">
+            <a:schemeClr val="accent1"/>
+          </a:fillRef>
+          <a:effectRef idx="0">
+            <a:schemeClr val="accent1"/>
+          </a:effectRef>
+          <a:fontRef idx="minor">
+            <a:schemeClr val="lt1"/>
+          </a:fontRef>
+        </p:style>
+        <p:txBody>
+          <a:bodyPr rtlCol="0" anchor="ctr"/>
+          <a:lstStyle/>
+          <a:p>
+            <a:pPr algn="ctr"/>
+            <a:endParaRPr lang="en-US"/>
+          </a:p>
+        </p:txBody>
+      </p:sp>
+      <p:sp>
+        <p:nvSpPr>
+          <p:cNvPr id="56" name="Flowchart: Connector 39">
+            <a:extLst>
+              <a:ext uri="{FF2B5EF4-FFF2-40B4-BE49-F238E27FC236}">
+                <a16:creationId xmlns:a16="http://schemas.microsoft.com/office/drawing/2014/main" id="{DE5A779B-14CB-E64C-B759-4985C1643871}"/>
+              </a:ext>
+            </a:extLst>
+          </p:cNvPr>
+          <p:cNvSpPr/>
+          <p:nvPr/>
+        </p:nvSpPr>
+        <p:spPr>
+          <a:xfrm>
+            <a:off x="6774632" y="3900253"/>
+            <a:ext cx="206644" cy="206644"/>
+          </a:xfrm>
+          <a:prstGeom prst="flowChartConnector">
+            <a:avLst/>
+          </a:prstGeom>
+          <a:solidFill>
+            <a:srgbClr val="C00000"/>
+          </a:solidFill>
+          <a:ln>
+            <a:noFill/>
+          </a:ln>
+        </p:spPr>
+        <p:style>
+          <a:lnRef idx="2">
+            <a:schemeClr val="accent1">
+              <a:shade val="50000"/>
+            </a:schemeClr>
+          </a:lnRef>
+          <a:fillRef idx="1">
+            <a:schemeClr val="accent1"/>
+          </a:fillRef>
+          <a:effectRef idx="0">
+            <a:schemeClr val="accent1"/>
+          </a:effectRef>
+          <a:fontRef idx="minor">
+            <a:schemeClr val="lt1"/>
+          </a:fontRef>
+        </p:style>
+        <p:txBody>
+          <a:bodyPr rtlCol="0" anchor="ctr"/>
+          <a:lstStyle/>
+          <a:p>
+            <a:pPr algn="ctr"/>
+            <a:endParaRPr lang="en-US"/>
+          </a:p>
+        </p:txBody>
+      </p:sp>
+      <p:sp>
+        <p:nvSpPr>
+          <p:cNvPr id="57" name="Flowchart: Connector 39">
+            <a:extLst>
+              <a:ext uri="{FF2B5EF4-FFF2-40B4-BE49-F238E27FC236}">
+                <a16:creationId xmlns:a16="http://schemas.microsoft.com/office/drawing/2014/main" id="{BAC8F4CC-A8F1-AB43-8BE7-CD2265C05BF0}"/>
+              </a:ext>
+            </a:extLst>
+          </p:cNvPr>
+          <p:cNvSpPr/>
+          <p:nvPr/>
+        </p:nvSpPr>
+        <p:spPr>
+          <a:xfrm>
+            <a:off x="4245521" y="1490271"/>
+            <a:ext cx="206644" cy="206644"/>
+          </a:xfrm>
+          <a:prstGeom prst="flowChartConnector">
+            <a:avLst/>
+          </a:prstGeom>
+          <a:solidFill>
+            <a:srgbClr val="C00000"/>
+          </a:solidFill>
+          <a:ln>
+            <a:noFill/>
+          </a:ln>
+        </p:spPr>
+        <p:style>
+          <a:lnRef idx="2">
+            <a:schemeClr val="accent1">
+              <a:shade val="50000"/>
+            </a:schemeClr>
+          </a:lnRef>
+          <a:fillRef idx="1">
+            <a:schemeClr val="accent1"/>
+          </a:fillRef>
+          <a:effectRef idx="0">
+            <a:schemeClr val="accent1"/>
+          </a:effectRef>
+          <a:fontRef idx="minor">
+            <a:schemeClr val="lt1"/>
+          </a:fontRef>
+        </p:style>
+        <p:txBody>
+          <a:bodyPr rtlCol="0" anchor="ctr"/>
+          <a:lstStyle/>
+          <a:p>
+            <a:pPr algn="ctr"/>
+            <a:endParaRPr lang="en-US"/>
+          </a:p>
+        </p:txBody>
+      </p:sp>
+      <p:sp>
+        <p:nvSpPr>
+          <p:cNvPr id="58" name="Flowchart: Connector 39">
+            <a:extLst>
+              <a:ext uri="{FF2B5EF4-FFF2-40B4-BE49-F238E27FC236}">
+                <a16:creationId xmlns:a16="http://schemas.microsoft.com/office/drawing/2014/main" id="{F4C24297-2FDA-0C45-B73B-067A68873B6B}"/>
+              </a:ext>
+            </a:extLst>
+          </p:cNvPr>
+          <p:cNvSpPr/>
+          <p:nvPr/>
+        </p:nvSpPr>
+        <p:spPr>
+          <a:xfrm>
+            <a:off x="3778336" y="2476109"/>
+            <a:ext cx="206644" cy="206644"/>
+          </a:xfrm>
+          <a:prstGeom prst="flowChartConnector">
+            <a:avLst/>
+          </a:prstGeom>
+          <a:solidFill>
+            <a:srgbClr val="C00000"/>
+          </a:solidFill>
+          <a:ln>
+            <a:noFill/>
+          </a:ln>
+        </p:spPr>
+        <p:style>
+          <a:lnRef idx="2">
+            <a:schemeClr val="accent1">
+              <a:shade val="50000"/>
+            </a:schemeClr>
+          </a:lnRef>
+          <a:fillRef idx="1">
+            <a:schemeClr val="accent1"/>
+          </a:fillRef>
+          <a:effectRef idx="0">
+            <a:schemeClr val="accent1"/>
+          </a:effectRef>
+          <a:fontRef idx="minor">
+            <a:schemeClr val="lt1"/>
+          </a:fontRef>
+        </p:style>
+        <p:txBody>
+          <a:bodyPr rtlCol="0" anchor="ctr"/>
+          <a:lstStyle/>
+          <a:p>
+            <a:pPr algn="ctr"/>
+            <a:endParaRPr lang="en-US"/>
+          </a:p>
+        </p:txBody>
+      </p:sp>
+      <p:sp>
+        <p:nvSpPr>
+          <p:cNvPr id="59" name="Flowchart: Connector 39">
+            <a:extLst>
+              <a:ext uri="{FF2B5EF4-FFF2-40B4-BE49-F238E27FC236}">
+                <a16:creationId xmlns:a16="http://schemas.microsoft.com/office/drawing/2014/main" id="{43112595-D223-CD4F-814B-36D57ACF6320}"/>
+              </a:ext>
+            </a:extLst>
+          </p:cNvPr>
+          <p:cNvSpPr/>
+          <p:nvPr/>
+        </p:nvSpPr>
+        <p:spPr>
+          <a:xfrm>
+            <a:off x="4349287" y="2026451"/>
+            <a:ext cx="206644" cy="206644"/>
+          </a:xfrm>
+          <a:prstGeom prst="flowChartConnector">
+            <a:avLst/>
+          </a:prstGeom>
+          <a:solidFill>
+            <a:srgbClr val="C00000"/>
+          </a:solidFill>
+          <a:ln>
+            <a:noFill/>
+          </a:ln>
+        </p:spPr>
+        <p:style>
+          <a:lnRef idx="2">
+            <a:schemeClr val="accent1">
+              <a:shade val="50000"/>
+            </a:schemeClr>
+          </a:lnRef>
+          <a:fillRef idx="1">
+            <a:schemeClr val="accent1"/>
+          </a:fillRef>
+          <a:effectRef idx="0">
+            <a:schemeClr val="accent1"/>
+          </a:effectRef>
+          <a:fontRef idx="minor">
+            <a:schemeClr val="lt1"/>
+          </a:fontRef>
+        </p:style>
+        <p:txBody>
+          <a:bodyPr rtlCol="0" anchor="ctr"/>
+          <a:lstStyle/>
+          <a:p>
+            <a:pPr algn="ctr"/>
+            <a:endParaRPr lang="en-US"/>
+          </a:p>
+        </p:txBody>
+      </p:sp>
+      <p:sp>
+        <p:nvSpPr>
+          <p:cNvPr id="62" name="Flowchart: Connector 39">
+            <a:extLst>
+              <a:ext uri="{FF2B5EF4-FFF2-40B4-BE49-F238E27FC236}">
+                <a16:creationId xmlns:a16="http://schemas.microsoft.com/office/drawing/2014/main" id="{C3CAB9E4-EE27-CD48-9B66-0522995DEE40}"/>
+              </a:ext>
+            </a:extLst>
+          </p:cNvPr>
+          <p:cNvSpPr/>
+          <p:nvPr/>
+        </p:nvSpPr>
+        <p:spPr>
+          <a:xfrm>
+            <a:off x="3335260" y="2102675"/>
+            <a:ext cx="206644" cy="206644"/>
+          </a:xfrm>
+          <a:prstGeom prst="flowChartConnector">
+            <a:avLst/>
+          </a:prstGeom>
+          <a:solidFill>
+            <a:srgbClr val="C00000"/>
+          </a:solidFill>
+          <a:ln>
+            <a:noFill/>
+          </a:ln>
+        </p:spPr>
+        <p:style>
+          <a:lnRef idx="2">
+            <a:schemeClr val="accent1">
+              <a:shade val="50000"/>
+            </a:schemeClr>
+          </a:lnRef>
+          <a:fillRef idx="1">
+            <a:schemeClr val="accent1"/>
+          </a:fillRef>
+          <a:effectRef idx="0">
+            <a:schemeClr val="accent1"/>
+          </a:effectRef>
+          <a:fontRef idx="minor">
+            <a:schemeClr val="lt1"/>
+          </a:fontRef>
+        </p:style>
+        <p:txBody>
+          <a:bodyPr rtlCol="0" anchor="ctr"/>
+          <a:lstStyle/>
+          <a:p>
+            <a:pPr algn="ctr"/>
+            <a:endParaRPr lang="en-US"/>
+          </a:p>
+        </p:txBody>
+      </p:sp>
+    </p:spTree>
+    <p:extLst>
+      <p:ext uri="{BB962C8B-B14F-4D97-AF65-F5344CB8AC3E}">
+        <p14:creationId xmlns:p14="http://schemas.microsoft.com/office/powerpoint/2010/main" val="80377388"/>
+      </p:ext>
+    </p:extLst>
+  </p:cSld>
+  <p:clrMapOvr>
+    <a:masterClrMapping/>
+  </p:clrMapOvr>
+</p:sld>
+</file>
+
+<file path=ppt/slides/slide13.xml><?xml version="1.0" encoding="utf-8"?>
 <p:sld xmlns:a="http://schemas.openxmlformats.org/drawingml/2006/main" xmlns:r="http://schemas.openxmlformats.org/officeDocument/2006/relationships" xmlns:p="http://schemas.openxmlformats.org/presentationml/2006/main">
   <p:cSld>
     <p:spTree>
